--- a/workshop/dapr_pydata_2025.pptx
+++ b/workshop/dapr_pydata_2025.pptx
@@ -47510,7 +47510,16 @@
                   <a:cs typeface="Space Grotesk"/>
                   <a:sym typeface="Space Grotesk"/>
                 </a:rPr>
-                <a:t>TODO</a:t>
+                <a:t>pydata_ams2025_</a:t>
+              </a:r>
+              <a:r>
+                <a:rPr lang="en-US" sz="1700">
+                  <a:latin typeface="Space Grotesk"/>
+                  <a:ea typeface="Space Grotesk"/>
+                  <a:cs typeface="Space Grotesk"/>
+                  <a:sym typeface="Space Grotesk"/>
+                </a:rPr>
+                <a:t>dapr</a:t>
               </a:r>
               <a:endParaRPr b="0" i="0" sz="1700" u="none" cap="none" strike="noStrike">
                 <a:solidFill>

--- a/workshop/dapr_pydata_2025.pptx
+++ b/workshop/dapr_pydata_2025.pptx
@@ -39,24 +39,25 @@
     <p:sldId id="284" r:id="rId33"/>
     <p:sldId id="285" r:id="rId34"/>
     <p:sldId id="286" r:id="rId35"/>
+    <p:sldId id="287" r:id="rId36"/>
   </p:sldIdLst>
   <p:sldSz cy="6858000" cx="12192000"/>
   <p:notesSz cx="6858000" cy="9144000"/>
   <p:embeddedFontLst>
     <p:embeddedFont>
       <p:font typeface="Space Grotesk Light"/>
-      <p:regular r:id="rId36"/>
-      <p:bold r:id="rId37"/>
+      <p:regular r:id="rId37"/>
+      <p:bold r:id="rId38"/>
     </p:embeddedFont>
     <p:embeddedFont>
       <p:font typeface="Space Grotesk Medium"/>
-      <p:regular r:id="rId38"/>
-      <p:bold r:id="rId39"/>
+      <p:regular r:id="rId39"/>
+      <p:bold r:id="rId40"/>
     </p:embeddedFont>
     <p:embeddedFont>
       <p:font typeface="Space Grotesk"/>
-      <p:regular r:id="rId40"/>
-      <p:bold r:id="rId41"/>
+      <p:regular r:id="rId41"/>
+      <p:bold r:id="rId42"/>
     </p:embeddedFont>
   </p:embeddedFontLst>
   <p:defaultTextStyle>
@@ -290,7 +291,7 @@
   </p:defaultTextStyle>
   <p:extLst>
     <p:ext uri="GoogleSlidesCustomDataVersion2">
-      <go:slidesCustomData xmlns:go="http://customooxmlschemas.google.com/" r:id="rId42" roundtripDataSignature="AMtx7mh/dbg9lOx9ZboD6NQNfFxMc9+b+A=="/>
+      <go:slidesCustomData xmlns:go="http://customooxmlschemas.google.com/" r:id="rId43" roundtripDataSignature="AMtx7mgVNYmeim9mcRaZEaCE9bZraNpUEQ=="/>
     </p:ext>
   </p:extLst>
 </p:presentation>
@@ -991,7 +992,7 @@
   <p:cSld>
     <p:spTree>
       <p:nvGrpSpPr>
-        <p:cNvPr id="250" name="Shape 250"/>
+        <p:cNvPr id="251" name="Shape 251"/>
         <p:cNvGrpSpPr/>
         <p:nvPr/>
       </p:nvGrpSpPr>
@@ -1005,7 +1006,7 @@
       </p:grpSpPr>
       <p:sp>
         <p:nvSpPr>
-          <p:cNvPr id="251" name="Google Shape;251;g37c18a80264_0_186:notes"/>
+          <p:cNvPr id="252" name="Google Shape;252;g37c18a80264_0_186:notes"/>
           <p:cNvSpPr/>
           <p:nvPr>
             <p:ph idx="2" type="sldImg"/>
@@ -1050,7 +1051,7 @@
       </p:sp>
       <p:sp>
         <p:nvSpPr>
-          <p:cNvPr id="252" name="Google Shape;252;g37c18a80264_0_186:notes"/>
+          <p:cNvPr id="253" name="Google Shape;253;g37c18a80264_0_186:notes"/>
           <p:cNvSpPr txBox="1"/>
           <p:nvPr>
             <p:ph idx="1" type="body"/>
@@ -1112,7 +1113,7 @@
   <p:cSld>
     <p:spTree>
       <p:nvGrpSpPr>
-        <p:cNvPr id="267" name="Shape 267"/>
+        <p:cNvPr id="268" name="Shape 268"/>
         <p:cNvGrpSpPr/>
         <p:nvPr/>
       </p:nvGrpSpPr>
@@ -1126,7 +1127,7 @@
       </p:grpSpPr>
       <p:sp>
         <p:nvSpPr>
-          <p:cNvPr id="268" name="Google Shape;268;g37c18a80264_0_39:notes"/>
+          <p:cNvPr id="269" name="Google Shape;269;g37c18a80264_0_39:notes"/>
           <p:cNvSpPr txBox="1"/>
           <p:nvPr>
             <p:ph idx="1" type="body"/>
@@ -1178,7 +1179,7 @@
       </p:sp>
       <p:sp>
         <p:nvSpPr>
-          <p:cNvPr id="269" name="Google Shape;269;g37c18a80264_0_39:notes"/>
+          <p:cNvPr id="270" name="Google Shape;270;g37c18a80264_0_39:notes"/>
           <p:cNvSpPr/>
           <p:nvPr>
             <p:ph idx="2" type="sldImg"/>
@@ -1234,7 +1235,7 @@
   <p:cSld>
     <p:spTree>
       <p:nvGrpSpPr>
-        <p:cNvPr id="273" name="Shape 273"/>
+        <p:cNvPr id="274" name="Shape 274"/>
         <p:cNvGrpSpPr/>
         <p:nvPr/>
       </p:nvGrpSpPr>
@@ -1248,7 +1249,7 @@
       </p:grpSpPr>
       <p:sp>
         <p:nvSpPr>
-          <p:cNvPr id="274" name="Google Shape;274;g37d00b41481_0_1:notes"/>
+          <p:cNvPr id="275" name="Google Shape;275;g37d00b41481_0_1:notes"/>
           <p:cNvSpPr/>
           <p:nvPr>
             <p:ph idx="2" type="sldImg"/>
@@ -1293,7 +1294,7 @@
       </p:sp>
       <p:sp>
         <p:nvSpPr>
-          <p:cNvPr id="275" name="Google Shape;275;g37d00b41481_0_1:notes"/>
+          <p:cNvPr id="276" name="Google Shape;276;g37d00b41481_0_1:notes"/>
           <p:cNvSpPr txBox="1"/>
           <p:nvPr>
             <p:ph idx="1" type="body"/>
@@ -1355,7 +1356,7 @@
   <p:cSld>
     <p:spTree>
       <p:nvGrpSpPr>
-        <p:cNvPr id="284" name="Shape 284"/>
+        <p:cNvPr id="285" name="Shape 285"/>
         <p:cNvGrpSpPr/>
         <p:nvPr/>
       </p:nvGrpSpPr>
@@ -1369,7 +1370,7 @@
       </p:grpSpPr>
       <p:sp>
         <p:nvSpPr>
-          <p:cNvPr id="285" name="Google Shape;285;g37bfccee378_0_148:notes"/>
+          <p:cNvPr id="286" name="Google Shape;286;g37bfccee378_0_148:notes"/>
           <p:cNvSpPr/>
           <p:nvPr>
             <p:ph idx="2" type="sldImg"/>
@@ -1414,7 +1415,7 @@
       </p:sp>
       <p:sp>
         <p:nvSpPr>
-          <p:cNvPr id="286" name="Google Shape;286;g37bfccee378_0_148:notes"/>
+          <p:cNvPr id="287" name="Google Shape;287;g37bfccee378_0_148:notes"/>
           <p:cNvSpPr txBox="1"/>
           <p:nvPr>
             <p:ph idx="1" type="body"/>
@@ -1476,7 +1477,7 @@
   <p:cSld>
     <p:spTree>
       <p:nvGrpSpPr>
-        <p:cNvPr id="310" name="Shape 310"/>
+        <p:cNvPr id="312" name="Shape 312"/>
         <p:cNvGrpSpPr/>
         <p:nvPr/>
       </p:nvGrpSpPr>
@@ -1490,7 +1491,7 @@
       </p:grpSpPr>
       <p:sp>
         <p:nvSpPr>
-          <p:cNvPr id="311" name="Google Shape;311;g37bfccee378_0_212:notes"/>
+          <p:cNvPr id="313" name="Google Shape;313;g37bfccee378_0_212:notes"/>
           <p:cNvSpPr/>
           <p:nvPr>
             <p:ph idx="2" type="sldImg"/>
@@ -1535,7 +1536,7 @@
       </p:sp>
       <p:sp>
         <p:nvSpPr>
-          <p:cNvPr id="312" name="Google Shape;312;g37bfccee378_0_212:notes"/>
+          <p:cNvPr id="314" name="Google Shape;314;g37bfccee378_0_212:notes"/>
           <p:cNvSpPr txBox="1"/>
           <p:nvPr>
             <p:ph idx="1" type="body"/>
@@ -1597,7 +1598,7 @@
   <p:cSld>
     <p:spTree>
       <p:nvGrpSpPr>
-        <p:cNvPr id="332" name="Shape 332"/>
+        <p:cNvPr id="335" name="Shape 335"/>
         <p:cNvGrpSpPr/>
         <p:nvPr/>
       </p:nvGrpSpPr>
@@ -1611,7 +1612,7 @@
       </p:grpSpPr>
       <p:sp>
         <p:nvSpPr>
-          <p:cNvPr id="333" name="Google Shape;333;g37c18a80264_0_44:notes"/>
+          <p:cNvPr id="336" name="Google Shape;336;g37c18a80264_0_44:notes"/>
           <p:cNvSpPr txBox="1"/>
           <p:nvPr>
             <p:ph idx="1" type="body"/>
@@ -1663,7 +1664,7 @@
       </p:sp>
       <p:sp>
         <p:nvSpPr>
-          <p:cNvPr id="334" name="Google Shape;334;g37c18a80264_0_44:notes"/>
+          <p:cNvPr id="337" name="Google Shape;337;g37c18a80264_0_44:notes"/>
           <p:cNvSpPr/>
           <p:nvPr>
             <p:ph idx="2" type="sldImg"/>
@@ -1719,7 +1720,7 @@
   <p:cSld>
     <p:spTree>
       <p:nvGrpSpPr>
-        <p:cNvPr id="339" name="Shape 339"/>
+        <p:cNvPr id="342" name="Shape 342"/>
         <p:cNvGrpSpPr/>
         <p:nvPr/>
       </p:nvGrpSpPr>
@@ -1733,7 +1734,7 @@
       </p:grpSpPr>
       <p:sp>
         <p:nvSpPr>
-          <p:cNvPr id="340" name="Google Shape;340;g37bb5411cec_3_0:notes"/>
+          <p:cNvPr id="343" name="Google Shape;343;g37bb5411cec_3_0:notes"/>
           <p:cNvSpPr txBox="1"/>
           <p:nvPr>
             <p:ph idx="1" type="body"/>
@@ -1785,7 +1786,7 @@
       </p:sp>
       <p:sp>
         <p:nvSpPr>
-          <p:cNvPr id="341" name="Google Shape;341;g37bb5411cec_3_0:notes"/>
+          <p:cNvPr id="344" name="Google Shape;344;g37bb5411cec_3_0:notes"/>
           <p:cNvSpPr/>
           <p:nvPr>
             <p:ph idx="2" type="sldImg"/>
@@ -1841,7 +1842,7 @@
   <p:cSld>
     <p:spTree>
       <p:nvGrpSpPr>
-        <p:cNvPr id="383" name="Shape 383"/>
+        <p:cNvPr id="386" name="Shape 386"/>
         <p:cNvGrpSpPr/>
         <p:nvPr/>
       </p:nvGrpSpPr>
@@ -1855,7 +1856,7 @@
       </p:grpSpPr>
       <p:sp>
         <p:nvSpPr>
-          <p:cNvPr id="384" name="Google Shape;384;g37b1eb3f262_1_91:notes"/>
+          <p:cNvPr id="387" name="Google Shape;387;g37b1eb3f262_1_91:notes"/>
           <p:cNvSpPr txBox="1"/>
           <p:nvPr>
             <p:ph idx="1" type="body"/>
@@ -1902,7 +1903,7 @@
       </p:sp>
       <p:sp>
         <p:nvSpPr>
-          <p:cNvPr id="385" name="Google Shape;385;g37b1eb3f262_1_91:notes"/>
+          <p:cNvPr id="388" name="Google Shape;388;g37b1eb3f262_1_91:notes"/>
           <p:cNvSpPr/>
           <p:nvPr>
             <p:ph idx="2" type="sldImg"/>
@@ -1958,7 +1959,7 @@
   <p:cSld>
     <p:spTree>
       <p:nvGrpSpPr>
-        <p:cNvPr id="415" name="Shape 415"/>
+        <p:cNvPr id="418" name="Shape 418"/>
         <p:cNvGrpSpPr/>
         <p:nvPr/>
       </p:nvGrpSpPr>
@@ -1972,7 +1973,7 @@
       </p:grpSpPr>
       <p:sp>
         <p:nvSpPr>
-          <p:cNvPr id="416" name="Google Shape;416;g37a4c1e476d_0_749:notes"/>
+          <p:cNvPr id="419" name="Google Shape;419;g37a4c1e476d_0_749:notes"/>
           <p:cNvSpPr txBox="1"/>
           <p:nvPr>
             <p:ph idx="1" type="body"/>
@@ -2019,7 +2020,7 @@
       </p:sp>
       <p:sp>
         <p:nvSpPr>
-          <p:cNvPr id="417" name="Google Shape;417;g37a4c1e476d_0_749:notes"/>
+          <p:cNvPr id="420" name="Google Shape;420;g37a4c1e476d_0_749:notes"/>
           <p:cNvSpPr/>
           <p:nvPr>
             <p:ph idx="2" type="sldImg"/>
@@ -2075,7 +2076,7 @@
   <p:cSld>
     <p:spTree>
       <p:nvGrpSpPr>
-        <p:cNvPr id="452" name="Shape 452"/>
+        <p:cNvPr id="455" name="Shape 455"/>
         <p:cNvGrpSpPr/>
         <p:nvPr/>
       </p:nvGrpSpPr>
@@ -2089,7 +2090,7 @@
       </p:grpSpPr>
       <p:sp>
         <p:nvSpPr>
-          <p:cNvPr id="453" name="Google Shape;453;g37a4c1e476d_0_785:notes"/>
+          <p:cNvPr id="456" name="Google Shape;456;g37a4c1e476d_0_785:notes"/>
           <p:cNvSpPr txBox="1"/>
           <p:nvPr>
             <p:ph idx="1" type="body"/>
@@ -2136,7 +2137,7 @@
       </p:sp>
       <p:sp>
         <p:nvSpPr>
-          <p:cNvPr id="454" name="Google Shape;454;g37a4c1e476d_0_785:notes"/>
+          <p:cNvPr id="457" name="Google Shape;457;g37a4c1e476d_0_785:notes"/>
           <p:cNvSpPr/>
           <p:nvPr>
             <p:ph idx="2" type="sldImg"/>
@@ -2314,7 +2315,7 @@
   <p:cSld>
     <p:spTree>
       <p:nvGrpSpPr>
-        <p:cNvPr id="493" name="Shape 493"/>
+        <p:cNvPr id="496" name="Shape 496"/>
         <p:cNvGrpSpPr/>
         <p:nvPr/>
       </p:nvGrpSpPr>
@@ -2328,7 +2329,7 @@
       </p:grpSpPr>
       <p:sp>
         <p:nvSpPr>
-          <p:cNvPr id="494" name="Google Shape;494;g37c000b0c4c_1_0:notes"/>
+          <p:cNvPr id="497" name="Google Shape;497;g37c000b0c4c_1_0:notes"/>
           <p:cNvSpPr/>
           <p:nvPr>
             <p:ph idx="2" type="sldImg"/>
@@ -2373,7 +2374,7 @@
       </p:sp>
       <p:sp>
         <p:nvSpPr>
-          <p:cNvPr id="495" name="Google Shape;495;g37c000b0c4c_1_0:notes"/>
+          <p:cNvPr id="498" name="Google Shape;498;g37c000b0c4c_1_0:notes"/>
           <p:cNvSpPr txBox="1"/>
           <p:nvPr>
             <p:ph idx="1" type="body"/>
@@ -2435,7 +2436,7 @@
   <p:cSld>
     <p:spTree>
       <p:nvGrpSpPr>
-        <p:cNvPr id="503" name="Shape 503"/>
+        <p:cNvPr id="506" name="Shape 506"/>
         <p:cNvGrpSpPr/>
         <p:nvPr/>
       </p:nvGrpSpPr>
@@ -2449,7 +2450,7 @@
       </p:grpSpPr>
       <p:sp>
         <p:nvSpPr>
-          <p:cNvPr id="504" name="Google Shape;504;g37a4c1e476d_0_607:notes"/>
+          <p:cNvPr id="507" name="Google Shape;507;g37a4c1e476d_0_607:notes"/>
           <p:cNvSpPr/>
           <p:nvPr>
             <p:ph idx="2" type="sldImg"/>
@@ -2494,7 +2495,7 @@
       </p:sp>
       <p:sp>
         <p:nvSpPr>
-          <p:cNvPr id="505" name="Google Shape;505;g37a4c1e476d_0_607:notes"/>
+          <p:cNvPr id="508" name="Google Shape;508;g37a4c1e476d_0_607:notes"/>
           <p:cNvSpPr txBox="1"/>
           <p:nvPr>
             <p:ph idx="1" type="body"/>
@@ -2556,7 +2557,7 @@
   <p:cSld>
     <p:spTree>
       <p:nvGrpSpPr>
-        <p:cNvPr id="517" name="Shape 517"/>
+        <p:cNvPr id="520" name="Shape 520"/>
         <p:cNvGrpSpPr/>
         <p:nvPr/>
       </p:nvGrpSpPr>
@@ -2570,7 +2571,7 @@
       </p:grpSpPr>
       <p:sp>
         <p:nvSpPr>
-          <p:cNvPr id="518" name="Google Shape;518;g37bfccee378_0_47:notes"/>
+          <p:cNvPr id="521" name="Google Shape;521;g37bfccee378_0_47:notes"/>
           <p:cNvSpPr/>
           <p:nvPr>
             <p:ph idx="2" type="sldImg"/>
@@ -2615,7 +2616,7 @@
       </p:sp>
       <p:sp>
         <p:nvSpPr>
-          <p:cNvPr id="519" name="Google Shape;519;g37bfccee378_0_47:notes"/>
+          <p:cNvPr id="522" name="Google Shape;522;g37bfccee378_0_47:notes"/>
           <p:cNvSpPr txBox="1"/>
           <p:nvPr>
             <p:ph idx="1" type="body"/>
@@ -2677,7 +2678,7 @@
   <p:cSld>
     <p:spTree>
       <p:nvGrpSpPr>
-        <p:cNvPr id="532" name="Shape 532"/>
+        <p:cNvPr id="535" name="Shape 535"/>
         <p:cNvGrpSpPr/>
         <p:nvPr/>
       </p:nvGrpSpPr>
@@ -2691,7 +2692,7 @@
       </p:grpSpPr>
       <p:sp>
         <p:nvSpPr>
-          <p:cNvPr id="533" name="Google Shape;533;g37bfccee378_0_127:notes"/>
+          <p:cNvPr id="536" name="Google Shape;536;g37bfccee378_0_127:notes"/>
           <p:cNvSpPr/>
           <p:nvPr>
             <p:ph idx="2" type="sldImg"/>
@@ -2736,7 +2737,7 @@
       </p:sp>
       <p:sp>
         <p:nvSpPr>
-          <p:cNvPr id="534" name="Google Shape;534;g37bfccee378_0_127:notes"/>
+          <p:cNvPr id="537" name="Google Shape;537;g37bfccee378_0_127:notes"/>
           <p:cNvSpPr txBox="1"/>
           <p:nvPr>
             <p:ph idx="1" type="body"/>
@@ -2798,7 +2799,7 @@
   <p:cSld>
     <p:spTree>
       <p:nvGrpSpPr>
-        <p:cNvPr id="540" name="Shape 540"/>
+        <p:cNvPr id="543" name="Shape 543"/>
         <p:cNvGrpSpPr/>
         <p:nvPr/>
       </p:nvGrpSpPr>
@@ -2812,7 +2813,7 @@
       </p:grpSpPr>
       <p:sp>
         <p:nvSpPr>
-          <p:cNvPr id="541" name="Google Shape;541;g37c000b0c4c_3_0:notes"/>
+          <p:cNvPr id="544" name="Google Shape;544;g37c000b0c4c_3_0:notes"/>
           <p:cNvSpPr txBox="1"/>
           <p:nvPr>
             <p:ph idx="1" type="body"/>
@@ -2859,7 +2860,7 @@
       </p:sp>
       <p:sp>
         <p:nvSpPr>
-          <p:cNvPr id="542" name="Google Shape;542;g37c000b0c4c_3_0:notes"/>
+          <p:cNvPr id="545" name="Google Shape;545;g37c000b0c4c_3_0:notes"/>
           <p:cNvSpPr/>
           <p:nvPr>
             <p:ph idx="2" type="sldImg"/>
@@ -2915,7 +2916,7 @@
   <p:cSld>
     <p:spTree>
       <p:nvGrpSpPr>
-        <p:cNvPr id="597" name="Shape 597"/>
+        <p:cNvPr id="600" name="Shape 600"/>
         <p:cNvGrpSpPr/>
         <p:nvPr/>
       </p:nvGrpSpPr>
@@ -2929,7 +2930,7 @@
       </p:grpSpPr>
       <p:sp>
         <p:nvSpPr>
-          <p:cNvPr id="598" name="Google Shape;598;p128:notes"/>
+          <p:cNvPr id="601" name="Google Shape;601;p128:notes"/>
           <p:cNvSpPr txBox="1"/>
           <p:nvPr>
             <p:ph idx="1" type="body"/>
@@ -2981,7 +2982,7 @@
       </p:sp>
       <p:sp>
         <p:nvSpPr>
-          <p:cNvPr id="599" name="Google Shape;599;p128:notes"/>
+          <p:cNvPr id="602" name="Google Shape;602;p128:notes"/>
           <p:cNvSpPr/>
           <p:nvPr>
             <p:ph idx="2" type="sldImg"/>
@@ -3037,7 +3038,7 @@
   <p:cSld>
     <p:spTree>
       <p:nvGrpSpPr>
-        <p:cNvPr id="604" name="Shape 604"/>
+        <p:cNvPr id="607" name="Shape 607"/>
         <p:cNvGrpSpPr/>
         <p:nvPr/>
       </p:nvGrpSpPr>
@@ -3051,7 +3052,7 @@
       </p:grpSpPr>
       <p:sp>
         <p:nvSpPr>
-          <p:cNvPr id="605" name="Google Shape;605;g35cd725ba4c_2_45:notes"/>
+          <p:cNvPr id="608" name="Google Shape;608;g35cd725ba4c_2_45:notes"/>
           <p:cNvSpPr txBox="1"/>
           <p:nvPr>
             <p:ph idx="1" type="body"/>
@@ -3098,7 +3099,7 @@
       </p:sp>
       <p:sp>
         <p:nvSpPr>
-          <p:cNvPr id="606" name="Google Shape;606;g35cd725ba4c_2_45:notes"/>
+          <p:cNvPr id="609" name="Google Shape;609;g35cd725ba4c_2_45:notes"/>
           <p:cNvSpPr/>
           <p:nvPr>
             <p:ph idx="2" type="sldImg"/>
@@ -3154,7 +3155,7 @@
   <p:cSld>
     <p:spTree>
       <p:nvGrpSpPr>
-        <p:cNvPr id="666" name="Shape 666"/>
+        <p:cNvPr id="669" name="Shape 669"/>
         <p:cNvGrpSpPr/>
         <p:nvPr/>
       </p:nvGrpSpPr>
@@ -3168,7 +3169,7 @@
       </p:grpSpPr>
       <p:sp>
         <p:nvSpPr>
-          <p:cNvPr id="667" name="Google Shape;667;g35cd725ba4c_2_106:notes"/>
+          <p:cNvPr id="670" name="Google Shape;670;g35cd725ba4c_2_106:notes"/>
           <p:cNvSpPr txBox="1"/>
           <p:nvPr>
             <p:ph idx="1" type="body"/>
@@ -3215,7 +3216,7 @@
       </p:sp>
       <p:sp>
         <p:nvSpPr>
-          <p:cNvPr id="668" name="Google Shape;668;g35cd725ba4c_2_106:notes"/>
+          <p:cNvPr id="671" name="Google Shape;671;g35cd725ba4c_2_106:notes"/>
           <p:cNvSpPr/>
           <p:nvPr>
             <p:ph idx="2" type="sldImg"/>
@@ -3271,7 +3272,7 @@
   <p:cSld>
     <p:spTree>
       <p:nvGrpSpPr>
-        <p:cNvPr id="734" name="Shape 734"/>
+        <p:cNvPr id="737" name="Shape 737"/>
         <p:cNvGrpSpPr/>
         <p:nvPr/>
       </p:nvGrpSpPr>
@@ -3285,7 +3286,7 @@
       </p:grpSpPr>
       <p:sp>
         <p:nvSpPr>
-          <p:cNvPr id="735" name="Google Shape;735;p130:notes"/>
+          <p:cNvPr id="738" name="Google Shape;738;p130:notes"/>
           <p:cNvSpPr txBox="1"/>
           <p:nvPr>
             <p:ph idx="1" type="body"/>
@@ -3332,7 +3333,7 @@
       </p:sp>
       <p:sp>
         <p:nvSpPr>
-          <p:cNvPr id="736" name="Google Shape;736;p130:notes"/>
+          <p:cNvPr id="739" name="Google Shape;739;p130:notes"/>
           <p:cNvSpPr/>
           <p:nvPr>
             <p:ph idx="2" type="sldImg"/>
@@ -3388,7 +3389,7 @@
   <p:cSld>
     <p:spTree>
       <p:nvGrpSpPr>
-        <p:cNvPr id="744" name="Shape 744"/>
+        <p:cNvPr id="747" name="Shape 747"/>
         <p:cNvGrpSpPr/>
         <p:nvPr/>
       </p:nvGrpSpPr>
@@ -3402,7 +3403,7 @@
       </p:grpSpPr>
       <p:sp>
         <p:nvSpPr>
-          <p:cNvPr id="745" name="Google Shape;745;g35cd725ba4c_2_35:notes"/>
+          <p:cNvPr id="748" name="Google Shape;748;g35cd725ba4c_2_35:notes"/>
           <p:cNvSpPr txBox="1"/>
           <p:nvPr>
             <p:ph idx="1" type="body"/>
@@ -3449,7 +3450,7 @@
       </p:sp>
       <p:sp>
         <p:nvSpPr>
-          <p:cNvPr id="746" name="Google Shape;746;g35cd725ba4c_2_35:notes"/>
+          <p:cNvPr id="749" name="Google Shape;749;g35cd725ba4c_2_35:notes"/>
           <p:cNvSpPr/>
           <p:nvPr>
             <p:ph idx="2" type="sldImg"/>
@@ -3627,7 +3628,7 @@
   <p:cSld>
     <p:spTree>
       <p:nvGrpSpPr>
-        <p:cNvPr id="758" name="Shape 758"/>
+        <p:cNvPr id="761" name="Shape 761"/>
         <p:cNvGrpSpPr/>
         <p:nvPr/>
       </p:nvGrpSpPr>
@@ -3641,7 +3642,7 @@
       </p:grpSpPr>
       <p:sp>
         <p:nvSpPr>
-          <p:cNvPr id="759" name="Google Shape;759;p72:notes"/>
+          <p:cNvPr id="762" name="Google Shape;762;p72:notes"/>
           <p:cNvSpPr txBox="1"/>
           <p:nvPr>
             <p:ph idx="1" type="body"/>
@@ -3693,7 +3694,7 @@
       </p:sp>
       <p:sp>
         <p:nvSpPr>
-          <p:cNvPr id="760" name="Google Shape;760;p72:notes"/>
+          <p:cNvPr id="763" name="Google Shape;763;p72:notes"/>
           <p:cNvSpPr/>
           <p:nvPr>
             <p:ph idx="2" type="sldImg"/>
@@ -3749,7 +3750,7 @@
   <p:cSld>
     <p:spTree>
       <p:nvGrpSpPr>
-        <p:cNvPr id="778" name="Shape 778"/>
+        <p:cNvPr id="781" name="Shape 781"/>
         <p:cNvGrpSpPr/>
         <p:nvPr/>
       </p:nvGrpSpPr>
@@ -3763,7 +3764,7 @@
       </p:grpSpPr>
       <p:sp>
         <p:nvSpPr>
-          <p:cNvPr id="779" name="Google Shape;779;p73:notes"/>
+          <p:cNvPr id="782" name="Google Shape;782;g380ed799f18_2_0:notes"/>
           <p:cNvSpPr txBox="1"/>
           <p:nvPr>
             <p:ph idx="1" type="body"/>
@@ -3815,7 +3816,129 @@
       </p:sp>
       <p:sp>
         <p:nvSpPr>
-          <p:cNvPr id="780" name="Google Shape;780;p73:notes"/>
+          <p:cNvPr id="783" name="Google Shape;783;g380ed799f18_2_0:notes"/>
+          <p:cNvSpPr/>
+          <p:nvPr>
+            <p:ph idx="2" type="sldImg"/>
+          </p:nvPr>
+        </p:nvSpPr>
+        <p:spPr>
+          <a:xfrm>
+            <a:off x="381000" y="685800"/>
+            <a:ext cx="6096000" cy="3429000"/>
+          </a:xfrm>
+          <a:custGeom>
+            <a:rect b="b" l="l" r="r" t="t"/>
+            <a:pathLst>
+              <a:path extrusionOk="0" h="120000" w="120000">
+                <a:moveTo>
+                  <a:pt x="0" y="0"/>
+                </a:moveTo>
+                <a:lnTo>
+                  <a:pt x="120000" y="0"/>
+                </a:lnTo>
+                <a:lnTo>
+                  <a:pt x="120000" y="120000"/>
+                </a:lnTo>
+                <a:lnTo>
+                  <a:pt x="0" y="120000"/>
+                </a:lnTo>
+                <a:close/>
+              </a:path>
+            </a:pathLst>
+          </a:custGeom>
+          <a:noFill/>
+          <a:ln cap="flat" cmpd="sng" w="9525">
+            <a:solidFill>
+              <a:srgbClr val="000000"/>
+            </a:solidFill>
+            <a:prstDash val="solid"/>
+            <a:round/>
+            <a:headEnd len="sm" w="sm" type="none"/>
+            <a:tailEnd len="sm" w="sm" type="none"/>
+          </a:ln>
+        </p:spPr>
+      </p:sp>
+    </p:spTree>
+  </p:cSld>
+  <p:clrMapOvr>
+    <a:masterClrMapping/>
+  </p:clrMapOvr>
+</p:notes>
+</file>
+
+<file path=ppt/notesSlides/notesSlide32.xml><?xml version="1.0" encoding="utf-8"?>
+<p:notes xmlns:a="http://schemas.openxmlformats.org/drawingml/2006/main" xmlns:r="http://schemas.openxmlformats.org/officeDocument/2006/relationships" xmlns:mc="http://schemas.openxmlformats.org/markup-compatibility/2006" xmlns:mv="urn:schemas-microsoft-com:mac:vml" xmlns:p="http://schemas.openxmlformats.org/presentationml/2006/main" xmlns:c="http://schemas.openxmlformats.org/drawingml/2006/chart" xmlns:dgm="http://schemas.openxmlformats.org/drawingml/2006/diagram" xmlns:o="urn:schemas-microsoft-com:office:office" xmlns:v="urn:schemas-microsoft-com:vml" xmlns:pvml="urn:schemas-microsoft-com:office:powerpoint" xmlns:com="http://schemas.openxmlformats.org/drawingml/2006/compatibility" xmlns:p14="http://schemas.microsoft.com/office/powerpoint/2010/main" xmlns:p15="http://schemas.microsoft.com/office/powerpoint/2012/main" xmlns:ahyp="http://schemas.microsoft.com/office/drawing/2018/hyperlinkcolor" showMasterPhAnim="0" showMasterSp="0">
+  <p:cSld>
+    <p:spTree>
+      <p:nvGrpSpPr>
+        <p:cNvPr id="788" name="Shape 788"/>
+        <p:cNvGrpSpPr/>
+        <p:nvPr/>
+      </p:nvGrpSpPr>
+      <p:grpSpPr>
+        <a:xfrm>
+          <a:off x="0" y="0"/>
+          <a:ext cx="0" cy="0"/>
+          <a:chOff x="0" y="0"/>
+          <a:chExt cx="0" cy="0"/>
+        </a:xfrm>
+      </p:grpSpPr>
+      <p:sp>
+        <p:nvSpPr>
+          <p:cNvPr id="789" name="Google Shape;789;p73:notes"/>
+          <p:cNvSpPr txBox="1"/>
+          <p:nvPr>
+            <p:ph idx="1" type="body"/>
+          </p:nvPr>
+        </p:nvSpPr>
+        <p:spPr>
+          <a:xfrm>
+            <a:off x="685800" y="4343400"/>
+            <a:ext cx="5486400" cy="4114800"/>
+          </a:xfrm>
+          <a:prstGeom prst="rect">
+            <a:avLst/>
+          </a:prstGeom>
+          <a:noFill/>
+          <a:ln>
+            <a:noFill/>
+          </a:ln>
+        </p:spPr>
+        <p:txBody>
+          <a:bodyPr anchorCtr="0" anchor="t" bIns="91425" lIns="91425" spcFirstLastPara="1" rIns="91425" wrap="square" tIns="91425">
+            <a:noAutofit/>
+          </a:bodyPr>
+          <a:lstStyle/>
+          <a:p>
+            <a:pPr indent="0" lvl="0" marL="0" rtl="0" algn="l">
+              <a:lnSpc>
+                <a:spcPct val="100000"/>
+              </a:lnSpc>
+              <a:spcBef>
+                <a:spcPts val="0"/>
+              </a:spcBef>
+              <a:spcAft>
+                <a:spcPts val="0"/>
+              </a:spcAft>
+              <a:buSzPts val="1100"/>
+              <a:buNone/>
+            </a:pPr>
+            <a:r>
+              <a:t/>
+            </a:r>
+            <a:endParaRPr>
+              <a:latin typeface="Space Grotesk"/>
+              <a:ea typeface="Space Grotesk"/>
+              <a:cs typeface="Space Grotesk"/>
+              <a:sym typeface="Space Grotesk"/>
+            </a:endParaRPr>
+          </a:p>
+        </p:txBody>
+      </p:sp>
+      <p:sp>
+        <p:nvSpPr>
+          <p:cNvPr id="790" name="Google Shape;790;p73:notes"/>
           <p:cNvSpPr/>
           <p:nvPr>
             <p:ph idx="2" type="sldImg"/>
@@ -19648,7 +19771,7 @@
   <p:cSld>
     <p:spTree>
       <p:nvGrpSpPr>
-        <p:cNvPr id="253" name="Shape 253"/>
+        <p:cNvPr id="254" name="Shape 254"/>
         <p:cNvGrpSpPr/>
         <p:nvPr/>
       </p:nvGrpSpPr>
@@ -19662,7 +19785,7 @@
       </p:grpSpPr>
       <p:sp>
         <p:nvSpPr>
-          <p:cNvPr id="254" name="Google Shape;254;g37c18a80264_0_186"/>
+          <p:cNvPr id="255" name="Google Shape;255;g37c18a80264_0_186"/>
           <p:cNvSpPr txBox="1"/>
           <p:nvPr>
             <p:ph type="title"/>
@@ -19705,246 +19828,9 @@
           </a:p>
         </p:txBody>
       </p:sp>
-      <p:pic>
-        <p:nvPicPr>
-          <p:cNvPr id="255" name="Google Shape;255;g37c18a80264_0_186"/>
-          <p:cNvPicPr preferRelativeResize="0"/>
-          <p:nvPr/>
-        </p:nvPicPr>
-        <p:blipFill rotWithShape="1">
-          <a:blip r:embed="rId3">
-            <a:alphaModFix/>
-          </a:blip>
-          <a:srcRect b="0" l="0" r="0" t="0"/>
-          <a:stretch/>
-        </p:blipFill>
-        <p:spPr>
-          <a:xfrm>
-            <a:off x="850950" y="2064225"/>
-            <a:ext cx="1242675" cy="1242675"/>
-          </a:xfrm>
-          <a:prstGeom prst="rect">
-            <a:avLst/>
-          </a:prstGeom>
-          <a:noFill/>
-          <a:ln>
-            <a:noFill/>
-          </a:ln>
-        </p:spPr>
-      </p:pic>
-      <p:pic>
-        <p:nvPicPr>
-          <p:cNvPr id="256" name="Google Shape;256;g37c18a80264_0_186"/>
-          <p:cNvPicPr preferRelativeResize="0"/>
-          <p:nvPr/>
-        </p:nvPicPr>
-        <p:blipFill rotWithShape="1">
-          <a:blip r:embed="rId3">
-            <a:alphaModFix/>
-          </a:blip>
-          <a:srcRect b="0" l="0" r="0" t="0"/>
-          <a:stretch/>
-        </p:blipFill>
-        <p:spPr>
-          <a:xfrm>
-            <a:off x="3126300" y="2064225"/>
-            <a:ext cx="1242675" cy="1242675"/>
-          </a:xfrm>
-          <a:prstGeom prst="rect">
-            <a:avLst/>
-          </a:prstGeom>
-          <a:noFill/>
-          <a:ln>
-            <a:noFill/>
-          </a:ln>
-        </p:spPr>
-      </p:pic>
-      <p:pic>
-        <p:nvPicPr>
-          <p:cNvPr id="257" name="Google Shape;257;g37c18a80264_0_186"/>
-          <p:cNvPicPr preferRelativeResize="0"/>
-          <p:nvPr/>
-        </p:nvPicPr>
-        <p:blipFill rotWithShape="1">
-          <a:blip r:embed="rId3">
-            <a:alphaModFix/>
-          </a:blip>
-          <a:srcRect b="0" l="0" r="0" t="0"/>
-          <a:stretch/>
-        </p:blipFill>
-        <p:spPr>
-          <a:xfrm>
-            <a:off x="1987325" y="3914775"/>
-            <a:ext cx="1242675" cy="1242675"/>
-          </a:xfrm>
-          <a:prstGeom prst="rect">
-            <a:avLst/>
-          </a:prstGeom>
-          <a:noFill/>
-          <a:ln>
-            <a:noFill/>
-          </a:ln>
-        </p:spPr>
-      </p:pic>
-      <p:cxnSp>
-        <p:nvCxnSpPr>
-          <p:cNvPr id="258" name="Google Shape;258;g37c18a80264_0_186"/>
-          <p:cNvCxnSpPr/>
-          <p:nvPr/>
-        </p:nvCxnSpPr>
-        <p:spPr>
-          <a:xfrm>
-            <a:off x="2070613" y="2784050"/>
-            <a:ext cx="1076100" cy="0"/>
-          </a:xfrm>
-          <a:prstGeom prst="straightConnector1">
-            <a:avLst/>
-          </a:prstGeom>
-          <a:noFill/>
-          <a:ln cap="flat" cmpd="sng" w="28575">
-            <a:solidFill>
-              <a:schemeClr val="dk2"/>
-            </a:solidFill>
-            <a:prstDash val="solid"/>
-            <a:round/>
-            <a:headEnd len="sm" w="sm" type="stealth"/>
-            <a:tailEnd len="med" w="med" type="none"/>
-          </a:ln>
-        </p:spPr>
-      </p:cxnSp>
-      <p:cxnSp>
-        <p:nvCxnSpPr>
-          <p:cNvPr id="259" name="Google Shape;259;g37c18a80264_0_186"/>
-          <p:cNvCxnSpPr/>
-          <p:nvPr/>
-        </p:nvCxnSpPr>
-        <p:spPr>
-          <a:xfrm>
-            <a:off x="2070613" y="2584250"/>
-            <a:ext cx="1076100" cy="0"/>
-          </a:xfrm>
-          <a:prstGeom prst="straightConnector1">
-            <a:avLst/>
-          </a:prstGeom>
-          <a:noFill/>
-          <a:ln cap="flat" cmpd="sng" w="28575">
-            <a:solidFill>
-              <a:schemeClr val="dk2"/>
-            </a:solidFill>
-            <a:prstDash val="solid"/>
-            <a:round/>
-            <a:headEnd len="sm" w="sm" type="none"/>
-            <a:tailEnd len="med" w="med" type="stealth"/>
-          </a:ln>
-        </p:spPr>
-      </p:cxnSp>
-      <p:cxnSp>
-        <p:nvCxnSpPr>
-          <p:cNvPr id="260" name="Google Shape;260;g37c18a80264_0_186"/>
-          <p:cNvCxnSpPr/>
-          <p:nvPr/>
-        </p:nvCxnSpPr>
-        <p:spPr>
-          <a:xfrm>
-            <a:off x="1731625" y="3248000"/>
-            <a:ext cx="557700" cy="753300"/>
-          </a:xfrm>
-          <a:prstGeom prst="straightConnector1">
-            <a:avLst/>
-          </a:prstGeom>
-          <a:noFill/>
-          <a:ln cap="flat" cmpd="sng" w="28575">
-            <a:solidFill>
-              <a:schemeClr val="dk2"/>
-            </a:solidFill>
-            <a:prstDash val="solid"/>
-            <a:round/>
-            <a:headEnd len="sm" w="sm" type="none"/>
-            <a:tailEnd len="med" w="med" type="stealth"/>
-          </a:ln>
-        </p:spPr>
-      </p:cxnSp>
-      <p:cxnSp>
-        <p:nvCxnSpPr>
-          <p:cNvPr id="261" name="Google Shape;261;g37c18a80264_0_186"/>
-          <p:cNvCxnSpPr/>
-          <p:nvPr/>
-        </p:nvCxnSpPr>
-        <p:spPr>
-          <a:xfrm rot="10800000">
-            <a:off x="1919000" y="3143475"/>
-            <a:ext cx="526800" cy="771300"/>
-          </a:xfrm>
-          <a:prstGeom prst="straightConnector1">
-            <a:avLst/>
-          </a:prstGeom>
-          <a:noFill/>
-          <a:ln cap="flat" cmpd="sng" w="28575">
-            <a:solidFill>
-              <a:schemeClr val="dk2"/>
-            </a:solidFill>
-            <a:prstDash val="solid"/>
-            <a:round/>
-            <a:headEnd len="sm" w="sm" type="none"/>
-            <a:tailEnd len="med" w="med" type="stealth"/>
-          </a:ln>
-        </p:spPr>
-      </p:cxnSp>
-      <p:cxnSp>
-        <p:nvCxnSpPr>
-          <p:cNvPr id="262" name="Google Shape;262;g37c18a80264_0_186"/>
-          <p:cNvCxnSpPr/>
-          <p:nvPr/>
-        </p:nvCxnSpPr>
-        <p:spPr>
-          <a:xfrm flipH="1" rot="10800000">
-            <a:off x="2863075" y="3208988"/>
-            <a:ext cx="551400" cy="792300"/>
-          </a:xfrm>
-          <a:prstGeom prst="straightConnector1">
-            <a:avLst/>
-          </a:prstGeom>
-          <a:noFill/>
-          <a:ln cap="flat" cmpd="sng" w="28575">
-            <a:solidFill>
-              <a:schemeClr val="dk2"/>
-            </a:solidFill>
-            <a:prstDash val="solid"/>
-            <a:round/>
-            <a:headEnd len="sm" w="sm" type="none"/>
-            <a:tailEnd len="med" w="med" type="stealth"/>
-          </a:ln>
-        </p:spPr>
-      </p:cxnSp>
-      <p:cxnSp>
-        <p:nvCxnSpPr>
-          <p:cNvPr id="263" name="Google Shape;263;g37c18a80264_0_186"/>
-          <p:cNvCxnSpPr/>
-          <p:nvPr/>
-        </p:nvCxnSpPr>
-        <p:spPr>
-          <a:xfrm flipH="1">
-            <a:off x="2981275" y="3335000"/>
-            <a:ext cx="570000" cy="764100"/>
-          </a:xfrm>
-          <a:prstGeom prst="straightConnector1">
-            <a:avLst/>
-          </a:prstGeom>
-          <a:noFill/>
-          <a:ln cap="flat" cmpd="sng" w="28575">
-            <a:solidFill>
-              <a:schemeClr val="dk2"/>
-            </a:solidFill>
-            <a:prstDash val="solid"/>
-            <a:round/>
-            <a:headEnd len="sm" w="sm" type="none"/>
-            <a:tailEnd len="med" w="med" type="stealth"/>
-          </a:ln>
-        </p:spPr>
-      </p:cxnSp>
       <p:sp>
         <p:nvSpPr>
-          <p:cNvPr id="264" name="Google Shape;264;g37c18a80264_0_186"/>
+          <p:cNvPr id="256" name="Google Shape;256;g37c18a80264_0_186"/>
           <p:cNvSpPr txBox="1"/>
           <p:nvPr/>
         </p:nvSpPr>
@@ -20227,52 +20113,7 @@
       </p:sp>
       <p:sp>
         <p:nvSpPr>
-          <p:cNvPr id="265" name="Google Shape;265;g37c18a80264_0_186"/>
-          <p:cNvSpPr txBox="1"/>
-          <p:nvPr/>
-        </p:nvSpPr>
-        <p:spPr>
-          <a:xfrm>
-            <a:off x="0" y="0"/>
-            <a:ext cx="3000000" cy="400200"/>
-          </a:xfrm>
-          <a:prstGeom prst="rect">
-            <a:avLst/>
-          </a:prstGeom>
-          <a:noFill/>
-          <a:ln>
-            <a:noFill/>
-          </a:ln>
-        </p:spPr>
-        <p:txBody>
-          <a:bodyPr anchorCtr="0" anchor="t" bIns="91425" lIns="91425" spcFirstLastPara="1" rIns="91425" wrap="square" tIns="91425">
-            <a:spAutoFit/>
-          </a:bodyPr>
-          <a:lstStyle/>
-          <a:p>
-            <a:pPr indent="-298450" lvl="0" marL="457200" rtl="0" algn="l">
-              <a:lnSpc>
-                <a:spcPct val="115000"/>
-              </a:lnSpc>
-              <a:spcBef>
-                <a:spcPts val="1200"/>
-              </a:spcBef>
-              <a:spcAft>
-                <a:spcPts val="0"/>
-              </a:spcAft>
-              <a:buSzPts val="1100"/>
-              <a:buChar char="●"/>
-            </a:pPr>
-            <a:r>
-              <a:t/>
-            </a:r>
-            <a:endParaRPr/>
-          </a:p>
-        </p:txBody>
-      </p:sp>
-      <p:sp>
-        <p:nvSpPr>
-          <p:cNvPr id="266" name="Google Shape;266;g37c18a80264_0_186"/>
+          <p:cNvPr id="257" name="Google Shape;257;g37c18a80264_0_186"/>
           <p:cNvSpPr txBox="1"/>
           <p:nvPr/>
         </p:nvSpPr>
@@ -20360,6 +20201,261 @@
           </a:p>
         </p:txBody>
       </p:sp>
+      <p:grpSp>
+        <p:nvGrpSpPr>
+          <p:cNvPr id="258" name="Google Shape;258;g37c18a80264_0_186"/>
+          <p:cNvGrpSpPr/>
+          <p:nvPr/>
+        </p:nvGrpSpPr>
+        <p:grpSpPr>
+          <a:xfrm>
+            <a:off x="848069" y="2098382"/>
+            <a:ext cx="3529788" cy="3059075"/>
+            <a:chOff x="848069" y="2098382"/>
+            <a:chExt cx="3529788" cy="3059075"/>
+          </a:xfrm>
+        </p:grpSpPr>
+        <p:pic>
+          <p:nvPicPr>
+            <p:cNvPr id="259" name="Google Shape;259;g37c18a80264_0_186" title="blue-hexagon-bot.png"/>
+            <p:cNvPicPr preferRelativeResize="0"/>
+            <p:nvPr/>
+          </p:nvPicPr>
+          <p:blipFill>
+            <a:blip r:embed="rId3">
+              <a:alphaModFix/>
+            </a:blip>
+            <a:stretch>
+              <a:fillRect/>
+            </a:stretch>
+          </p:blipFill>
+          <p:spPr>
+            <a:xfrm>
+              <a:off x="1990195" y="3914782"/>
+              <a:ext cx="1242675" cy="1242675"/>
+            </a:xfrm>
+            <a:prstGeom prst="rect">
+              <a:avLst/>
+            </a:prstGeom>
+            <a:noFill/>
+            <a:ln>
+              <a:noFill/>
+            </a:ln>
+          </p:spPr>
+        </p:pic>
+        <p:pic>
+          <p:nvPicPr>
+            <p:cNvPr id="260" name="Google Shape;260;g37c18a80264_0_186" title="blue-hexagon-bot.png"/>
+            <p:cNvPicPr preferRelativeResize="0"/>
+            <p:nvPr/>
+          </p:nvPicPr>
+          <p:blipFill>
+            <a:blip r:embed="rId3">
+              <a:alphaModFix/>
+            </a:blip>
+            <a:stretch>
+              <a:fillRect/>
+            </a:stretch>
+          </p:blipFill>
+          <p:spPr>
+            <a:xfrm>
+              <a:off x="848069" y="2098382"/>
+              <a:ext cx="1242675" cy="1242675"/>
+            </a:xfrm>
+            <a:prstGeom prst="rect">
+              <a:avLst/>
+            </a:prstGeom>
+            <a:noFill/>
+            <a:ln>
+              <a:noFill/>
+            </a:ln>
+          </p:spPr>
+        </p:pic>
+        <p:cxnSp>
+          <p:nvCxnSpPr>
+            <p:cNvPr id="261" name="Google Shape;261;g37c18a80264_0_186"/>
+            <p:cNvCxnSpPr/>
+            <p:nvPr/>
+          </p:nvCxnSpPr>
+          <p:spPr>
+            <a:xfrm>
+              <a:off x="2070613" y="2784050"/>
+              <a:ext cx="1076100" cy="0"/>
+            </a:xfrm>
+            <a:prstGeom prst="straightConnector1">
+              <a:avLst/>
+            </a:prstGeom>
+            <a:noFill/>
+            <a:ln cap="flat" cmpd="sng" w="28575">
+              <a:solidFill>
+                <a:schemeClr val="dk2"/>
+              </a:solidFill>
+              <a:prstDash val="solid"/>
+              <a:round/>
+              <a:headEnd len="sm" w="sm" type="stealth"/>
+              <a:tailEnd len="med" w="med" type="none"/>
+            </a:ln>
+          </p:spPr>
+        </p:cxnSp>
+        <p:cxnSp>
+          <p:nvCxnSpPr>
+            <p:cNvPr id="262" name="Google Shape;262;g37c18a80264_0_186"/>
+            <p:cNvCxnSpPr/>
+            <p:nvPr/>
+          </p:nvCxnSpPr>
+          <p:spPr>
+            <a:xfrm>
+              <a:off x="2070613" y="2584250"/>
+              <a:ext cx="1076100" cy="0"/>
+            </a:xfrm>
+            <a:prstGeom prst="straightConnector1">
+              <a:avLst/>
+            </a:prstGeom>
+            <a:noFill/>
+            <a:ln cap="flat" cmpd="sng" w="28575">
+              <a:solidFill>
+                <a:schemeClr val="dk2"/>
+              </a:solidFill>
+              <a:prstDash val="solid"/>
+              <a:round/>
+              <a:headEnd len="sm" w="sm" type="none"/>
+              <a:tailEnd len="med" w="med" type="stealth"/>
+            </a:ln>
+          </p:spPr>
+        </p:cxnSp>
+        <p:cxnSp>
+          <p:nvCxnSpPr>
+            <p:cNvPr id="263" name="Google Shape;263;g37c18a80264_0_186"/>
+            <p:cNvCxnSpPr/>
+            <p:nvPr/>
+          </p:nvCxnSpPr>
+          <p:spPr>
+            <a:xfrm>
+              <a:off x="1731625" y="3248000"/>
+              <a:ext cx="557700" cy="753300"/>
+            </a:xfrm>
+            <a:prstGeom prst="straightConnector1">
+              <a:avLst/>
+            </a:prstGeom>
+            <a:noFill/>
+            <a:ln cap="flat" cmpd="sng" w="28575">
+              <a:solidFill>
+                <a:schemeClr val="dk2"/>
+              </a:solidFill>
+              <a:prstDash val="solid"/>
+              <a:round/>
+              <a:headEnd len="sm" w="sm" type="none"/>
+              <a:tailEnd len="med" w="med" type="stealth"/>
+            </a:ln>
+          </p:spPr>
+        </p:cxnSp>
+        <p:cxnSp>
+          <p:nvCxnSpPr>
+            <p:cNvPr id="264" name="Google Shape;264;g37c18a80264_0_186"/>
+            <p:cNvCxnSpPr/>
+            <p:nvPr/>
+          </p:nvCxnSpPr>
+          <p:spPr>
+            <a:xfrm rot="10800000">
+              <a:off x="1919000" y="3143475"/>
+              <a:ext cx="526800" cy="771300"/>
+            </a:xfrm>
+            <a:prstGeom prst="straightConnector1">
+              <a:avLst/>
+            </a:prstGeom>
+            <a:noFill/>
+            <a:ln cap="flat" cmpd="sng" w="28575">
+              <a:solidFill>
+                <a:schemeClr val="dk2"/>
+              </a:solidFill>
+              <a:prstDash val="solid"/>
+              <a:round/>
+              <a:headEnd len="sm" w="sm" type="none"/>
+              <a:tailEnd len="med" w="med" type="stealth"/>
+            </a:ln>
+          </p:spPr>
+        </p:cxnSp>
+        <p:cxnSp>
+          <p:nvCxnSpPr>
+            <p:cNvPr id="265" name="Google Shape;265;g37c18a80264_0_186"/>
+            <p:cNvCxnSpPr/>
+            <p:nvPr/>
+          </p:nvCxnSpPr>
+          <p:spPr>
+            <a:xfrm flipH="1" rot="10800000">
+              <a:off x="2863075" y="3208988"/>
+              <a:ext cx="551400" cy="792300"/>
+            </a:xfrm>
+            <a:prstGeom prst="straightConnector1">
+              <a:avLst/>
+            </a:prstGeom>
+            <a:noFill/>
+            <a:ln cap="flat" cmpd="sng" w="28575">
+              <a:solidFill>
+                <a:schemeClr val="dk2"/>
+              </a:solidFill>
+              <a:prstDash val="solid"/>
+              <a:round/>
+              <a:headEnd len="sm" w="sm" type="none"/>
+              <a:tailEnd len="med" w="med" type="stealth"/>
+            </a:ln>
+          </p:spPr>
+        </p:cxnSp>
+        <p:cxnSp>
+          <p:nvCxnSpPr>
+            <p:cNvPr id="266" name="Google Shape;266;g37c18a80264_0_186"/>
+            <p:cNvCxnSpPr/>
+            <p:nvPr/>
+          </p:nvCxnSpPr>
+          <p:spPr>
+            <a:xfrm flipH="1">
+              <a:off x="2981275" y="3335000"/>
+              <a:ext cx="570000" cy="764100"/>
+            </a:xfrm>
+            <a:prstGeom prst="straightConnector1">
+              <a:avLst/>
+            </a:prstGeom>
+            <a:noFill/>
+            <a:ln cap="flat" cmpd="sng" w="28575">
+              <a:solidFill>
+                <a:schemeClr val="dk2"/>
+              </a:solidFill>
+              <a:prstDash val="solid"/>
+              <a:round/>
+              <a:headEnd len="sm" w="sm" type="none"/>
+              <a:tailEnd len="med" w="med" type="stealth"/>
+            </a:ln>
+          </p:spPr>
+        </p:cxnSp>
+        <p:pic>
+          <p:nvPicPr>
+            <p:cNvPr id="267" name="Google Shape;267;g37c18a80264_0_186" title="blue-hexagon-bot.png"/>
+            <p:cNvPicPr preferRelativeResize="0"/>
+            <p:nvPr/>
+          </p:nvPicPr>
+          <p:blipFill>
+            <a:blip r:embed="rId3">
+              <a:alphaModFix/>
+            </a:blip>
+            <a:stretch>
+              <a:fillRect/>
+            </a:stretch>
+          </p:blipFill>
+          <p:spPr>
+            <a:xfrm>
+              <a:off x="3135182" y="2098382"/>
+              <a:ext cx="1242675" cy="1242675"/>
+            </a:xfrm>
+            <a:prstGeom prst="rect">
+              <a:avLst/>
+            </a:prstGeom>
+            <a:noFill/>
+            <a:ln>
+              <a:noFill/>
+            </a:ln>
+          </p:spPr>
+        </p:pic>
+      </p:grpSp>
     </p:spTree>
   </p:cSld>
   <p:clrMapOvr>
@@ -20373,7 +20469,7 @@
   <p:cSld>
     <p:spTree>
       <p:nvGrpSpPr>
-        <p:cNvPr id="270" name="Shape 270"/>
+        <p:cNvPr id="271" name="Shape 271"/>
         <p:cNvGrpSpPr/>
         <p:nvPr/>
       </p:nvGrpSpPr>
@@ -20387,7 +20483,7 @@
       </p:grpSpPr>
       <p:sp>
         <p:nvSpPr>
-          <p:cNvPr id="271" name="Google Shape;271;g37c18a80264_0_39"/>
+          <p:cNvPr id="272" name="Google Shape;272;g37c18a80264_0_39"/>
           <p:cNvSpPr txBox="1"/>
           <p:nvPr>
             <p:ph type="title"/>
@@ -20458,21 +20554,22 @@
       </p:sp>
       <p:pic>
         <p:nvPicPr>
-          <p:cNvPr id="272" name="Google Shape;272;g37c18a80264_0_39"/>
+          <p:cNvPr id="273" name="Google Shape;273;g37c18a80264_0_39" title="dapr-agents.png"/>
           <p:cNvPicPr preferRelativeResize="0"/>
           <p:nvPr/>
         </p:nvPicPr>
-        <p:blipFill rotWithShape="1">
+        <p:blipFill>
           <a:blip r:embed="rId3">
             <a:alphaModFix/>
           </a:blip>
-          <a:srcRect b="0" l="0" r="0" t="0"/>
-          <a:stretch/>
+          <a:stretch>
+            <a:fillRect/>
+          </a:stretch>
         </p:blipFill>
         <p:spPr>
           <a:xfrm>
-            <a:off x="5272948" y="1611900"/>
-            <a:ext cx="1646100" cy="1646100"/>
+            <a:off x="5334650" y="1796625"/>
+            <a:ext cx="1522600" cy="1522600"/>
           </a:xfrm>
           <a:prstGeom prst="rect">
             <a:avLst/>
@@ -20496,7 +20593,7 @@
   <p:cSld>
     <p:spTree>
       <p:nvGrpSpPr>
-        <p:cNvPr id="276" name="Shape 276"/>
+        <p:cNvPr id="277" name="Shape 277"/>
         <p:cNvGrpSpPr/>
         <p:nvPr/>
       </p:nvGrpSpPr>
@@ -20510,7 +20607,7 @@
       </p:grpSpPr>
       <p:sp>
         <p:nvSpPr>
-          <p:cNvPr id="277" name="Google Shape;277;g37d00b41481_0_1"/>
+          <p:cNvPr id="278" name="Google Shape;278;g37d00b41481_0_1"/>
           <p:cNvSpPr txBox="1"/>
           <p:nvPr>
             <p:ph type="title"/>
@@ -20555,7 +20652,7 @@
       </p:sp>
       <p:sp>
         <p:nvSpPr>
-          <p:cNvPr id="278" name="Google Shape;278;g37d00b41481_0_1"/>
+          <p:cNvPr id="279" name="Google Shape;279;g37d00b41481_0_1"/>
           <p:cNvSpPr txBox="1"/>
           <p:nvPr/>
         </p:nvSpPr>
@@ -20612,7 +20709,7 @@
       </p:sp>
       <p:sp>
         <p:nvSpPr>
-          <p:cNvPr id="279" name="Google Shape;279;g37d00b41481_0_1"/>
+          <p:cNvPr id="280" name="Google Shape;280;g37d00b41481_0_1"/>
           <p:cNvSpPr/>
           <p:nvPr/>
         </p:nvSpPr>
@@ -20674,7 +20771,7 @@
       </p:sp>
       <p:sp>
         <p:nvSpPr>
-          <p:cNvPr id="280" name="Google Shape;280;g37d00b41481_0_1"/>
+          <p:cNvPr id="281" name="Google Shape;281;g37d00b41481_0_1"/>
           <p:cNvSpPr/>
           <p:nvPr/>
         </p:nvSpPr>
@@ -20736,7 +20833,7 @@
       </p:sp>
       <p:sp>
         <p:nvSpPr>
-          <p:cNvPr id="281" name="Google Shape;281;g37d00b41481_0_1"/>
+          <p:cNvPr id="282" name="Google Shape;282;g37d00b41481_0_1"/>
           <p:cNvSpPr/>
           <p:nvPr/>
         </p:nvSpPr>
@@ -20807,7 +20904,7 @@
       </p:sp>
       <p:sp>
         <p:nvSpPr>
-          <p:cNvPr id="282" name="Google Shape;282;g37d00b41481_0_1"/>
+          <p:cNvPr id="283" name="Google Shape;283;g37d00b41481_0_1"/>
           <p:cNvSpPr/>
           <p:nvPr/>
         </p:nvSpPr>
@@ -20869,7 +20966,7 @@
       </p:sp>
       <p:sp>
         <p:nvSpPr>
-          <p:cNvPr id="283" name="Google Shape;283;g37d00b41481_0_1"/>
+          <p:cNvPr id="284" name="Google Shape;284;g37d00b41481_0_1"/>
           <p:cNvSpPr/>
           <p:nvPr/>
         </p:nvSpPr>
@@ -20958,7 +21055,7 @@
                                           </p:stCondLst>
                                         </p:cTn>
                                         <p:tgtEl>
-                                          <p:spTgt spid="283"/>
+                                          <p:spTgt spid="284"/>
                                         </p:tgtEl>
                                         <p:attrNameLst>
                                           <p:attrName>style.visibility</p:attrName>
@@ -21007,7 +21104,7 @@
   <p:cSld>
     <p:spTree>
       <p:nvGrpSpPr>
-        <p:cNvPr id="287" name="Shape 287"/>
+        <p:cNvPr id="288" name="Shape 288"/>
         <p:cNvGrpSpPr/>
         <p:nvPr/>
       </p:nvGrpSpPr>
@@ -21019,9 +21116,264 @@
           <a:chExt cx="0" cy="0"/>
         </a:xfrm>
       </p:grpSpPr>
+      <p:grpSp>
+        <p:nvGrpSpPr>
+          <p:cNvPr id="289" name="Google Shape;289;g37bfccee378_0_148"/>
+          <p:cNvGrpSpPr/>
+          <p:nvPr/>
+        </p:nvGrpSpPr>
+        <p:grpSpPr>
+          <a:xfrm>
+            <a:off x="848069" y="2098382"/>
+            <a:ext cx="3529788" cy="3059075"/>
+            <a:chOff x="848069" y="2098382"/>
+            <a:chExt cx="3529788" cy="3059075"/>
+          </a:xfrm>
+        </p:grpSpPr>
+        <p:pic>
+          <p:nvPicPr>
+            <p:cNvPr id="290" name="Google Shape;290;g37bfccee378_0_148" title="blue-hexagon-bot.png"/>
+            <p:cNvPicPr preferRelativeResize="0"/>
+            <p:nvPr/>
+          </p:nvPicPr>
+          <p:blipFill>
+            <a:blip r:embed="rId3">
+              <a:alphaModFix/>
+            </a:blip>
+            <a:stretch>
+              <a:fillRect/>
+            </a:stretch>
+          </p:blipFill>
+          <p:spPr>
+            <a:xfrm>
+              <a:off x="1990195" y="3914782"/>
+              <a:ext cx="1242675" cy="1242675"/>
+            </a:xfrm>
+            <a:prstGeom prst="rect">
+              <a:avLst/>
+            </a:prstGeom>
+            <a:noFill/>
+            <a:ln>
+              <a:noFill/>
+            </a:ln>
+          </p:spPr>
+        </p:pic>
+        <p:pic>
+          <p:nvPicPr>
+            <p:cNvPr id="291" name="Google Shape;291;g37bfccee378_0_148" title="blue-hexagon-bot.png"/>
+            <p:cNvPicPr preferRelativeResize="0"/>
+            <p:nvPr/>
+          </p:nvPicPr>
+          <p:blipFill>
+            <a:blip r:embed="rId3">
+              <a:alphaModFix/>
+            </a:blip>
+            <a:stretch>
+              <a:fillRect/>
+            </a:stretch>
+          </p:blipFill>
+          <p:spPr>
+            <a:xfrm>
+              <a:off x="848069" y="2098382"/>
+              <a:ext cx="1242675" cy="1242675"/>
+            </a:xfrm>
+            <a:prstGeom prst="rect">
+              <a:avLst/>
+            </a:prstGeom>
+            <a:noFill/>
+            <a:ln>
+              <a:noFill/>
+            </a:ln>
+          </p:spPr>
+        </p:pic>
+        <p:cxnSp>
+          <p:nvCxnSpPr>
+            <p:cNvPr id="292" name="Google Shape;292;g37bfccee378_0_148"/>
+            <p:cNvCxnSpPr/>
+            <p:nvPr/>
+          </p:nvCxnSpPr>
+          <p:spPr>
+            <a:xfrm>
+              <a:off x="2070613" y="2784050"/>
+              <a:ext cx="1076100" cy="0"/>
+            </a:xfrm>
+            <a:prstGeom prst="straightConnector1">
+              <a:avLst/>
+            </a:prstGeom>
+            <a:noFill/>
+            <a:ln cap="flat" cmpd="sng" w="28575">
+              <a:solidFill>
+                <a:schemeClr val="dk2"/>
+              </a:solidFill>
+              <a:prstDash val="solid"/>
+              <a:round/>
+              <a:headEnd len="sm" w="sm" type="stealth"/>
+              <a:tailEnd len="med" w="med" type="none"/>
+            </a:ln>
+          </p:spPr>
+        </p:cxnSp>
+        <p:cxnSp>
+          <p:nvCxnSpPr>
+            <p:cNvPr id="293" name="Google Shape;293;g37bfccee378_0_148"/>
+            <p:cNvCxnSpPr/>
+            <p:nvPr/>
+          </p:nvCxnSpPr>
+          <p:spPr>
+            <a:xfrm>
+              <a:off x="2070613" y="2584250"/>
+              <a:ext cx="1076100" cy="0"/>
+            </a:xfrm>
+            <a:prstGeom prst="straightConnector1">
+              <a:avLst/>
+            </a:prstGeom>
+            <a:noFill/>
+            <a:ln cap="flat" cmpd="sng" w="28575">
+              <a:solidFill>
+                <a:schemeClr val="dk2"/>
+              </a:solidFill>
+              <a:prstDash val="solid"/>
+              <a:round/>
+              <a:headEnd len="sm" w="sm" type="none"/>
+              <a:tailEnd len="med" w="med" type="stealth"/>
+            </a:ln>
+          </p:spPr>
+        </p:cxnSp>
+        <p:cxnSp>
+          <p:nvCxnSpPr>
+            <p:cNvPr id="294" name="Google Shape;294;g37bfccee378_0_148"/>
+            <p:cNvCxnSpPr/>
+            <p:nvPr/>
+          </p:nvCxnSpPr>
+          <p:spPr>
+            <a:xfrm>
+              <a:off x="1731625" y="3248000"/>
+              <a:ext cx="557700" cy="753300"/>
+            </a:xfrm>
+            <a:prstGeom prst="straightConnector1">
+              <a:avLst/>
+            </a:prstGeom>
+            <a:noFill/>
+            <a:ln cap="flat" cmpd="sng" w="28575">
+              <a:solidFill>
+                <a:schemeClr val="dk2"/>
+              </a:solidFill>
+              <a:prstDash val="solid"/>
+              <a:round/>
+              <a:headEnd len="sm" w="sm" type="none"/>
+              <a:tailEnd len="med" w="med" type="stealth"/>
+            </a:ln>
+          </p:spPr>
+        </p:cxnSp>
+        <p:cxnSp>
+          <p:nvCxnSpPr>
+            <p:cNvPr id="295" name="Google Shape;295;g37bfccee378_0_148"/>
+            <p:cNvCxnSpPr/>
+            <p:nvPr/>
+          </p:nvCxnSpPr>
+          <p:spPr>
+            <a:xfrm rot="10800000">
+              <a:off x="1919000" y="3143475"/>
+              <a:ext cx="526800" cy="771300"/>
+            </a:xfrm>
+            <a:prstGeom prst="straightConnector1">
+              <a:avLst/>
+            </a:prstGeom>
+            <a:noFill/>
+            <a:ln cap="flat" cmpd="sng" w="28575">
+              <a:solidFill>
+                <a:schemeClr val="dk2"/>
+              </a:solidFill>
+              <a:prstDash val="solid"/>
+              <a:round/>
+              <a:headEnd len="sm" w="sm" type="none"/>
+              <a:tailEnd len="med" w="med" type="stealth"/>
+            </a:ln>
+          </p:spPr>
+        </p:cxnSp>
+        <p:cxnSp>
+          <p:nvCxnSpPr>
+            <p:cNvPr id="296" name="Google Shape;296;g37bfccee378_0_148"/>
+            <p:cNvCxnSpPr/>
+            <p:nvPr/>
+          </p:nvCxnSpPr>
+          <p:spPr>
+            <a:xfrm flipH="1" rot="10800000">
+              <a:off x="2863075" y="3208988"/>
+              <a:ext cx="551400" cy="792300"/>
+            </a:xfrm>
+            <a:prstGeom prst="straightConnector1">
+              <a:avLst/>
+            </a:prstGeom>
+            <a:noFill/>
+            <a:ln cap="flat" cmpd="sng" w="28575">
+              <a:solidFill>
+                <a:schemeClr val="dk2"/>
+              </a:solidFill>
+              <a:prstDash val="solid"/>
+              <a:round/>
+              <a:headEnd len="sm" w="sm" type="none"/>
+              <a:tailEnd len="med" w="med" type="stealth"/>
+            </a:ln>
+          </p:spPr>
+        </p:cxnSp>
+        <p:cxnSp>
+          <p:nvCxnSpPr>
+            <p:cNvPr id="297" name="Google Shape;297;g37bfccee378_0_148"/>
+            <p:cNvCxnSpPr/>
+            <p:nvPr/>
+          </p:nvCxnSpPr>
+          <p:spPr>
+            <a:xfrm flipH="1">
+              <a:off x="2981275" y="3335000"/>
+              <a:ext cx="570000" cy="764100"/>
+            </a:xfrm>
+            <a:prstGeom prst="straightConnector1">
+              <a:avLst/>
+            </a:prstGeom>
+            <a:noFill/>
+            <a:ln cap="flat" cmpd="sng" w="28575">
+              <a:solidFill>
+                <a:schemeClr val="dk2"/>
+              </a:solidFill>
+              <a:prstDash val="solid"/>
+              <a:round/>
+              <a:headEnd len="sm" w="sm" type="none"/>
+              <a:tailEnd len="med" w="med" type="stealth"/>
+            </a:ln>
+          </p:spPr>
+        </p:cxnSp>
+        <p:pic>
+          <p:nvPicPr>
+            <p:cNvPr id="298" name="Google Shape;298;g37bfccee378_0_148" title="blue-hexagon-bot.png"/>
+            <p:cNvPicPr preferRelativeResize="0"/>
+            <p:nvPr/>
+          </p:nvPicPr>
+          <p:blipFill>
+            <a:blip r:embed="rId3">
+              <a:alphaModFix/>
+            </a:blip>
+            <a:stretch>
+              <a:fillRect/>
+            </a:stretch>
+          </p:blipFill>
+          <p:spPr>
+            <a:xfrm>
+              <a:off x="3135182" y="2098382"/>
+              <a:ext cx="1242675" cy="1242675"/>
+            </a:xfrm>
+            <a:prstGeom prst="rect">
+              <a:avLst/>
+            </a:prstGeom>
+            <a:noFill/>
+            <a:ln>
+              <a:noFill/>
+            </a:ln>
+          </p:spPr>
+        </p:pic>
+      </p:grpSp>
       <p:sp>
         <p:nvSpPr>
-          <p:cNvPr id="288" name="Google Shape;288;g37bfccee378_0_148"/>
+          <p:cNvPr id="299" name="Google Shape;299;g37bfccee378_0_148"/>
           <p:cNvSpPr txBox="1"/>
           <p:nvPr/>
         </p:nvSpPr>
@@ -21131,7 +21483,7 @@
       </p:sp>
       <p:sp>
         <p:nvSpPr>
-          <p:cNvPr id="289" name="Google Shape;289;g37bfccee378_0_148"/>
+          <p:cNvPr id="300" name="Google Shape;300;g37bfccee378_0_148"/>
           <p:cNvSpPr txBox="1"/>
           <p:nvPr>
             <p:ph type="title"/>
@@ -21174,286 +21526,6 @@
           </a:p>
         </p:txBody>
       </p:sp>
-      <p:pic>
-        <p:nvPicPr>
-          <p:cNvPr id="290" name="Google Shape;290;g37bfccee378_0_148"/>
-          <p:cNvPicPr preferRelativeResize="0"/>
-          <p:nvPr/>
-        </p:nvPicPr>
-        <p:blipFill rotWithShape="1">
-          <a:blip r:embed="rId3">
-            <a:alphaModFix/>
-          </a:blip>
-          <a:srcRect b="0" l="0" r="0" t="0"/>
-          <a:stretch/>
-        </p:blipFill>
-        <p:spPr>
-          <a:xfrm>
-            <a:off x="850950" y="2064225"/>
-            <a:ext cx="1242675" cy="1242675"/>
-          </a:xfrm>
-          <a:prstGeom prst="rect">
-            <a:avLst/>
-          </a:prstGeom>
-          <a:noFill/>
-          <a:ln>
-            <a:noFill/>
-          </a:ln>
-        </p:spPr>
-      </p:pic>
-      <p:pic>
-        <p:nvPicPr>
-          <p:cNvPr id="291" name="Google Shape;291;g37bfccee378_0_148"/>
-          <p:cNvPicPr preferRelativeResize="0"/>
-          <p:nvPr/>
-        </p:nvPicPr>
-        <p:blipFill rotWithShape="1">
-          <a:blip r:embed="rId3">
-            <a:alphaModFix/>
-          </a:blip>
-          <a:srcRect b="0" l="0" r="0" t="0"/>
-          <a:stretch/>
-        </p:blipFill>
-        <p:spPr>
-          <a:xfrm>
-            <a:off x="3126300" y="2064225"/>
-            <a:ext cx="1242675" cy="1242675"/>
-          </a:xfrm>
-          <a:prstGeom prst="rect">
-            <a:avLst/>
-          </a:prstGeom>
-          <a:noFill/>
-          <a:ln>
-            <a:noFill/>
-          </a:ln>
-        </p:spPr>
-      </p:pic>
-      <p:pic>
-        <p:nvPicPr>
-          <p:cNvPr id="292" name="Google Shape;292;g37bfccee378_0_148"/>
-          <p:cNvPicPr preferRelativeResize="0"/>
-          <p:nvPr/>
-        </p:nvPicPr>
-        <p:blipFill rotWithShape="1">
-          <a:blip r:embed="rId3">
-            <a:alphaModFix/>
-          </a:blip>
-          <a:srcRect b="0" l="0" r="0" t="0"/>
-          <a:stretch/>
-        </p:blipFill>
-        <p:spPr>
-          <a:xfrm>
-            <a:off x="1987325" y="3914775"/>
-            <a:ext cx="1242675" cy="1242675"/>
-          </a:xfrm>
-          <a:prstGeom prst="rect">
-            <a:avLst/>
-          </a:prstGeom>
-          <a:noFill/>
-          <a:ln>
-            <a:noFill/>
-          </a:ln>
-        </p:spPr>
-      </p:pic>
-      <p:cxnSp>
-        <p:nvCxnSpPr>
-          <p:cNvPr id="293" name="Google Shape;293;g37bfccee378_0_148"/>
-          <p:cNvCxnSpPr/>
-          <p:nvPr/>
-        </p:nvCxnSpPr>
-        <p:spPr>
-          <a:xfrm>
-            <a:off x="2070613" y="2784050"/>
-            <a:ext cx="1076100" cy="0"/>
-          </a:xfrm>
-          <a:prstGeom prst="straightConnector1">
-            <a:avLst/>
-          </a:prstGeom>
-          <a:noFill/>
-          <a:ln cap="flat" cmpd="sng" w="28575">
-            <a:solidFill>
-              <a:schemeClr val="dk2"/>
-            </a:solidFill>
-            <a:prstDash val="solid"/>
-            <a:round/>
-            <a:headEnd len="sm" w="sm" type="stealth"/>
-            <a:tailEnd len="med" w="med" type="none"/>
-          </a:ln>
-        </p:spPr>
-      </p:cxnSp>
-      <p:cxnSp>
-        <p:nvCxnSpPr>
-          <p:cNvPr id="294" name="Google Shape;294;g37bfccee378_0_148"/>
-          <p:cNvCxnSpPr/>
-          <p:nvPr/>
-        </p:nvCxnSpPr>
-        <p:spPr>
-          <a:xfrm>
-            <a:off x="2070613" y="2584250"/>
-            <a:ext cx="1076100" cy="0"/>
-          </a:xfrm>
-          <a:prstGeom prst="straightConnector1">
-            <a:avLst/>
-          </a:prstGeom>
-          <a:noFill/>
-          <a:ln cap="flat" cmpd="sng" w="28575">
-            <a:solidFill>
-              <a:schemeClr val="dk2"/>
-            </a:solidFill>
-            <a:prstDash val="solid"/>
-            <a:round/>
-            <a:headEnd len="sm" w="sm" type="none"/>
-            <a:tailEnd len="med" w="med" type="stealth"/>
-          </a:ln>
-        </p:spPr>
-      </p:cxnSp>
-      <p:cxnSp>
-        <p:nvCxnSpPr>
-          <p:cNvPr id="295" name="Google Shape;295;g37bfccee378_0_148"/>
-          <p:cNvCxnSpPr/>
-          <p:nvPr/>
-        </p:nvCxnSpPr>
-        <p:spPr>
-          <a:xfrm>
-            <a:off x="1731625" y="3248000"/>
-            <a:ext cx="557700" cy="753300"/>
-          </a:xfrm>
-          <a:prstGeom prst="straightConnector1">
-            <a:avLst/>
-          </a:prstGeom>
-          <a:noFill/>
-          <a:ln cap="flat" cmpd="sng" w="28575">
-            <a:solidFill>
-              <a:schemeClr val="dk2"/>
-            </a:solidFill>
-            <a:prstDash val="solid"/>
-            <a:round/>
-            <a:headEnd len="sm" w="sm" type="none"/>
-            <a:tailEnd len="med" w="med" type="stealth"/>
-          </a:ln>
-        </p:spPr>
-      </p:cxnSp>
-      <p:cxnSp>
-        <p:nvCxnSpPr>
-          <p:cNvPr id="296" name="Google Shape;296;g37bfccee378_0_148"/>
-          <p:cNvCxnSpPr/>
-          <p:nvPr/>
-        </p:nvCxnSpPr>
-        <p:spPr>
-          <a:xfrm rot="10800000">
-            <a:off x="1919000" y="3143475"/>
-            <a:ext cx="526800" cy="771300"/>
-          </a:xfrm>
-          <a:prstGeom prst="straightConnector1">
-            <a:avLst/>
-          </a:prstGeom>
-          <a:noFill/>
-          <a:ln cap="flat" cmpd="sng" w="28575">
-            <a:solidFill>
-              <a:schemeClr val="dk2"/>
-            </a:solidFill>
-            <a:prstDash val="solid"/>
-            <a:round/>
-            <a:headEnd len="sm" w="sm" type="none"/>
-            <a:tailEnd len="med" w="med" type="stealth"/>
-          </a:ln>
-        </p:spPr>
-      </p:cxnSp>
-      <p:grpSp>
-        <p:nvGrpSpPr>
-          <p:cNvPr id="297" name="Google Shape;297;g37bfccee378_0_148"/>
-          <p:cNvGrpSpPr/>
-          <p:nvPr/>
-        </p:nvGrpSpPr>
-        <p:grpSpPr>
-          <a:xfrm>
-            <a:off x="711636" y="2001654"/>
-            <a:ext cx="1521304" cy="1367821"/>
-            <a:chOff x="807175" y="841350"/>
-            <a:chExt cx="2098350" cy="1886650"/>
-          </a:xfrm>
-        </p:grpSpPr>
-        <p:cxnSp>
-          <p:nvCxnSpPr>
-            <p:cNvPr id="298" name="Google Shape;298;g37bfccee378_0_148"/>
-            <p:cNvCxnSpPr/>
-            <p:nvPr/>
-          </p:nvCxnSpPr>
-          <p:spPr>
-            <a:xfrm>
-              <a:off x="851125" y="841350"/>
-              <a:ext cx="2054400" cy="1829400"/>
-            </a:xfrm>
-            <a:prstGeom prst="straightConnector1">
-              <a:avLst/>
-            </a:prstGeom>
-            <a:noFill/>
-            <a:ln cap="flat" cmpd="sng" w="28575">
-              <a:solidFill>
-                <a:schemeClr val="dk2"/>
-              </a:solidFill>
-              <a:prstDash val="solid"/>
-              <a:round/>
-              <a:headEnd len="med" w="med" type="none"/>
-              <a:tailEnd len="med" w="med" type="none"/>
-            </a:ln>
-          </p:spPr>
-        </p:cxnSp>
-        <p:cxnSp>
-          <p:nvCxnSpPr>
-            <p:cNvPr id="299" name="Google Shape;299;g37bfccee378_0_148"/>
-            <p:cNvCxnSpPr/>
-            <p:nvPr/>
-          </p:nvCxnSpPr>
-          <p:spPr>
-            <a:xfrm flipH="1" rot="10800000">
-              <a:off x="807175" y="849700"/>
-              <a:ext cx="1976100" cy="1878300"/>
-            </a:xfrm>
-            <a:prstGeom prst="straightConnector1">
-              <a:avLst/>
-            </a:prstGeom>
-            <a:noFill/>
-            <a:ln cap="flat" cmpd="sng" w="28575">
-              <a:solidFill>
-                <a:schemeClr val="dk2"/>
-              </a:solidFill>
-              <a:prstDash val="solid"/>
-              <a:round/>
-              <a:headEnd len="med" w="med" type="none"/>
-              <a:tailEnd len="med" w="med" type="none"/>
-            </a:ln>
-          </p:spPr>
-        </p:cxnSp>
-      </p:grpSp>
-      <p:pic>
-        <p:nvPicPr>
-          <p:cNvPr id="300" name="Google Shape;300;g37bfccee378_0_148"/>
-          <p:cNvPicPr preferRelativeResize="0"/>
-          <p:nvPr/>
-        </p:nvPicPr>
-        <p:blipFill>
-          <a:blip r:embed="rId4">
-            <a:alphaModFix/>
-          </a:blip>
-          <a:stretch>
-            <a:fillRect/>
-          </a:stretch>
-        </p:blipFill>
-        <p:spPr>
-          <a:xfrm>
-            <a:off x="257535" y="2522949"/>
-            <a:ext cx="593415" cy="522205"/>
-          </a:xfrm>
-          <a:prstGeom prst="rect">
-            <a:avLst/>
-          </a:prstGeom>
-          <a:noFill/>
-          <a:ln>
-            <a:noFill/>
-          </a:ln>
-        </p:spPr>
-      </p:pic>
       <p:grpSp>
         <p:nvGrpSpPr>
           <p:cNvPr id="301" name="Google Shape;301;g37bfccee378_0_148"/>
@@ -21462,8 +21534,8 @@
         </p:nvGrpSpPr>
         <p:grpSpPr>
           <a:xfrm>
-            <a:off x="275360" y="2584240"/>
-            <a:ext cx="557741" cy="501472"/>
+            <a:off x="711636" y="2001654"/>
+            <a:ext cx="1521304" cy="1367821"/>
             <a:chOff x="807175" y="841350"/>
             <a:chExt cx="2098350" cy="1886650"/>
           </a:xfrm>
@@ -21521,35 +21593,104 @@
           </p:spPr>
         </p:cxnSp>
       </p:grpSp>
-      <p:cxnSp>
-        <p:nvCxnSpPr>
+      <p:pic>
+        <p:nvPicPr>
           <p:cNvPr id="304" name="Google Shape;304;g37bfccee378_0_148"/>
-          <p:cNvCxnSpPr/>
+          <p:cNvPicPr preferRelativeResize="0"/>
           <p:nvPr/>
-        </p:nvCxnSpPr>
+        </p:nvPicPr>
+        <p:blipFill>
+          <a:blip r:embed="rId4">
+            <a:alphaModFix/>
+          </a:blip>
+          <a:stretch>
+            <a:fillRect/>
+          </a:stretch>
+        </p:blipFill>
         <p:spPr>
-          <a:xfrm flipH="1" rot="10800000">
-            <a:off x="2863075" y="3208988"/>
-            <a:ext cx="551400" cy="792300"/>
+          <a:xfrm>
+            <a:off x="257535" y="2522949"/>
+            <a:ext cx="593415" cy="522205"/>
           </a:xfrm>
-          <a:prstGeom prst="straightConnector1">
+          <a:prstGeom prst="rect">
             <a:avLst/>
           </a:prstGeom>
           <a:noFill/>
-          <a:ln cap="flat" cmpd="sng" w="28575">
-            <a:solidFill>
-              <a:schemeClr val="dk2"/>
-            </a:solidFill>
-            <a:prstDash val="solid"/>
-            <a:round/>
-            <a:headEnd len="sm" w="sm" type="none"/>
-            <a:tailEnd len="med" w="med" type="stealth"/>
+          <a:ln>
+            <a:noFill/>
           </a:ln>
         </p:spPr>
-      </p:cxnSp>
+      </p:pic>
+      <p:grpSp>
+        <p:nvGrpSpPr>
+          <p:cNvPr id="305" name="Google Shape;305;g37bfccee378_0_148"/>
+          <p:cNvGrpSpPr/>
+          <p:nvPr/>
+        </p:nvGrpSpPr>
+        <p:grpSpPr>
+          <a:xfrm>
+            <a:off x="275360" y="2584240"/>
+            <a:ext cx="557741" cy="501472"/>
+            <a:chOff x="807175" y="841350"/>
+            <a:chExt cx="2098350" cy="1886650"/>
+          </a:xfrm>
+        </p:grpSpPr>
+        <p:cxnSp>
+          <p:nvCxnSpPr>
+            <p:cNvPr id="306" name="Google Shape;306;g37bfccee378_0_148"/>
+            <p:cNvCxnSpPr/>
+            <p:nvPr/>
+          </p:nvCxnSpPr>
+          <p:spPr>
+            <a:xfrm>
+              <a:off x="851125" y="841350"/>
+              <a:ext cx="2054400" cy="1829400"/>
+            </a:xfrm>
+            <a:prstGeom prst="straightConnector1">
+              <a:avLst/>
+            </a:prstGeom>
+            <a:noFill/>
+            <a:ln cap="flat" cmpd="sng" w="28575">
+              <a:solidFill>
+                <a:schemeClr val="dk2"/>
+              </a:solidFill>
+              <a:prstDash val="solid"/>
+              <a:round/>
+              <a:headEnd len="med" w="med" type="none"/>
+              <a:tailEnd len="med" w="med" type="none"/>
+            </a:ln>
+          </p:spPr>
+        </p:cxnSp>
+        <p:cxnSp>
+          <p:nvCxnSpPr>
+            <p:cNvPr id="307" name="Google Shape;307;g37bfccee378_0_148"/>
+            <p:cNvCxnSpPr/>
+            <p:nvPr/>
+          </p:nvCxnSpPr>
+          <p:spPr>
+            <a:xfrm flipH="1" rot="10800000">
+              <a:off x="807175" y="849700"/>
+              <a:ext cx="1976100" cy="1878300"/>
+            </a:xfrm>
+            <a:prstGeom prst="straightConnector1">
+              <a:avLst/>
+            </a:prstGeom>
+            <a:noFill/>
+            <a:ln cap="flat" cmpd="sng" w="28575">
+              <a:solidFill>
+                <a:schemeClr val="dk2"/>
+              </a:solidFill>
+              <a:prstDash val="solid"/>
+              <a:round/>
+              <a:headEnd len="med" w="med" type="none"/>
+              <a:tailEnd len="med" w="med" type="none"/>
+            </a:ln>
+          </p:spPr>
+        </p:cxnSp>
+      </p:grpSp>
       <p:sp>
         <p:nvSpPr>
-          <p:cNvPr id="305" name="Google Shape;305;g37bfccee378_0_148"/>
+          <p:cNvPr id="308" name="Google Shape;308;g37bfccee378_0_148"/>
           <p:cNvSpPr txBox="1"/>
           <p:nvPr/>
         </p:nvSpPr>
@@ -21657,35 +21798,9 @@
           </a:p>
         </p:txBody>
       </p:sp>
-      <p:cxnSp>
-        <p:nvCxnSpPr>
-          <p:cNvPr id="306" name="Google Shape;306;g37bfccee378_0_148"/>
-          <p:cNvCxnSpPr/>
-          <p:nvPr/>
-        </p:nvCxnSpPr>
-        <p:spPr>
-          <a:xfrm flipH="1">
-            <a:off x="2981275" y="3335000"/>
-            <a:ext cx="570000" cy="764100"/>
-          </a:xfrm>
-          <a:prstGeom prst="straightConnector1">
-            <a:avLst/>
-          </a:prstGeom>
-          <a:noFill/>
-          <a:ln cap="flat" cmpd="sng" w="28575">
-            <a:solidFill>
-              <a:schemeClr val="dk2"/>
-            </a:solidFill>
-            <a:prstDash val="solid"/>
-            <a:round/>
-            <a:headEnd len="sm" w="sm" type="none"/>
-            <a:tailEnd len="med" w="med" type="stealth"/>
-          </a:ln>
-        </p:spPr>
-      </p:cxnSp>
       <p:sp>
         <p:nvSpPr>
-          <p:cNvPr id="307" name="Google Shape;307;g37bfccee378_0_148"/>
+          <p:cNvPr id="309" name="Google Shape;309;g37bfccee378_0_148"/>
           <p:cNvSpPr txBox="1"/>
           <p:nvPr/>
         </p:nvSpPr>
@@ -21795,7 +21910,7 @@
       </p:sp>
       <p:sp>
         <p:nvSpPr>
-          <p:cNvPr id="308" name="Google Shape;308;g37bfccee378_0_148"/>
+          <p:cNvPr id="310" name="Google Shape;310;g37bfccee378_0_148"/>
           <p:cNvSpPr txBox="1"/>
           <p:nvPr/>
         </p:nvSpPr>
@@ -21905,7 +22020,7 @@
       </p:sp>
       <p:sp>
         <p:nvSpPr>
-          <p:cNvPr id="309" name="Google Shape;309;g37bfccee378_0_148"/>
+          <p:cNvPr id="311" name="Google Shape;311;g37bfccee378_0_148"/>
           <p:cNvSpPr txBox="1"/>
           <p:nvPr/>
         </p:nvSpPr>
@@ -21962,6 +22077,9 @@
                     <p:cTn fill="hold">
                       <p:stCondLst>
                         <p:cond delay="indefinite"/>
+                        <p:cond evt="onBegin" delay="0">
+                          <p:tn val="2"/>
+                        </p:cond>
                       </p:stCondLst>
                       <p:childTnLst>
                         <p:par>
@@ -21970,33 +22088,6 @@
                               <p:cond delay="0"/>
                             </p:stCondLst>
                             <p:childTnLst>
-                              <p:par>
-                                <p:cTn fill="hold" nodeType="clickEffect" presetClass="entr" presetID="1" presetSubtype="0">
-                                  <p:stCondLst>
-                                    <p:cond delay="0"/>
-                                  </p:stCondLst>
-                                  <p:childTnLst>
-                                    <p:set>
-                                      <p:cBhvr>
-                                        <p:cTn dur="1" fill="hold">
-                                          <p:stCondLst>
-                                            <p:cond delay="0"/>
-                                          </p:stCondLst>
-                                        </p:cTn>
-                                        <p:tgtEl>
-                                          <p:spTgt spid="291"/>
-                                        </p:tgtEl>
-                                        <p:attrNameLst>
-                                          <p:attrName>style.visibility</p:attrName>
-                                        </p:attrNameLst>
-                                      </p:cBhvr>
-                                      <p:to>
-                                        <p:strVal val="visible"/>
-                                      </p:to>
-                                    </p:set>
-                                  </p:childTnLst>
-                                </p:cTn>
-                              </p:par>
                               <p:par>
                                 <p:cTn fill="hold" nodeType="withEffect" presetClass="entr" presetID="1" presetSubtype="0">
                                   <p:stCondLst>
@@ -22011,196 +22102,7 @@
                                           </p:stCondLst>
                                         </p:cTn>
                                         <p:tgtEl>
-                                          <p:spTgt spid="292"/>
-                                        </p:tgtEl>
-                                        <p:attrNameLst>
-                                          <p:attrName>style.visibility</p:attrName>
-                                        </p:attrNameLst>
-                                      </p:cBhvr>
-                                      <p:to>
-                                        <p:strVal val="visible"/>
-                                      </p:to>
-                                    </p:set>
-                                  </p:childTnLst>
-                                </p:cTn>
-                              </p:par>
-                              <p:par>
-                                <p:cTn fill="hold" nodeType="withEffect" presetClass="entr" presetID="1" presetSubtype="0">
-                                  <p:stCondLst>
-                                    <p:cond delay="0"/>
-                                  </p:stCondLst>
-                                  <p:childTnLst>
-                                    <p:set>
-                                      <p:cBhvr>
-                                        <p:cTn dur="1" fill="hold">
-                                          <p:stCondLst>
-                                            <p:cond delay="0"/>
-                                          </p:stCondLst>
-                                        </p:cTn>
-                                        <p:tgtEl>
-                                          <p:spTgt spid="293"/>
-                                        </p:tgtEl>
-                                        <p:attrNameLst>
-                                          <p:attrName>style.visibility</p:attrName>
-                                        </p:attrNameLst>
-                                      </p:cBhvr>
-                                      <p:to>
-                                        <p:strVal val="visible"/>
-                                      </p:to>
-                                    </p:set>
-                                  </p:childTnLst>
-                                </p:cTn>
-                              </p:par>
-                              <p:par>
-                                <p:cTn fill="hold" nodeType="withEffect" presetClass="entr" presetID="1" presetSubtype="0">
-                                  <p:stCondLst>
-                                    <p:cond delay="0"/>
-                                  </p:stCondLst>
-                                  <p:childTnLst>
-                                    <p:set>
-                                      <p:cBhvr>
-                                        <p:cTn dur="1" fill="hold">
-                                          <p:stCondLst>
-                                            <p:cond delay="0"/>
-                                          </p:stCondLst>
-                                        </p:cTn>
-                                        <p:tgtEl>
-                                          <p:spTgt spid="294"/>
-                                        </p:tgtEl>
-                                        <p:attrNameLst>
-                                          <p:attrName>style.visibility</p:attrName>
-                                        </p:attrNameLst>
-                                      </p:cBhvr>
-                                      <p:to>
-                                        <p:strVal val="visible"/>
-                                      </p:to>
-                                    </p:set>
-                                  </p:childTnLst>
-                                </p:cTn>
-                              </p:par>
-                              <p:par>
-                                <p:cTn fill="hold" nodeType="withEffect" presetClass="entr" presetID="1" presetSubtype="0">
-                                  <p:stCondLst>
-                                    <p:cond delay="0"/>
-                                  </p:stCondLst>
-                                  <p:childTnLst>
-                                    <p:set>
-                                      <p:cBhvr>
-                                        <p:cTn dur="1" fill="hold">
-                                          <p:stCondLst>
-                                            <p:cond delay="0"/>
-                                          </p:stCondLst>
-                                        </p:cTn>
-                                        <p:tgtEl>
-                                          <p:spTgt spid="296"/>
-                                        </p:tgtEl>
-                                        <p:attrNameLst>
-                                          <p:attrName>style.visibility</p:attrName>
-                                        </p:attrNameLst>
-                                      </p:cBhvr>
-                                      <p:to>
-                                        <p:strVal val="visible"/>
-                                      </p:to>
-                                    </p:set>
-                                  </p:childTnLst>
-                                </p:cTn>
-                              </p:par>
-                              <p:par>
-                                <p:cTn fill="hold" nodeType="withEffect" presetClass="entr" presetID="1" presetSubtype="0">
-                                  <p:stCondLst>
-                                    <p:cond delay="0"/>
-                                  </p:stCondLst>
-                                  <p:childTnLst>
-                                    <p:set>
-                                      <p:cBhvr>
-                                        <p:cTn dur="1" fill="hold">
-                                          <p:stCondLst>
-                                            <p:cond delay="0"/>
-                                          </p:stCondLst>
-                                        </p:cTn>
-                                        <p:tgtEl>
-                                          <p:spTgt spid="304"/>
-                                        </p:tgtEl>
-                                        <p:attrNameLst>
-                                          <p:attrName>style.visibility</p:attrName>
-                                        </p:attrNameLst>
-                                      </p:cBhvr>
-                                      <p:to>
-                                        <p:strVal val="visible"/>
-                                      </p:to>
-                                    </p:set>
-                                  </p:childTnLst>
-                                </p:cTn>
-                              </p:par>
-                              <p:par>
-                                <p:cTn fill="hold" nodeType="withEffect" presetClass="entr" presetID="1" presetSubtype="0">
-                                  <p:stCondLst>
-                                    <p:cond delay="0"/>
-                                  </p:stCondLst>
-                                  <p:childTnLst>
-                                    <p:set>
-                                      <p:cBhvr>
-                                        <p:cTn dur="1" fill="hold">
-                                          <p:stCondLst>
-                                            <p:cond delay="0"/>
-                                          </p:stCondLst>
-                                        </p:cTn>
-                                        <p:tgtEl>
-                                          <p:spTgt spid="306"/>
-                                        </p:tgtEl>
-                                        <p:attrNameLst>
-                                          <p:attrName>style.visibility</p:attrName>
-                                        </p:attrNameLst>
-                                      </p:cBhvr>
-                                      <p:to>
-                                        <p:strVal val="visible"/>
-                                      </p:to>
-                                    </p:set>
-                                  </p:childTnLst>
-                                </p:cTn>
-                              </p:par>
-                              <p:par>
-                                <p:cTn fill="hold" nodeType="withEffect" presetClass="entr" presetID="1" presetSubtype="0">
-                                  <p:stCondLst>
-                                    <p:cond delay="0"/>
-                                  </p:stCondLst>
-                                  <p:childTnLst>
-                                    <p:set>
-                                      <p:cBhvr>
-                                        <p:cTn dur="1" fill="hold">
-                                          <p:stCondLst>
-                                            <p:cond delay="0"/>
-                                          </p:stCondLst>
-                                        </p:cTn>
-                                        <p:tgtEl>
-                                          <p:spTgt spid="295"/>
-                                        </p:tgtEl>
-                                        <p:attrNameLst>
-                                          <p:attrName>style.visibility</p:attrName>
-                                        </p:attrNameLst>
-                                      </p:cBhvr>
-                                      <p:to>
-                                        <p:strVal val="visible"/>
-                                      </p:to>
-                                    </p:set>
-                                  </p:childTnLst>
-                                </p:cTn>
-                              </p:par>
-                              <p:par>
-                                <p:cTn fill="hold" nodeType="withEffect" presetClass="entr" presetID="1" presetSubtype="0">
-                                  <p:stCondLst>
-                                    <p:cond delay="0"/>
-                                  </p:stCondLst>
-                                  <p:childTnLst>
-                                    <p:set>
-                                      <p:cBhvr>
-                                        <p:cTn dur="1" fill="hold">
-                                          <p:stCondLst>
-                                            <p:cond delay="0"/>
-                                          </p:stCondLst>
-                                        </p:cTn>
-                                        <p:tgtEl>
-                                          <p:spTgt spid="288"/>
+                                          <p:spTgt spid="299"/>
                                         </p:tgtEl>
                                         <p:attrNameLst>
                                           <p:attrName>style.visibility</p:attrName>
@@ -22245,7 +22147,7 @@
                                           </p:stCondLst>
                                         </p:cTn>
                                         <p:tgtEl>
-                                          <p:spTgt spid="309"/>
+                                          <p:spTgt spid="311"/>
                                         </p:tgtEl>
                                         <p:attrNameLst>
                                           <p:attrName>style.visibility</p:attrName>
@@ -22272,7 +22174,7 @@
                                           </p:stCondLst>
                                         </p:cTn>
                                         <p:tgtEl>
-                                          <p:spTgt spid="305"/>
+                                          <p:spTgt spid="308"/>
                                         </p:tgtEl>
                                         <p:attrNameLst>
                                           <p:attrName>style.visibility</p:attrName>
@@ -22280,105 +22182,6 @@
                                       </p:cBhvr>
                                       <p:to>
                                         <p:strVal val="visible"/>
-                                      </p:to>
-                                    </p:set>
-                                  </p:childTnLst>
-                                </p:cTn>
-                              </p:par>
-                            </p:childTnLst>
-                          </p:cTn>
-                        </p:par>
-                      </p:childTnLst>
-                    </p:cTn>
-                  </p:par>
-                  <p:par>
-                    <p:cTn fill="hold">
-                      <p:stCondLst>
-                        <p:cond delay="indefinite"/>
-                      </p:stCondLst>
-                      <p:childTnLst>
-                        <p:par>
-                          <p:cTn fill="hold">
-                            <p:stCondLst>
-                              <p:cond delay="0"/>
-                            </p:stCondLst>
-                            <p:childTnLst>
-                              <p:par>
-                                <p:cTn fill="hold" nodeType="clickEffect" presetClass="entr" presetID="1" presetSubtype="0">
-                                  <p:stCondLst>
-                                    <p:cond delay="0"/>
-                                  </p:stCondLst>
-                                  <p:childTnLst>
-                                    <p:set>
-                                      <p:cBhvr>
-                                        <p:cTn dur="1" fill="hold">
-                                          <p:stCondLst>
-                                            <p:cond delay="0"/>
-                                          </p:stCondLst>
-                                        </p:cTn>
-                                        <p:tgtEl>
-                                          <p:spTgt spid="297"/>
-                                        </p:tgtEl>
-                                        <p:attrNameLst>
-                                          <p:attrName>style.visibility</p:attrName>
-                                        </p:attrNameLst>
-                                      </p:cBhvr>
-                                      <p:to>
-                                        <p:strVal val="visible"/>
-                                      </p:to>
-                                    </p:set>
-                                  </p:childTnLst>
-                                </p:cTn>
-                              </p:par>
-                              <p:par>
-                                <p:cTn fill="hold" nodeType="withEffect" presetClass="entr" presetID="1" presetSubtype="0">
-                                  <p:stCondLst>
-                                    <p:cond delay="0"/>
-                                  </p:stCondLst>
-                                  <p:childTnLst>
-                                    <p:set>
-                                      <p:cBhvr>
-                                        <p:cTn dur="1" fill="hold">
-                                          <p:stCondLst>
-                                            <p:cond delay="0"/>
-                                          </p:stCondLst>
-                                        </p:cTn>
-                                        <p:tgtEl>
-                                          <p:spTgt spid="307"/>
-                                        </p:tgtEl>
-                                        <p:attrNameLst>
-                                          <p:attrName>style.visibility</p:attrName>
-                                        </p:attrNameLst>
-                                      </p:cBhvr>
-                                      <p:to>
-                                        <p:strVal val="visible"/>
-                                      </p:to>
-                                    </p:set>
-                                  </p:childTnLst>
-                                </p:cTn>
-                              </p:par>
-                              <p:par>
-                                <p:cTn fill="hold" nodeType="withEffect" presetClass="exit" presetID="1" presetSubtype="0">
-                                  <p:stCondLst>
-                                    <p:cond delay="0"/>
-                                  </p:stCondLst>
-                                  <p:childTnLst>
-                                    <p:set>
-                                      <p:cBhvr>
-                                        <p:cTn dur="1" fill="hold">
-                                          <p:stCondLst>
-                                            <p:cond delay="0"/>
-                                          </p:stCondLst>
-                                        </p:cTn>
-                                        <p:tgtEl>
-                                          <p:spTgt spid="309"/>
-                                        </p:tgtEl>
-                                        <p:attrNameLst>
-                                          <p:attrName>style.visibility</p:attrName>
-                                        </p:attrNameLst>
-                                      </p:cBhvr>
-                                      <p:to>
-                                        <p:strVal val="hidden"/>
                                       </p:to>
                                     </p:set>
                                   </p:childTnLst>
@@ -22443,7 +22246,79 @@
                                           </p:stCondLst>
                                         </p:cTn>
                                         <p:tgtEl>
-                                          <p:spTgt spid="300"/>
+                                          <p:spTgt spid="309"/>
+                                        </p:tgtEl>
+                                        <p:attrNameLst>
+                                          <p:attrName>style.visibility</p:attrName>
+                                        </p:attrNameLst>
+                                      </p:cBhvr>
+                                      <p:to>
+                                        <p:strVal val="visible"/>
+                                      </p:to>
+                                    </p:set>
+                                  </p:childTnLst>
+                                </p:cTn>
+                              </p:par>
+                              <p:par>
+                                <p:cTn fill="hold" nodeType="withEffect" presetClass="exit" presetID="1" presetSubtype="0">
+                                  <p:stCondLst>
+                                    <p:cond delay="0"/>
+                                  </p:stCondLst>
+                                  <p:childTnLst>
+                                    <p:set>
+                                      <p:cBhvr>
+                                        <p:cTn dur="1" fill="hold">
+                                          <p:stCondLst>
+                                            <p:cond delay="0"/>
+                                          </p:stCondLst>
+                                        </p:cTn>
+                                        <p:tgtEl>
+                                          <p:spTgt spid="311"/>
+                                        </p:tgtEl>
+                                        <p:attrNameLst>
+                                          <p:attrName>style.visibility</p:attrName>
+                                        </p:attrNameLst>
+                                      </p:cBhvr>
+                                      <p:to>
+                                        <p:strVal val="hidden"/>
+                                      </p:to>
+                                    </p:set>
+                                  </p:childTnLst>
+                                </p:cTn>
+                              </p:par>
+                            </p:childTnLst>
+                          </p:cTn>
+                        </p:par>
+                      </p:childTnLst>
+                    </p:cTn>
+                  </p:par>
+                  <p:par>
+                    <p:cTn fill="hold">
+                      <p:stCondLst>
+                        <p:cond delay="indefinite"/>
+                      </p:stCondLst>
+                      <p:childTnLst>
+                        <p:par>
+                          <p:cTn fill="hold">
+                            <p:stCondLst>
+                              <p:cond delay="0"/>
+                            </p:stCondLst>
+                            <p:childTnLst>
+                              <p:par>
+                                <p:cTn fill="hold" nodeType="clickEffect" presetClass="entr" presetID="1" presetSubtype="0">
+                                  <p:stCondLst>
+                                    <p:cond delay="0"/>
+                                  </p:stCondLst>
+                                  <p:childTnLst>
+                                    <p:set>
+                                      <p:cBhvr>
+                                        <p:cTn dur="1" fill="hold">
+                                          <p:stCondLst>
+                                            <p:cond delay="0"/>
+                                          </p:stCondLst>
+                                        </p:cTn>
+                                        <p:tgtEl>
+                                          <p:spTgt spid="305"/>
                                         </p:tgtEl>
                                         <p:attrNameLst>
                                           <p:attrName>style.visibility</p:attrName>
@@ -22470,7 +22345,34 @@
                                           </p:stCondLst>
                                         </p:cTn>
                                         <p:tgtEl>
-                                          <p:spTgt spid="308"/>
+                                          <p:spTgt spid="304"/>
+                                        </p:tgtEl>
+                                        <p:attrNameLst>
+                                          <p:attrName>style.visibility</p:attrName>
+                                        </p:attrNameLst>
+                                      </p:cBhvr>
+                                      <p:to>
+                                        <p:strVal val="visible"/>
+                                      </p:to>
+                                    </p:set>
+                                  </p:childTnLst>
+                                </p:cTn>
+                              </p:par>
+                              <p:par>
+                                <p:cTn fill="hold" nodeType="withEffect" presetClass="entr" presetID="1" presetSubtype="0">
+                                  <p:stCondLst>
+                                    <p:cond delay="0"/>
+                                  </p:stCondLst>
+                                  <p:childTnLst>
+                                    <p:set>
+                                      <p:cBhvr>
+                                        <p:cTn dur="1" fill="hold">
+                                          <p:stCondLst>
+                                            <p:cond delay="0"/>
+                                          </p:stCondLst>
+                                        </p:cTn>
+                                        <p:tgtEl>
+                                          <p:spTgt spid="310"/>
                                         </p:tgtEl>
                                         <p:attrNameLst>
                                           <p:attrName>style.visibility</p:attrName>
@@ -22497,7 +22399,7 @@
                                           </p:stCondLst>
                                         </p:cTn>
                                         <p:tgtEl>
-                                          <p:spTgt spid="297"/>
+                                          <p:spTgt spid="301"/>
                                         </p:tgtEl>
                                         <p:attrNameLst>
                                           <p:attrName>style.visibility</p:attrName>
@@ -22546,7 +22448,7 @@
   <p:cSld>
     <p:spTree>
       <p:nvGrpSpPr>
-        <p:cNvPr id="313" name="Shape 313"/>
+        <p:cNvPr id="315" name="Shape 315"/>
         <p:cNvGrpSpPr/>
         <p:nvPr/>
       </p:nvGrpSpPr>
@@ -22560,289 +22462,7 @@
       </p:grpSpPr>
       <p:sp>
         <p:nvSpPr>
-          <p:cNvPr id="314" name="Google Shape;314;g37bfccee378_0_212"/>
-          <p:cNvSpPr txBox="1"/>
-          <p:nvPr>
-            <p:ph type="title"/>
-          </p:nvPr>
-        </p:nvSpPr>
-        <p:spPr>
-          <a:xfrm>
-            <a:off x="454754" y="664152"/>
-            <a:ext cx="11820000" cy="924600"/>
-          </a:xfrm>
-          <a:prstGeom prst="rect">
-            <a:avLst/>
-          </a:prstGeom>
-          <a:noFill/>
-          <a:ln>
-            <a:noFill/>
-          </a:ln>
-        </p:spPr>
-        <p:txBody>
-          <a:bodyPr anchorCtr="0" anchor="ctr" bIns="45700" lIns="91425" spcFirstLastPara="1" rIns="91425" wrap="square" tIns="45700">
-            <a:normAutofit/>
-          </a:bodyPr>
-          <a:lstStyle/>
-          <a:p>
-            <a:pPr indent="0" lvl="0" marL="0" rtl="0" algn="l">
-              <a:spcBef>
-                <a:spcPts val="0"/>
-              </a:spcBef>
-              <a:spcAft>
-                <a:spcPts val="0"/>
-              </a:spcAft>
-              <a:buSzPts val="4400"/>
-              <a:buNone/>
-            </a:pPr>
-            <a:r>
-              <a:rPr lang="en-US"/>
-              <a:t>Why Productionizing Agentic AI is Hard</a:t>
-            </a:r>
-            <a:endParaRPr/>
-          </a:p>
-        </p:txBody>
-      </p:sp>
-      <p:pic>
-        <p:nvPicPr>
-          <p:cNvPr id="315" name="Google Shape;315;g37bfccee378_0_212"/>
-          <p:cNvPicPr preferRelativeResize="0"/>
-          <p:nvPr/>
-        </p:nvPicPr>
-        <p:blipFill rotWithShape="1">
-          <a:blip r:embed="rId3">
-            <a:alphaModFix/>
-          </a:blip>
-          <a:srcRect b="0" l="0" r="0" t="0"/>
-          <a:stretch/>
-        </p:blipFill>
-        <p:spPr>
-          <a:xfrm>
-            <a:off x="850950" y="2064225"/>
-            <a:ext cx="1242675" cy="1242675"/>
-          </a:xfrm>
-          <a:prstGeom prst="rect">
-            <a:avLst/>
-          </a:prstGeom>
-          <a:noFill/>
-          <a:ln>
-            <a:noFill/>
-          </a:ln>
-        </p:spPr>
-      </p:pic>
-      <p:pic>
-        <p:nvPicPr>
           <p:cNvPr id="316" name="Google Shape;316;g37bfccee378_0_212"/>
-          <p:cNvPicPr preferRelativeResize="0"/>
-          <p:nvPr/>
-        </p:nvPicPr>
-        <p:blipFill rotWithShape="1">
-          <a:blip r:embed="rId3">
-            <a:alphaModFix/>
-          </a:blip>
-          <a:srcRect b="0" l="0" r="0" t="0"/>
-          <a:stretch/>
-        </p:blipFill>
-        <p:spPr>
-          <a:xfrm>
-            <a:off x="3126300" y="2064225"/>
-            <a:ext cx="1242675" cy="1242675"/>
-          </a:xfrm>
-          <a:prstGeom prst="rect">
-            <a:avLst/>
-          </a:prstGeom>
-          <a:noFill/>
-          <a:ln>
-            <a:noFill/>
-          </a:ln>
-        </p:spPr>
-      </p:pic>
-      <p:pic>
-        <p:nvPicPr>
-          <p:cNvPr id="317" name="Google Shape;317;g37bfccee378_0_212"/>
-          <p:cNvPicPr preferRelativeResize="0"/>
-          <p:nvPr/>
-        </p:nvPicPr>
-        <p:blipFill rotWithShape="1">
-          <a:blip r:embed="rId3">
-            <a:alphaModFix/>
-          </a:blip>
-          <a:srcRect b="0" l="0" r="0" t="0"/>
-          <a:stretch/>
-        </p:blipFill>
-        <p:spPr>
-          <a:xfrm>
-            <a:off x="1987325" y="3914775"/>
-            <a:ext cx="1242675" cy="1242675"/>
-          </a:xfrm>
-          <a:prstGeom prst="rect">
-            <a:avLst/>
-          </a:prstGeom>
-          <a:noFill/>
-          <a:ln>
-            <a:noFill/>
-          </a:ln>
-        </p:spPr>
-      </p:pic>
-      <p:cxnSp>
-        <p:nvCxnSpPr>
-          <p:cNvPr id="318" name="Google Shape;318;g37bfccee378_0_212"/>
-          <p:cNvCxnSpPr/>
-          <p:nvPr/>
-        </p:nvCxnSpPr>
-        <p:spPr>
-          <a:xfrm>
-            <a:off x="2070613" y="2784050"/>
-            <a:ext cx="1076100" cy="0"/>
-          </a:xfrm>
-          <a:prstGeom prst="straightConnector1">
-            <a:avLst/>
-          </a:prstGeom>
-          <a:noFill/>
-          <a:ln cap="flat" cmpd="sng" w="28575">
-            <a:solidFill>
-              <a:schemeClr val="dk2"/>
-            </a:solidFill>
-            <a:prstDash val="solid"/>
-            <a:round/>
-            <a:headEnd len="sm" w="sm" type="stealth"/>
-            <a:tailEnd len="med" w="med" type="none"/>
-          </a:ln>
-        </p:spPr>
-      </p:cxnSp>
-      <p:cxnSp>
-        <p:nvCxnSpPr>
-          <p:cNvPr id="319" name="Google Shape;319;g37bfccee378_0_212"/>
-          <p:cNvCxnSpPr/>
-          <p:nvPr/>
-        </p:nvCxnSpPr>
-        <p:spPr>
-          <a:xfrm>
-            <a:off x="2070613" y="2584250"/>
-            <a:ext cx="1076100" cy="0"/>
-          </a:xfrm>
-          <a:prstGeom prst="straightConnector1">
-            <a:avLst/>
-          </a:prstGeom>
-          <a:noFill/>
-          <a:ln cap="flat" cmpd="sng" w="28575">
-            <a:solidFill>
-              <a:schemeClr val="dk2"/>
-            </a:solidFill>
-            <a:prstDash val="solid"/>
-            <a:round/>
-            <a:headEnd len="sm" w="sm" type="none"/>
-            <a:tailEnd len="med" w="med" type="stealth"/>
-          </a:ln>
-        </p:spPr>
-      </p:cxnSp>
-      <p:cxnSp>
-        <p:nvCxnSpPr>
-          <p:cNvPr id="320" name="Google Shape;320;g37bfccee378_0_212"/>
-          <p:cNvCxnSpPr/>
-          <p:nvPr/>
-        </p:nvCxnSpPr>
-        <p:spPr>
-          <a:xfrm>
-            <a:off x="1731625" y="3248000"/>
-            <a:ext cx="557700" cy="753300"/>
-          </a:xfrm>
-          <a:prstGeom prst="straightConnector1">
-            <a:avLst/>
-          </a:prstGeom>
-          <a:noFill/>
-          <a:ln cap="flat" cmpd="sng" w="28575">
-            <a:solidFill>
-              <a:schemeClr val="dk2"/>
-            </a:solidFill>
-            <a:prstDash val="solid"/>
-            <a:round/>
-            <a:headEnd len="sm" w="sm" type="none"/>
-            <a:tailEnd len="med" w="med" type="stealth"/>
-          </a:ln>
-        </p:spPr>
-      </p:cxnSp>
-      <p:cxnSp>
-        <p:nvCxnSpPr>
-          <p:cNvPr id="321" name="Google Shape;321;g37bfccee378_0_212"/>
-          <p:cNvCxnSpPr/>
-          <p:nvPr/>
-        </p:nvCxnSpPr>
-        <p:spPr>
-          <a:xfrm rot="10800000">
-            <a:off x="1919000" y="3143475"/>
-            <a:ext cx="526800" cy="771300"/>
-          </a:xfrm>
-          <a:prstGeom prst="straightConnector1">
-            <a:avLst/>
-          </a:prstGeom>
-          <a:noFill/>
-          <a:ln cap="flat" cmpd="sng" w="28575">
-            <a:solidFill>
-              <a:schemeClr val="dk2"/>
-            </a:solidFill>
-            <a:prstDash val="solid"/>
-            <a:round/>
-            <a:headEnd len="sm" w="sm" type="none"/>
-            <a:tailEnd len="med" w="med" type="stealth"/>
-          </a:ln>
-        </p:spPr>
-      </p:cxnSp>
-      <p:cxnSp>
-        <p:nvCxnSpPr>
-          <p:cNvPr id="322" name="Google Shape;322;g37bfccee378_0_212"/>
-          <p:cNvCxnSpPr/>
-          <p:nvPr/>
-        </p:nvCxnSpPr>
-        <p:spPr>
-          <a:xfrm flipH="1" rot="10800000">
-            <a:off x="2863075" y="3208988"/>
-            <a:ext cx="551400" cy="792300"/>
-          </a:xfrm>
-          <a:prstGeom prst="straightConnector1">
-            <a:avLst/>
-          </a:prstGeom>
-          <a:noFill/>
-          <a:ln cap="flat" cmpd="sng" w="28575">
-            <a:solidFill>
-              <a:schemeClr val="dk2"/>
-            </a:solidFill>
-            <a:prstDash val="solid"/>
-            <a:round/>
-            <a:headEnd len="sm" w="sm" type="none"/>
-            <a:tailEnd len="med" w="med" type="stealth"/>
-          </a:ln>
-        </p:spPr>
-      </p:cxnSp>
-      <p:cxnSp>
-        <p:nvCxnSpPr>
-          <p:cNvPr id="323" name="Google Shape;323;g37bfccee378_0_212"/>
-          <p:cNvCxnSpPr/>
-          <p:nvPr/>
-        </p:nvCxnSpPr>
-        <p:spPr>
-          <a:xfrm flipH="1">
-            <a:off x="2981275" y="3335000"/>
-            <a:ext cx="570000" cy="764100"/>
-          </a:xfrm>
-          <a:prstGeom prst="straightConnector1">
-            <a:avLst/>
-          </a:prstGeom>
-          <a:noFill/>
-          <a:ln cap="flat" cmpd="sng" w="28575">
-            <a:solidFill>
-              <a:schemeClr val="dk2"/>
-            </a:solidFill>
-            <a:prstDash val="solid"/>
-            <a:round/>
-            <a:headEnd len="sm" w="sm" type="none"/>
-            <a:tailEnd len="med" w="med" type="stealth"/>
-          </a:ln>
-        </p:spPr>
-      </p:cxnSp>
-      <p:sp>
-        <p:nvSpPr>
-          <p:cNvPr id="324" name="Google Shape;324;g37bfccee378_0_212"/>
           <p:cNvSpPr/>
           <p:nvPr/>
         </p:nvSpPr>
@@ -22894,11 +22514,56 @@
           </a:p>
         </p:txBody>
       </p:sp>
+      <p:sp>
+        <p:nvSpPr>
+          <p:cNvPr id="317" name="Google Shape;317;g37bfccee378_0_212"/>
+          <p:cNvSpPr txBox="1"/>
+          <p:nvPr>
+            <p:ph type="title"/>
+          </p:nvPr>
+        </p:nvSpPr>
+        <p:spPr>
+          <a:xfrm>
+            <a:off x="454754" y="664152"/>
+            <a:ext cx="11820000" cy="924600"/>
+          </a:xfrm>
+          <a:prstGeom prst="rect">
+            <a:avLst/>
+          </a:prstGeom>
+          <a:noFill/>
+          <a:ln>
+            <a:noFill/>
+          </a:ln>
+        </p:spPr>
+        <p:txBody>
+          <a:bodyPr anchorCtr="0" anchor="ctr" bIns="45700" lIns="91425" spcFirstLastPara="1" rIns="91425" wrap="square" tIns="45700">
+            <a:normAutofit/>
+          </a:bodyPr>
+          <a:lstStyle/>
+          <a:p>
+            <a:pPr indent="0" lvl="0" marL="0" rtl="0" algn="l">
+              <a:spcBef>
+                <a:spcPts val="0"/>
+              </a:spcBef>
+              <a:spcAft>
+                <a:spcPts val="0"/>
+              </a:spcAft>
+              <a:buSzPts val="4400"/>
+              <a:buNone/>
+            </a:pPr>
+            <a:r>
+              <a:rPr lang="en-US"/>
+              <a:t>Why Productionizing Agentic AI is Hard</a:t>
+            </a:r>
+            <a:endParaRPr/>
+          </a:p>
+        </p:txBody>
+      </p:sp>
       <p:cxnSp>
         <p:nvCxnSpPr>
-          <p:cNvPr id="325" name="Google Shape;325;g37bfccee378_0_212"/>
+          <p:cNvPr id="318" name="Google Shape;318;g37bfccee378_0_212"/>
           <p:cNvCxnSpPr>
-            <a:stCxn id="324" idx="2"/>
+            <a:stCxn id="316" idx="2"/>
           </p:cNvCxnSpPr>
           <p:nvPr/>
         </p:nvCxnSpPr>
@@ -22924,12 +22589,12 @@
       </p:cxnSp>
       <p:pic>
         <p:nvPicPr>
-          <p:cNvPr id="326" name="Google Shape;326;g37bfccee378_0_212"/>
+          <p:cNvPr id="319" name="Google Shape;319;g37bfccee378_0_212"/>
           <p:cNvPicPr preferRelativeResize="0"/>
           <p:nvPr/>
         </p:nvPicPr>
         <p:blipFill>
-          <a:blip r:embed="rId4">
+          <a:blip r:embed="rId3">
             <a:alphaModFix/>
           </a:blip>
           <a:stretch>
@@ -22952,7 +22617,7 @@
       </p:pic>
       <p:sp>
         <p:nvSpPr>
-          <p:cNvPr id="327" name="Google Shape;327;g37bfccee378_0_212"/>
+          <p:cNvPr id="320" name="Google Shape;320;g37bfccee378_0_212"/>
           <p:cNvSpPr txBox="1"/>
           <p:nvPr/>
         </p:nvSpPr>
@@ -23062,7 +22727,7 @@
       </p:sp>
       <p:sp>
         <p:nvSpPr>
-          <p:cNvPr id="328" name="Google Shape;328;g37bfccee378_0_212"/>
+          <p:cNvPr id="321" name="Google Shape;321;g37bfccee378_0_212"/>
           <p:cNvSpPr txBox="1"/>
           <p:nvPr/>
         </p:nvSpPr>
@@ -23172,7 +22837,7 @@
       </p:sp>
       <p:sp>
         <p:nvSpPr>
-          <p:cNvPr id="329" name="Google Shape;329;g37bfccee378_0_212"/>
+          <p:cNvPr id="322" name="Google Shape;322;g37bfccee378_0_212"/>
           <p:cNvSpPr txBox="1"/>
           <p:nvPr/>
         </p:nvSpPr>
@@ -23282,7 +22947,7 @@
       </p:sp>
       <p:sp>
         <p:nvSpPr>
-          <p:cNvPr id="330" name="Google Shape;330;g37bfccee378_0_212"/>
+          <p:cNvPr id="323" name="Google Shape;323;g37bfccee378_0_212"/>
           <p:cNvSpPr txBox="1"/>
           <p:nvPr/>
         </p:nvSpPr>
@@ -23392,7 +23057,7 @@
       </p:sp>
       <p:sp>
         <p:nvSpPr>
-          <p:cNvPr id="331" name="Google Shape;331;g37bfccee378_0_212"/>
+          <p:cNvPr id="324" name="Google Shape;324;g37bfccee378_0_212"/>
           <p:cNvSpPr txBox="1"/>
           <p:nvPr/>
         </p:nvSpPr>
@@ -23454,6 +23119,261 @@
           </a:p>
         </p:txBody>
       </p:sp>
+      <p:grpSp>
+        <p:nvGrpSpPr>
+          <p:cNvPr id="325" name="Google Shape;325;g37bfccee378_0_212"/>
+          <p:cNvGrpSpPr/>
+          <p:nvPr/>
+        </p:nvGrpSpPr>
+        <p:grpSpPr>
+          <a:xfrm>
+            <a:off x="848069" y="2098382"/>
+            <a:ext cx="3529788" cy="3059075"/>
+            <a:chOff x="848069" y="2098382"/>
+            <a:chExt cx="3529788" cy="3059075"/>
+          </a:xfrm>
+        </p:grpSpPr>
+        <p:pic>
+          <p:nvPicPr>
+            <p:cNvPr id="326" name="Google Shape;326;g37bfccee378_0_212" title="blue-hexagon-bot.png"/>
+            <p:cNvPicPr preferRelativeResize="0"/>
+            <p:nvPr/>
+          </p:nvPicPr>
+          <p:blipFill>
+            <a:blip r:embed="rId4">
+              <a:alphaModFix/>
+            </a:blip>
+            <a:stretch>
+              <a:fillRect/>
+            </a:stretch>
+          </p:blipFill>
+          <p:spPr>
+            <a:xfrm>
+              <a:off x="1990195" y="3914782"/>
+              <a:ext cx="1242675" cy="1242675"/>
+            </a:xfrm>
+            <a:prstGeom prst="rect">
+              <a:avLst/>
+            </a:prstGeom>
+            <a:noFill/>
+            <a:ln>
+              <a:noFill/>
+            </a:ln>
+          </p:spPr>
+        </p:pic>
+        <p:pic>
+          <p:nvPicPr>
+            <p:cNvPr id="327" name="Google Shape;327;g37bfccee378_0_212" title="blue-hexagon-bot.png"/>
+            <p:cNvPicPr preferRelativeResize="0"/>
+            <p:nvPr/>
+          </p:nvPicPr>
+          <p:blipFill>
+            <a:blip r:embed="rId4">
+              <a:alphaModFix/>
+            </a:blip>
+            <a:stretch>
+              <a:fillRect/>
+            </a:stretch>
+          </p:blipFill>
+          <p:spPr>
+            <a:xfrm>
+              <a:off x="848069" y="2098382"/>
+              <a:ext cx="1242675" cy="1242675"/>
+            </a:xfrm>
+            <a:prstGeom prst="rect">
+              <a:avLst/>
+            </a:prstGeom>
+            <a:noFill/>
+            <a:ln>
+              <a:noFill/>
+            </a:ln>
+          </p:spPr>
+        </p:pic>
+        <p:cxnSp>
+          <p:nvCxnSpPr>
+            <p:cNvPr id="328" name="Google Shape;328;g37bfccee378_0_212"/>
+            <p:cNvCxnSpPr/>
+            <p:nvPr/>
+          </p:nvCxnSpPr>
+          <p:spPr>
+            <a:xfrm>
+              <a:off x="2070613" y="2784050"/>
+              <a:ext cx="1076100" cy="0"/>
+            </a:xfrm>
+            <a:prstGeom prst="straightConnector1">
+              <a:avLst/>
+            </a:prstGeom>
+            <a:noFill/>
+            <a:ln cap="flat" cmpd="sng" w="28575">
+              <a:solidFill>
+                <a:schemeClr val="dk2"/>
+              </a:solidFill>
+              <a:prstDash val="solid"/>
+              <a:round/>
+              <a:headEnd len="sm" w="sm" type="stealth"/>
+              <a:tailEnd len="med" w="med" type="none"/>
+            </a:ln>
+          </p:spPr>
+        </p:cxnSp>
+        <p:cxnSp>
+          <p:nvCxnSpPr>
+            <p:cNvPr id="329" name="Google Shape;329;g37bfccee378_0_212"/>
+            <p:cNvCxnSpPr/>
+            <p:nvPr/>
+          </p:nvCxnSpPr>
+          <p:spPr>
+            <a:xfrm>
+              <a:off x="2070613" y="2584250"/>
+              <a:ext cx="1076100" cy="0"/>
+            </a:xfrm>
+            <a:prstGeom prst="straightConnector1">
+              <a:avLst/>
+            </a:prstGeom>
+            <a:noFill/>
+            <a:ln cap="flat" cmpd="sng" w="28575">
+              <a:solidFill>
+                <a:schemeClr val="dk2"/>
+              </a:solidFill>
+              <a:prstDash val="solid"/>
+              <a:round/>
+              <a:headEnd len="sm" w="sm" type="none"/>
+              <a:tailEnd len="med" w="med" type="stealth"/>
+            </a:ln>
+          </p:spPr>
+        </p:cxnSp>
+        <p:cxnSp>
+          <p:nvCxnSpPr>
+            <p:cNvPr id="330" name="Google Shape;330;g37bfccee378_0_212"/>
+            <p:cNvCxnSpPr/>
+            <p:nvPr/>
+          </p:nvCxnSpPr>
+          <p:spPr>
+            <a:xfrm>
+              <a:off x="1731625" y="3248000"/>
+              <a:ext cx="557700" cy="753300"/>
+            </a:xfrm>
+            <a:prstGeom prst="straightConnector1">
+              <a:avLst/>
+            </a:prstGeom>
+            <a:noFill/>
+            <a:ln cap="flat" cmpd="sng" w="28575">
+              <a:solidFill>
+                <a:schemeClr val="dk2"/>
+              </a:solidFill>
+              <a:prstDash val="solid"/>
+              <a:round/>
+              <a:headEnd len="sm" w="sm" type="none"/>
+              <a:tailEnd len="med" w="med" type="stealth"/>
+            </a:ln>
+          </p:spPr>
+        </p:cxnSp>
+        <p:cxnSp>
+          <p:nvCxnSpPr>
+            <p:cNvPr id="331" name="Google Shape;331;g37bfccee378_0_212"/>
+            <p:cNvCxnSpPr/>
+            <p:nvPr/>
+          </p:nvCxnSpPr>
+          <p:spPr>
+            <a:xfrm rot="10800000">
+              <a:off x="1919000" y="3143475"/>
+              <a:ext cx="526800" cy="771300"/>
+            </a:xfrm>
+            <a:prstGeom prst="straightConnector1">
+              <a:avLst/>
+            </a:prstGeom>
+            <a:noFill/>
+            <a:ln cap="flat" cmpd="sng" w="28575">
+              <a:solidFill>
+                <a:schemeClr val="dk2"/>
+              </a:solidFill>
+              <a:prstDash val="solid"/>
+              <a:round/>
+              <a:headEnd len="sm" w="sm" type="none"/>
+              <a:tailEnd len="med" w="med" type="stealth"/>
+            </a:ln>
+          </p:spPr>
+        </p:cxnSp>
+        <p:cxnSp>
+          <p:nvCxnSpPr>
+            <p:cNvPr id="332" name="Google Shape;332;g37bfccee378_0_212"/>
+            <p:cNvCxnSpPr/>
+            <p:nvPr/>
+          </p:nvCxnSpPr>
+          <p:spPr>
+            <a:xfrm flipH="1" rot="10800000">
+              <a:off x="2863075" y="3208988"/>
+              <a:ext cx="551400" cy="792300"/>
+            </a:xfrm>
+            <a:prstGeom prst="straightConnector1">
+              <a:avLst/>
+            </a:prstGeom>
+            <a:noFill/>
+            <a:ln cap="flat" cmpd="sng" w="28575">
+              <a:solidFill>
+                <a:schemeClr val="dk2"/>
+              </a:solidFill>
+              <a:prstDash val="solid"/>
+              <a:round/>
+              <a:headEnd len="sm" w="sm" type="none"/>
+              <a:tailEnd len="med" w="med" type="stealth"/>
+            </a:ln>
+          </p:spPr>
+        </p:cxnSp>
+        <p:cxnSp>
+          <p:nvCxnSpPr>
+            <p:cNvPr id="333" name="Google Shape;333;g37bfccee378_0_212"/>
+            <p:cNvCxnSpPr/>
+            <p:nvPr/>
+          </p:nvCxnSpPr>
+          <p:spPr>
+            <a:xfrm flipH="1">
+              <a:off x="2981275" y="3335000"/>
+              <a:ext cx="570000" cy="764100"/>
+            </a:xfrm>
+            <a:prstGeom prst="straightConnector1">
+              <a:avLst/>
+            </a:prstGeom>
+            <a:noFill/>
+            <a:ln cap="flat" cmpd="sng" w="28575">
+              <a:solidFill>
+                <a:schemeClr val="dk2"/>
+              </a:solidFill>
+              <a:prstDash val="solid"/>
+              <a:round/>
+              <a:headEnd len="sm" w="sm" type="none"/>
+              <a:tailEnd len="med" w="med" type="stealth"/>
+            </a:ln>
+          </p:spPr>
+        </p:cxnSp>
+        <p:pic>
+          <p:nvPicPr>
+            <p:cNvPr id="334" name="Google Shape;334;g37bfccee378_0_212" title="blue-hexagon-bot.png"/>
+            <p:cNvPicPr preferRelativeResize="0"/>
+            <p:nvPr/>
+          </p:nvPicPr>
+          <p:blipFill>
+            <a:blip r:embed="rId4">
+              <a:alphaModFix/>
+            </a:blip>
+            <a:stretch>
+              <a:fillRect/>
+            </a:stretch>
+          </p:blipFill>
+          <p:spPr>
+            <a:xfrm>
+              <a:off x="3135182" y="2098382"/>
+              <a:ext cx="1242675" cy="1242675"/>
+            </a:xfrm>
+            <a:prstGeom prst="rect">
+              <a:avLst/>
+            </a:prstGeom>
+            <a:noFill/>
+            <a:ln>
+              <a:noFill/>
+            </a:ln>
+          </p:spPr>
+        </p:pic>
+      </p:grpSp>
     </p:spTree>
   </p:cSld>
   <p:clrMapOvr>
@@ -23467,7 +23387,7 @@
   <p:cSld>
     <p:spTree>
       <p:nvGrpSpPr>
-        <p:cNvPr id="335" name="Shape 335"/>
+        <p:cNvPr id="338" name="Shape 338"/>
         <p:cNvGrpSpPr/>
         <p:nvPr/>
       </p:nvGrpSpPr>
@@ -23481,7 +23401,7 @@
       </p:grpSpPr>
       <p:sp>
         <p:nvSpPr>
-          <p:cNvPr id="336" name="Google Shape;336;g37c18a80264_0_44"/>
+          <p:cNvPr id="339" name="Google Shape;339;g37c18a80264_0_44"/>
           <p:cNvSpPr txBox="1"/>
           <p:nvPr>
             <p:ph type="title"/>
@@ -23548,21 +23468,22 @@
       </p:sp>
       <p:pic>
         <p:nvPicPr>
-          <p:cNvPr id="337" name="Google Shape;337;g37c18a80264_0_44"/>
+          <p:cNvPr id="340" name="Google Shape;340;g37c18a80264_0_44"/>
           <p:cNvPicPr preferRelativeResize="0"/>
           <p:nvPr/>
         </p:nvPicPr>
-        <p:blipFill rotWithShape="1">
+        <p:blipFill>
           <a:blip r:embed="rId3">
             <a:alphaModFix/>
           </a:blip>
-          <a:srcRect b="0" l="0" r="0" t="0"/>
-          <a:stretch/>
+          <a:stretch>
+            <a:fillRect/>
+          </a:stretch>
         </p:blipFill>
         <p:spPr>
           <a:xfrm>
-            <a:off x="5272948" y="1611900"/>
-            <a:ext cx="1646100" cy="1646100"/>
+            <a:off x="185950" y="5830600"/>
+            <a:ext cx="11887199" cy="629892"/>
           </a:xfrm>
           <a:prstGeom prst="rect">
             <a:avLst/>
@@ -23575,7 +23496,7 @@
       </p:pic>
       <p:pic>
         <p:nvPicPr>
-          <p:cNvPr id="338" name="Google Shape;338;g37c18a80264_0_44"/>
+          <p:cNvPr id="341" name="Google Shape;341;g37c18a80264_0_44" title="dapr-agents.png"/>
           <p:cNvPicPr preferRelativeResize="0"/>
           <p:nvPr/>
         </p:nvPicPr>
@@ -23589,8 +23510,8 @@
         </p:blipFill>
         <p:spPr>
           <a:xfrm>
-            <a:off x="185950" y="5830600"/>
-            <a:ext cx="11887199" cy="629892"/>
+            <a:off x="5334650" y="1796625"/>
+            <a:ext cx="1522600" cy="1522600"/>
           </a:xfrm>
           <a:prstGeom prst="rect">
             <a:avLst/>
@@ -23614,7 +23535,7 @@
   <p:cSld>
     <p:spTree>
       <p:nvGrpSpPr>
-        <p:cNvPr id="342" name="Shape 342"/>
+        <p:cNvPr id="345" name="Shape 345"/>
         <p:cNvGrpSpPr/>
         <p:nvPr/>
       </p:nvGrpSpPr>
@@ -23628,7 +23549,7 @@
       </p:grpSpPr>
       <p:sp>
         <p:nvSpPr>
-          <p:cNvPr id="343" name="Google Shape;343;g37bb5411cec_3_0"/>
+          <p:cNvPr id="346" name="Google Shape;346;g37bb5411cec_3_0"/>
           <p:cNvSpPr txBox="1"/>
           <p:nvPr>
             <p:ph type="title"/>
@@ -23673,7 +23594,7 @@
       </p:sp>
       <p:grpSp>
         <p:nvGrpSpPr>
-          <p:cNvPr id="344" name="Google Shape;344;g37bb5411cec_3_0"/>
+          <p:cNvPr id="347" name="Google Shape;347;g37bb5411cec_3_0"/>
           <p:cNvGrpSpPr/>
           <p:nvPr/>
         </p:nvGrpSpPr>
@@ -23687,7 +23608,7 @@
         </p:grpSpPr>
         <p:pic>
           <p:nvPicPr>
-            <p:cNvPr id="345" name="Google Shape;345;g37bb5411cec_3_0"/>
+            <p:cNvPr id="348" name="Google Shape;348;g37bb5411cec_3_0"/>
             <p:cNvPicPr preferRelativeResize="0"/>
             <p:nvPr/>
           </p:nvPicPr>
@@ -23714,7 +23635,7 @@
         </p:pic>
         <p:pic>
           <p:nvPicPr>
-            <p:cNvPr id="346" name="Google Shape;346;g37bb5411cec_3_0"/>
+            <p:cNvPr id="349" name="Google Shape;349;g37bb5411cec_3_0"/>
             <p:cNvPicPr preferRelativeResize="0"/>
             <p:nvPr/>
           </p:nvPicPr>
@@ -23741,7 +23662,7 @@
         </p:pic>
         <p:pic>
           <p:nvPicPr>
-            <p:cNvPr id="347" name="Google Shape;347;g37bb5411cec_3_0"/>
+            <p:cNvPr id="350" name="Google Shape;350;g37bb5411cec_3_0"/>
             <p:cNvPicPr preferRelativeResize="0"/>
             <p:nvPr/>
           </p:nvPicPr>
@@ -23768,7 +23689,7 @@
         </p:pic>
         <p:pic>
           <p:nvPicPr>
-            <p:cNvPr id="348" name="Google Shape;348;g37bb5411cec_3_0"/>
+            <p:cNvPr id="351" name="Google Shape;351;g37bb5411cec_3_0"/>
             <p:cNvPicPr preferRelativeResize="0"/>
             <p:nvPr/>
           </p:nvPicPr>
@@ -23795,7 +23716,7 @@
         </p:pic>
         <p:pic>
           <p:nvPicPr>
-            <p:cNvPr id="349" name="Google Shape;349;g37bb5411cec_3_0"/>
+            <p:cNvPr id="352" name="Google Shape;352;g37bb5411cec_3_0"/>
             <p:cNvPicPr preferRelativeResize="0"/>
             <p:nvPr/>
           </p:nvPicPr>
@@ -23822,7 +23743,7 @@
         </p:pic>
         <p:pic>
           <p:nvPicPr>
-            <p:cNvPr id="350" name="Google Shape;350;g37bb5411cec_3_0"/>
+            <p:cNvPr id="353" name="Google Shape;353;g37bb5411cec_3_0"/>
             <p:cNvPicPr preferRelativeResize="0"/>
             <p:nvPr/>
           </p:nvPicPr>
@@ -23849,7 +23770,7 @@
         </p:pic>
         <p:pic>
           <p:nvPicPr>
-            <p:cNvPr id="351" name="Google Shape;351;g37bb5411cec_3_0"/>
+            <p:cNvPr id="354" name="Google Shape;354;g37bb5411cec_3_0"/>
             <p:cNvPicPr preferRelativeResize="0"/>
             <p:nvPr/>
           </p:nvPicPr>
@@ -23876,7 +23797,7 @@
         </p:pic>
         <p:pic>
           <p:nvPicPr>
-            <p:cNvPr id="352" name="Google Shape;352;g37bb5411cec_3_0"/>
+            <p:cNvPr id="355" name="Google Shape;355;g37bb5411cec_3_0"/>
             <p:cNvPicPr preferRelativeResize="0"/>
             <p:nvPr/>
           </p:nvPicPr>
@@ -23903,7 +23824,7 @@
         </p:pic>
         <p:pic>
           <p:nvPicPr>
-            <p:cNvPr id="353" name="Google Shape;353;g37bb5411cec_3_0"/>
+            <p:cNvPr id="356" name="Google Shape;356;g37bb5411cec_3_0"/>
             <p:cNvPicPr preferRelativeResize="0"/>
             <p:nvPr/>
           </p:nvPicPr>
@@ -23930,7 +23851,7 @@
         </p:pic>
         <p:pic>
           <p:nvPicPr>
-            <p:cNvPr id="354" name="Google Shape;354;g37bb5411cec_3_0"/>
+            <p:cNvPr id="357" name="Google Shape;357;g37bb5411cec_3_0"/>
             <p:cNvPicPr preferRelativeResize="0"/>
             <p:nvPr/>
           </p:nvPicPr>
@@ -23957,7 +23878,7 @@
         </p:pic>
         <p:pic>
           <p:nvPicPr>
-            <p:cNvPr id="355" name="Google Shape;355;g37bb5411cec_3_0"/>
+            <p:cNvPr id="358" name="Google Shape;358;g37bb5411cec_3_0"/>
             <p:cNvPicPr preferRelativeResize="0"/>
             <p:nvPr/>
           </p:nvPicPr>
@@ -23984,7 +23905,7 @@
         </p:pic>
         <p:pic>
           <p:nvPicPr>
-            <p:cNvPr id="356" name="Google Shape;356;g37bb5411cec_3_0"/>
+            <p:cNvPr id="359" name="Google Shape;359;g37bb5411cec_3_0"/>
             <p:cNvPicPr preferRelativeResize="0"/>
             <p:nvPr/>
           </p:nvPicPr>
@@ -24011,7 +23932,7 @@
         </p:pic>
         <p:pic>
           <p:nvPicPr>
-            <p:cNvPr id="357" name="Google Shape;357;g37bb5411cec_3_0"/>
+            <p:cNvPr id="360" name="Google Shape;360;g37bb5411cec_3_0"/>
             <p:cNvPicPr preferRelativeResize="0"/>
             <p:nvPr/>
           </p:nvPicPr>
@@ -24039,7 +23960,7 @@
       </p:grpSp>
       <p:grpSp>
         <p:nvGrpSpPr>
-          <p:cNvPr id="358" name="Google Shape;358;g37bb5411cec_3_0"/>
+          <p:cNvPr id="361" name="Google Shape;361;g37bb5411cec_3_0"/>
           <p:cNvGrpSpPr/>
           <p:nvPr/>
         </p:nvGrpSpPr>
@@ -24053,7 +23974,7 @@
         </p:grpSpPr>
         <p:pic>
           <p:nvPicPr>
-            <p:cNvPr id="359" name="Google Shape;359;g37bb5411cec_3_0"/>
+            <p:cNvPr id="362" name="Google Shape;362;g37bb5411cec_3_0"/>
             <p:cNvPicPr preferRelativeResize="0"/>
             <p:nvPr/>
           </p:nvPicPr>
@@ -24080,7 +24001,7 @@
         </p:pic>
         <p:sp>
           <p:nvSpPr>
-            <p:cNvPr id="360" name="Google Shape;360;g37bb5411cec_3_0"/>
+            <p:cNvPr id="363" name="Google Shape;363;g37bb5411cec_3_0"/>
             <p:cNvSpPr txBox="1"/>
             <p:nvPr/>
           </p:nvSpPr>
@@ -24147,7 +24068,7 @@
       </p:grpSp>
       <p:grpSp>
         <p:nvGrpSpPr>
-          <p:cNvPr id="361" name="Google Shape;361;g37bb5411cec_3_0"/>
+          <p:cNvPr id="364" name="Google Shape;364;g37bb5411cec_3_0"/>
           <p:cNvGrpSpPr/>
           <p:nvPr/>
         </p:nvGrpSpPr>
@@ -24161,7 +24082,7 @@
         </p:grpSpPr>
         <p:cxnSp>
           <p:nvCxnSpPr>
-            <p:cNvPr id="362" name="Google Shape;362;g37bb5411cec_3_0"/>
+            <p:cNvPr id="365" name="Google Shape;365;g37bb5411cec_3_0"/>
             <p:cNvCxnSpPr/>
             <p:nvPr/>
           </p:nvCxnSpPr>
@@ -24187,7 +24108,7 @@
         </p:cxnSp>
         <p:cxnSp>
           <p:nvCxnSpPr>
-            <p:cNvPr id="363" name="Google Shape;363;g37bb5411cec_3_0"/>
+            <p:cNvPr id="366" name="Google Shape;366;g37bb5411cec_3_0"/>
             <p:cNvCxnSpPr/>
             <p:nvPr/>
           </p:nvCxnSpPr>
@@ -24213,7 +24134,7 @@
         </p:cxnSp>
         <p:cxnSp>
           <p:nvCxnSpPr>
-            <p:cNvPr id="364" name="Google Shape;364;g37bb5411cec_3_0"/>
+            <p:cNvPr id="367" name="Google Shape;367;g37bb5411cec_3_0"/>
             <p:cNvCxnSpPr/>
             <p:nvPr/>
           </p:nvCxnSpPr>
@@ -24239,7 +24160,7 @@
         </p:cxnSp>
         <p:cxnSp>
           <p:nvCxnSpPr>
-            <p:cNvPr id="365" name="Google Shape;365;g37bb5411cec_3_0"/>
+            <p:cNvPr id="368" name="Google Shape;368;g37bb5411cec_3_0"/>
             <p:cNvCxnSpPr/>
             <p:nvPr/>
           </p:nvCxnSpPr>
@@ -24265,7 +24186,7 @@
         </p:cxnSp>
         <p:cxnSp>
           <p:nvCxnSpPr>
-            <p:cNvPr id="366" name="Google Shape;366;g37bb5411cec_3_0"/>
+            <p:cNvPr id="369" name="Google Shape;369;g37bb5411cec_3_0"/>
             <p:cNvCxnSpPr/>
             <p:nvPr/>
           </p:nvCxnSpPr>
@@ -24292,7 +24213,7 @@
       </p:grpSp>
       <p:grpSp>
         <p:nvGrpSpPr>
-          <p:cNvPr id="367" name="Google Shape;367;g37bb5411cec_3_0"/>
+          <p:cNvPr id="370" name="Google Shape;370;g37bb5411cec_3_0"/>
           <p:cNvGrpSpPr/>
           <p:nvPr/>
         </p:nvGrpSpPr>
@@ -24306,7 +24227,7 @@
         </p:grpSpPr>
         <p:cxnSp>
           <p:nvCxnSpPr>
-            <p:cNvPr id="368" name="Google Shape;368;g37bb5411cec_3_0"/>
+            <p:cNvPr id="371" name="Google Shape;371;g37bb5411cec_3_0"/>
             <p:cNvCxnSpPr/>
             <p:nvPr/>
           </p:nvCxnSpPr>
@@ -24332,7 +24253,7 @@
         </p:cxnSp>
         <p:cxnSp>
           <p:nvCxnSpPr>
-            <p:cNvPr id="369" name="Google Shape;369;g37bb5411cec_3_0"/>
+            <p:cNvPr id="372" name="Google Shape;372;g37bb5411cec_3_0"/>
             <p:cNvCxnSpPr/>
             <p:nvPr/>
           </p:nvCxnSpPr>
@@ -24358,7 +24279,7 @@
         </p:cxnSp>
         <p:cxnSp>
           <p:nvCxnSpPr>
-            <p:cNvPr id="370" name="Google Shape;370;g37bb5411cec_3_0"/>
+            <p:cNvPr id="373" name="Google Shape;373;g37bb5411cec_3_0"/>
             <p:cNvCxnSpPr/>
             <p:nvPr/>
           </p:nvCxnSpPr>
@@ -24384,7 +24305,7 @@
         </p:cxnSp>
         <p:cxnSp>
           <p:nvCxnSpPr>
-            <p:cNvPr id="371" name="Google Shape;371;g37bb5411cec_3_0"/>
+            <p:cNvPr id="374" name="Google Shape;374;g37bb5411cec_3_0"/>
             <p:cNvCxnSpPr/>
             <p:nvPr/>
           </p:nvCxnSpPr>
@@ -24410,7 +24331,7 @@
         </p:cxnSp>
         <p:cxnSp>
           <p:nvCxnSpPr>
-            <p:cNvPr id="372" name="Google Shape;372;g37bb5411cec_3_0"/>
+            <p:cNvPr id="375" name="Google Shape;375;g37bb5411cec_3_0"/>
             <p:cNvCxnSpPr/>
             <p:nvPr/>
           </p:nvCxnSpPr>
@@ -24437,7 +24358,7 @@
       </p:grpSp>
       <p:cxnSp>
         <p:nvCxnSpPr>
-          <p:cNvPr id="373" name="Google Shape;373;g37bb5411cec_3_0"/>
+          <p:cNvPr id="376" name="Google Shape;376;g37bb5411cec_3_0"/>
           <p:cNvCxnSpPr/>
           <p:nvPr/>
         </p:nvCxnSpPr>
@@ -24463,7 +24384,7 @@
       </p:cxnSp>
       <p:grpSp>
         <p:nvGrpSpPr>
-          <p:cNvPr id="374" name="Google Shape;374;g37bb5411cec_3_0"/>
+          <p:cNvPr id="377" name="Google Shape;377;g37bb5411cec_3_0"/>
           <p:cNvGrpSpPr/>
           <p:nvPr/>
         </p:nvGrpSpPr>
@@ -24477,7 +24398,7 @@
         </p:grpSpPr>
         <p:pic>
           <p:nvPicPr>
-            <p:cNvPr id="375" name="Google Shape;375;g37bb5411cec_3_0"/>
+            <p:cNvPr id="378" name="Google Shape;378;g37bb5411cec_3_0"/>
             <p:cNvPicPr preferRelativeResize="0"/>
             <p:nvPr/>
           </p:nvPicPr>
@@ -24504,7 +24425,7 @@
         </p:pic>
         <p:sp>
           <p:nvSpPr>
-            <p:cNvPr id="376" name="Google Shape;376;g37bb5411cec_3_0"/>
+            <p:cNvPr id="379" name="Google Shape;379;g37bb5411cec_3_0"/>
             <p:cNvSpPr txBox="1"/>
             <p:nvPr/>
           </p:nvSpPr>
@@ -24571,7 +24492,7 @@
       </p:grpSp>
       <p:grpSp>
         <p:nvGrpSpPr>
-          <p:cNvPr id="377" name="Google Shape;377;g37bb5411cec_3_0"/>
+          <p:cNvPr id="380" name="Google Shape;380;g37bb5411cec_3_0"/>
           <p:cNvGrpSpPr/>
           <p:nvPr/>
         </p:nvGrpSpPr>
@@ -24585,7 +24506,7 @@
         </p:grpSpPr>
         <p:pic>
           <p:nvPicPr>
-            <p:cNvPr id="378" name="Google Shape;378;g37bb5411cec_3_0"/>
+            <p:cNvPr id="381" name="Google Shape;381;g37bb5411cec_3_0"/>
             <p:cNvPicPr preferRelativeResize="0"/>
             <p:nvPr/>
           </p:nvPicPr>
@@ -24612,7 +24533,7 @@
         </p:pic>
         <p:sp>
           <p:nvSpPr>
-            <p:cNvPr id="379" name="Google Shape;379;g37bb5411cec_3_0"/>
+            <p:cNvPr id="382" name="Google Shape;382;g37bb5411cec_3_0"/>
             <p:cNvSpPr txBox="1"/>
             <p:nvPr/>
           </p:nvSpPr>
@@ -24679,7 +24600,7 @@
       </p:grpSp>
       <p:pic>
         <p:nvPicPr>
-          <p:cNvPr descr="A blue and white sign with arrows&#10;&#10;Description automatically generated" id="380" name="Google Shape;380;g37bb5411cec_3_0"/>
+          <p:cNvPr descr="A blue and white sign with arrows&#10;&#10;Description automatically generated" id="383" name="Google Shape;383;g37bb5411cec_3_0"/>
           <p:cNvPicPr preferRelativeResize="0"/>
           <p:nvPr/>
         </p:nvPicPr>
@@ -24706,7 +24627,7 @@
       </p:pic>
       <p:pic>
         <p:nvPicPr>
-          <p:cNvPr id="381" name="Google Shape;381;g37bb5411cec_3_0"/>
+          <p:cNvPr id="384" name="Google Shape;384;g37bb5411cec_3_0"/>
           <p:cNvPicPr preferRelativeResize="0"/>
           <p:nvPr/>
         </p:nvPicPr>
@@ -24733,7 +24654,7 @@
       </p:pic>
       <p:pic>
         <p:nvPicPr>
-          <p:cNvPr id="382" name="Google Shape;382;g37bb5411cec_3_0"/>
+          <p:cNvPr id="385" name="Google Shape;385;g37bb5411cec_3_0"/>
           <p:cNvPicPr preferRelativeResize="0"/>
           <p:nvPr/>
         </p:nvPicPr>
@@ -24771,7 +24692,7 @@
   <p:cSld>
     <p:spTree>
       <p:nvGrpSpPr>
-        <p:cNvPr id="386" name="Shape 386"/>
+        <p:cNvPr id="389" name="Shape 389"/>
         <p:cNvGrpSpPr/>
         <p:nvPr/>
       </p:nvGrpSpPr>
@@ -24785,7 +24706,7 @@
       </p:grpSpPr>
       <p:sp>
         <p:nvSpPr>
-          <p:cNvPr id="387" name="Google Shape;387;g37b1eb3f262_1_91"/>
+          <p:cNvPr id="390" name="Google Shape;390;g37b1eb3f262_1_91"/>
           <p:cNvSpPr txBox="1"/>
           <p:nvPr>
             <p:ph type="title"/>
@@ -24830,7 +24751,7 @@
       </p:sp>
       <p:pic>
         <p:nvPicPr>
-          <p:cNvPr id="388" name="Google Shape;388;g37b1eb3f262_1_91"/>
+          <p:cNvPr id="391" name="Google Shape;391;g37b1eb3f262_1_91"/>
           <p:cNvPicPr preferRelativeResize="0"/>
           <p:nvPr/>
         </p:nvPicPr>
@@ -24857,7 +24778,7 @@
       </p:pic>
       <p:sp>
         <p:nvSpPr>
-          <p:cNvPr id="389" name="Google Shape;389;g37b1eb3f262_1_91"/>
+          <p:cNvPr id="392" name="Google Shape;392;g37b1eb3f262_1_91"/>
           <p:cNvSpPr/>
           <p:nvPr/>
         </p:nvSpPr>
@@ -24922,7 +24843,7 @@
       </p:sp>
       <p:pic>
         <p:nvPicPr>
-          <p:cNvPr id="390" name="Google Shape;390;g37b1eb3f262_1_91"/>
+          <p:cNvPr id="393" name="Google Shape;393;g37b1eb3f262_1_91"/>
           <p:cNvPicPr preferRelativeResize="0"/>
           <p:nvPr/>
         </p:nvPicPr>
@@ -24949,7 +24870,7 @@
       </p:pic>
       <p:pic>
         <p:nvPicPr>
-          <p:cNvPr id="391" name="Google Shape;391;g37b1eb3f262_1_91"/>
+          <p:cNvPr id="394" name="Google Shape;394;g37b1eb3f262_1_91"/>
           <p:cNvPicPr preferRelativeResize="0"/>
           <p:nvPr/>
         </p:nvPicPr>
@@ -24976,7 +24897,7 @@
       </p:pic>
       <p:pic>
         <p:nvPicPr>
-          <p:cNvPr id="392" name="Google Shape;392;g37b1eb3f262_1_91"/>
+          <p:cNvPr id="395" name="Google Shape;395;g37b1eb3f262_1_91"/>
           <p:cNvPicPr preferRelativeResize="0"/>
           <p:nvPr/>
         </p:nvPicPr>
@@ -25003,7 +24924,7 @@
       </p:pic>
       <p:pic>
         <p:nvPicPr>
-          <p:cNvPr id="393" name="Google Shape;393;g37b1eb3f262_1_91"/>
+          <p:cNvPr id="396" name="Google Shape;396;g37b1eb3f262_1_91"/>
           <p:cNvPicPr preferRelativeResize="0"/>
           <p:nvPr/>
         </p:nvPicPr>
@@ -25030,7 +24951,7 @@
       </p:pic>
       <p:pic>
         <p:nvPicPr>
-          <p:cNvPr id="394" name="Google Shape;394;g37b1eb3f262_1_91"/>
+          <p:cNvPr id="397" name="Google Shape;397;g37b1eb3f262_1_91"/>
           <p:cNvPicPr preferRelativeResize="0"/>
           <p:nvPr/>
         </p:nvPicPr>
@@ -25057,7 +24978,7 @@
       </p:pic>
       <p:pic>
         <p:nvPicPr>
-          <p:cNvPr id="395" name="Google Shape;395;g37b1eb3f262_1_91"/>
+          <p:cNvPr id="398" name="Google Shape;398;g37b1eb3f262_1_91"/>
           <p:cNvPicPr preferRelativeResize="0"/>
           <p:nvPr/>
         </p:nvPicPr>
@@ -25084,7 +25005,7 @@
       </p:pic>
       <p:pic>
         <p:nvPicPr>
-          <p:cNvPr id="396" name="Google Shape;396;g37b1eb3f262_1_91"/>
+          <p:cNvPr id="399" name="Google Shape;399;g37b1eb3f262_1_91"/>
           <p:cNvPicPr preferRelativeResize="0"/>
           <p:nvPr/>
         </p:nvPicPr>
@@ -25111,7 +25032,7 @@
       </p:pic>
       <p:pic>
         <p:nvPicPr>
-          <p:cNvPr id="397" name="Google Shape;397;g37b1eb3f262_1_91"/>
+          <p:cNvPr id="400" name="Google Shape;400;g37b1eb3f262_1_91"/>
           <p:cNvPicPr preferRelativeResize="0"/>
           <p:nvPr/>
         </p:nvPicPr>
@@ -25138,7 +25059,7 @@
       </p:pic>
       <p:pic>
         <p:nvPicPr>
-          <p:cNvPr id="398" name="Google Shape;398;g37b1eb3f262_1_91"/>
+          <p:cNvPr id="401" name="Google Shape;401;g37b1eb3f262_1_91"/>
           <p:cNvPicPr preferRelativeResize="0"/>
           <p:nvPr/>
         </p:nvPicPr>
@@ -25165,7 +25086,7 @@
       </p:pic>
       <p:pic>
         <p:nvPicPr>
-          <p:cNvPr id="399" name="Google Shape;399;g37b1eb3f262_1_91"/>
+          <p:cNvPr id="402" name="Google Shape;402;g37b1eb3f262_1_91"/>
           <p:cNvPicPr preferRelativeResize="0"/>
           <p:nvPr/>
         </p:nvPicPr>
@@ -25192,7 +25113,7 @@
       </p:pic>
       <p:pic>
         <p:nvPicPr>
-          <p:cNvPr descr="A blue and white sign with arrows&#10;&#10;Description automatically generated" id="400" name="Google Shape;400;g37b1eb3f262_1_91"/>
+          <p:cNvPr descr="A blue and white sign with arrows&#10;&#10;Description automatically generated" id="403" name="Google Shape;403;g37b1eb3f262_1_91"/>
           <p:cNvPicPr preferRelativeResize="0"/>
           <p:nvPr/>
         </p:nvPicPr>
@@ -25219,7 +25140,7 @@
       </p:pic>
       <p:pic>
         <p:nvPicPr>
-          <p:cNvPr id="401" name="Google Shape;401;g37b1eb3f262_1_91"/>
+          <p:cNvPr id="404" name="Google Shape;404;g37b1eb3f262_1_91"/>
           <p:cNvPicPr preferRelativeResize="0"/>
           <p:nvPr/>
         </p:nvPicPr>
@@ -25246,7 +25167,7 @@
       </p:pic>
       <p:sp>
         <p:nvSpPr>
-          <p:cNvPr id="402" name="Google Shape;402;g37b1eb3f262_1_91"/>
+          <p:cNvPr id="405" name="Google Shape;405;g37b1eb3f262_1_91"/>
           <p:cNvSpPr txBox="1"/>
           <p:nvPr/>
         </p:nvSpPr>
@@ -25296,7 +25217,7 @@
       </p:sp>
       <p:sp>
         <p:nvSpPr>
-          <p:cNvPr id="403" name="Google Shape;403;g37b1eb3f262_1_91"/>
+          <p:cNvPr id="406" name="Google Shape;406;g37b1eb3f262_1_91"/>
           <p:cNvSpPr txBox="1"/>
           <p:nvPr/>
         </p:nvSpPr>
@@ -25346,7 +25267,7 @@
       </p:sp>
       <p:sp>
         <p:nvSpPr>
-          <p:cNvPr id="404" name="Google Shape;404;g37b1eb3f262_1_91"/>
+          <p:cNvPr id="407" name="Google Shape;407;g37b1eb3f262_1_91"/>
           <p:cNvSpPr txBox="1"/>
           <p:nvPr/>
         </p:nvSpPr>
@@ -25404,10 +25325,10 @@
       </p:sp>
       <p:cxnSp>
         <p:nvCxnSpPr>
-          <p:cNvPr id="405" name="Google Shape;405;g37b1eb3f262_1_91"/>
+          <p:cNvPr id="408" name="Google Shape;408;g37b1eb3f262_1_91"/>
           <p:cNvCxnSpPr>
-            <a:stCxn id="391" idx="0"/>
-            <a:endCxn id="402" idx="2"/>
+            <a:stCxn id="394" idx="0"/>
+            <a:endCxn id="405" idx="2"/>
           </p:cNvCxnSpPr>
           <p:nvPr/>
         </p:nvCxnSpPr>
@@ -25433,10 +25354,10 @@
       </p:cxnSp>
       <p:cxnSp>
         <p:nvCxnSpPr>
-          <p:cNvPr id="406" name="Google Shape;406;g37b1eb3f262_1_91"/>
+          <p:cNvPr id="409" name="Google Shape;409;g37b1eb3f262_1_91"/>
           <p:cNvCxnSpPr>
-            <a:stCxn id="393" idx="0"/>
-            <a:endCxn id="403" idx="2"/>
+            <a:stCxn id="396" idx="0"/>
+            <a:endCxn id="406" idx="2"/>
           </p:cNvCxnSpPr>
           <p:nvPr/>
         </p:nvCxnSpPr>
@@ -25462,10 +25383,10 @@
       </p:cxnSp>
       <p:cxnSp>
         <p:nvCxnSpPr>
-          <p:cNvPr id="407" name="Google Shape;407;g37b1eb3f262_1_91"/>
+          <p:cNvPr id="410" name="Google Shape;410;g37b1eb3f262_1_91"/>
           <p:cNvCxnSpPr>
-            <a:stCxn id="394" idx="0"/>
-            <a:endCxn id="404" idx="2"/>
+            <a:stCxn id="397" idx="0"/>
+            <a:endCxn id="407" idx="2"/>
           </p:cNvCxnSpPr>
           <p:nvPr/>
         </p:nvCxnSpPr>
@@ -25491,7 +25412,7 @@
       </p:cxnSp>
       <p:sp>
         <p:nvSpPr>
-          <p:cNvPr id="408" name="Google Shape;408;g37b1eb3f262_1_91"/>
+          <p:cNvPr id="411" name="Google Shape;411;g37b1eb3f262_1_91"/>
           <p:cNvSpPr txBox="1"/>
           <p:nvPr/>
         </p:nvSpPr>
@@ -25569,9 +25490,9 @@
       </p:sp>
       <p:cxnSp>
         <p:nvCxnSpPr>
-          <p:cNvPr id="409" name="Google Shape;409;g37b1eb3f262_1_91"/>
+          <p:cNvPr id="412" name="Google Shape;412;g37b1eb3f262_1_91"/>
           <p:cNvCxnSpPr>
-            <a:stCxn id="396" idx="0"/>
+            <a:stCxn id="399" idx="0"/>
           </p:cNvCxnSpPr>
           <p:nvPr/>
         </p:nvCxnSpPr>
@@ -25597,7 +25518,7 @@
       </p:cxnSp>
       <p:sp>
         <p:nvSpPr>
-          <p:cNvPr id="410" name="Google Shape;410;g37b1eb3f262_1_91"/>
+          <p:cNvPr id="413" name="Google Shape;413;g37b1eb3f262_1_91"/>
           <p:cNvSpPr txBox="1"/>
           <p:nvPr/>
         </p:nvSpPr>
@@ -25647,7 +25568,7 @@
       </p:sp>
       <p:cxnSp>
         <p:nvCxnSpPr>
-          <p:cNvPr id="411" name="Google Shape;411;g37b1eb3f262_1_91"/>
+          <p:cNvPr id="414" name="Google Shape;414;g37b1eb3f262_1_91"/>
           <p:cNvCxnSpPr/>
           <p:nvPr/>
         </p:nvCxnSpPr>
@@ -25673,7 +25594,7 @@
       </p:cxnSp>
       <p:sp>
         <p:nvSpPr>
-          <p:cNvPr id="412" name="Google Shape;412;g37b1eb3f262_1_91"/>
+          <p:cNvPr id="415" name="Google Shape;415;g37b1eb3f262_1_91"/>
           <p:cNvSpPr txBox="1"/>
           <p:nvPr/>
         </p:nvSpPr>
@@ -25748,7 +25669,7 @@
       </p:sp>
       <p:cxnSp>
         <p:nvCxnSpPr>
-          <p:cNvPr id="413" name="Google Shape;413;g37b1eb3f262_1_91"/>
+          <p:cNvPr id="416" name="Google Shape;416;g37b1eb3f262_1_91"/>
           <p:cNvCxnSpPr/>
           <p:nvPr/>
         </p:nvCxnSpPr>
@@ -25774,7 +25695,7 @@
       </p:cxnSp>
       <p:sp>
         <p:nvSpPr>
-          <p:cNvPr id="414" name="Google Shape;414;g37b1eb3f262_1_91"/>
+          <p:cNvPr id="417" name="Google Shape;417;g37b1eb3f262_1_91"/>
           <p:cNvSpPr/>
           <p:nvPr/>
         </p:nvSpPr>
@@ -25837,7 +25758,7 @@
   <p:cSld>
     <p:spTree>
       <p:nvGrpSpPr>
-        <p:cNvPr id="418" name="Shape 418"/>
+        <p:cNvPr id="421" name="Shape 421"/>
         <p:cNvGrpSpPr/>
         <p:nvPr/>
       </p:nvGrpSpPr>
@@ -25851,7 +25772,7 @@
       </p:grpSpPr>
       <p:sp>
         <p:nvSpPr>
-          <p:cNvPr id="419" name="Google Shape;419;g37a4c1e476d_0_749"/>
+          <p:cNvPr id="422" name="Google Shape;422;g37a4c1e476d_0_749"/>
           <p:cNvSpPr txBox="1"/>
           <p:nvPr>
             <p:ph type="title"/>
@@ -25904,7 +25825,7 @@
       </p:sp>
       <p:pic>
         <p:nvPicPr>
-          <p:cNvPr id="420" name="Google Shape;420;g37a4c1e476d_0_749"/>
+          <p:cNvPr id="423" name="Google Shape;423;g37a4c1e476d_0_749"/>
           <p:cNvPicPr preferRelativeResize="0"/>
           <p:nvPr/>
         </p:nvPicPr>
@@ -25931,7 +25852,7 @@
       </p:pic>
       <p:sp>
         <p:nvSpPr>
-          <p:cNvPr id="421" name="Google Shape;421;g37a4c1e476d_0_749"/>
+          <p:cNvPr id="424" name="Google Shape;424;g37a4c1e476d_0_749"/>
           <p:cNvSpPr/>
           <p:nvPr/>
         </p:nvSpPr>
@@ -25996,7 +25917,7 @@
       </p:sp>
       <p:pic>
         <p:nvPicPr>
-          <p:cNvPr id="422" name="Google Shape;422;g37a4c1e476d_0_749"/>
+          <p:cNvPr id="425" name="Google Shape;425;g37a4c1e476d_0_749"/>
           <p:cNvPicPr preferRelativeResize="0"/>
           <p:nvPr/>
         </p:nvPicPr>
@@ -26023,7 +25944,7 @@
       </p:pic>
       <p:pic>
         <p:nvPicPr>
-          <p:cNvPr id="423" name="Google Shape;423;g37a4c1e476d_0_749"/>
+          <p:cNvPr id="426" name="Google Shape;426;g37a4c1e476d_0_749"/>
           <p:cNvPicPr preferRelativeResize="0"/>
           <p:nvPr/>
         </p:nvPicPr>
@@ -26050,7 +25971,7 @@
       </p:pic>
       <p:pic>
         <p:nvPicPr>
-          <p:cNvPr id="424" name="Google Shape;424;g37a4c1e476d_0_749"/>
+          <p:cNvPr id="427" name="Google Shape;427;g37a4c1e476d_0_749"/>
           <p:cNvPicPr preferRelativeResize="0"/>
           <p:nvPr/>
         </p:nvPicPr>
@@ -26077,7 +25998,7 @@
       </p:pic>
       <p:pic>
         <p:nvPicPr>
-          <p:cNvPr id="425" name="Google Shape;425;g37a4c1e476d_0_749"/>
+          <p:cNvPr id="428" name="Google Shape;428;g37a4c1e476d_0_749"/>
           <p:cNvPicPr preferRelativeResize="0"/>
           <p:nvPr/>
         </p:nvPicPr>
@@ -26104,7 +26025,7 @@
       </p:pic>
       <p:pic>
         <p:nvPicPr>
-          <p:cNvPr id="426" name="Google Shape;426;g37a4c1e476d_0_749"/>
+          <p:cNvPr id="429" name="Google Shape;429;g37a4c1e476d_0_749"/>
           <p:cNvPicPr preferRelativeResize="0"/>
           <p:nvPr/>
         </p:nvPicPr>
@@ -26131,7 +26052,7 @@
       </p:pic>
       <p:pic>
         <p:nvPicPr>
-          <p:cNvPr id="427" name="Google Shape;427;g37a4c1e476d_0_749"/>
+          <p:cNvPr id="430" name="Google Shape;430;g37a4c1e476d_0_749"/>
           <p:cNvPicPr preferRelativeResize="0"/>
           <p:nvPr/>
         </p:nvPicPr>
@@ -26158,7 +26079,7 @@
       </p:pic>
       <p:pic>
         <p:nvPicPr>
-          <p:cNvPr id="428" name="Google Shape;428;g37a4c1e476d_0_749"/>
+          <p:cNvPr id="431" name="Google Shape;431;g37a4c1e476d_0_749"/>
           <p:cNvPicPr preferRelativeResize="0"/>
           <p:nvPr/>
         </p:nvPicPr>
@@ -26185,7 +26106,7 @@
       </p:pic>
       <p:pic>
         <p:nvPicPr>
-          <p:cNvPr id="429" name="Google Shape;429;g37a4c1e476d_0_749"/>
+          <p:cNvPr id="432" name="Google Shape;432;g37a4c1e476d_0_749"/>
           <p:cNvPicPr preferRelativeResize="0"/>
           <p:nvPr/>
         </p:nvPicPr>
@@ -26212,7 +26133,7 @@
       </p:pic>
       <p:pic>
         <p:nvPicPr>
-          <p:cNvPr id="430" name="Google Shape;430;g37a4c1e476d_0_749"/>
+          <p:cNvPr id="433" name="Google Shape;433;g37a4c1e476d_0_749"/>
           <p:cNvPicPr preferRelativeResize="0"/>
           <p:nvPr/>
         </p:nvPicPr>
@@ -26239,7 +26160,7 @@
       </p:pic>
       <p:pic>
         <p:nvPicPr>
-          <p:cNvPr id="431" name="Google Shape;431;g37a4c1e476d_0_749"/>
+          <p:cNvPr id="434" name="Google Shape;434;g37a4c1e476d_0_749"/>
           <p:cNvPicPr preferRelativeResize="0"/>
           <p:nvPr/>
         </p:nvPicPr>
@@ -26266,7 +26187,7 @@
       </p:pic>
       <p:pic>
         <p:nvPicPr>
-          <p:cNvPr descr="A blue and white sign with arrows&#10;&#10;Description automatically generated" id="432" name="Google Shape;432;g37a4c1e476d_0_749"/>
+          <p:cNvPr descr="A blue and white sign with arrows&#10;&#10;Description automatically generated" id="435" name="Google Shape;435;g37a4c1e476d_0_749"/>
           <p:cNvPicPr preferRelativeResize="0"/>
           <p:nvPr/>
         </p:nvPicPr>
@@ -26293,7 +26214,7 @@
       </p:pic>
       <p:pic>
         <p:nvPicPr>
-          <p:cNvPr id="433" name="Google Shape;433;g37a4c1e476d_0_749"/>
+          <p:cNvPr id="436" name="Google Shape;436;g37a4c1e476d_0_749"/>
           <p:cNvPicPr preferRelativeResize="0"/>
           <p:nvPr/>
         </p:nvPicPr>
@@ -26320,7 +26241,7 @@
       </p:pic>
       <p:sp>
         <p:nvSpPr>
-          <p:cNvPr id="434" name="Google Shape;434;g37a4c1e476d_0_749"/>
+          <p:cNvPr id="437" name="Google Shape;437;g37a4c1e476d_0_749"/>
           <p:cNvSpPr txBox="1"/>
           <p:nvPr/>
         </p:nvSpPr>
@@ -26370,7 +26291,7 @@
       </p:sp>
       <p:sp>
         <p:nvSpPr>
-          <p:cNvPr id="435" name="Google Shape;435;g37a4c1e476d_0_749"/>
+          <p:cNvPr id="438" name="Google Shape;438;g37a4c1e476d_0_749"/>
           <p:cNvSpPr txBox="1"/>
           <p:nvPr/>
         </p:nvSpPr>
@@ -26420,7 +26341,7 @@
       </p:sp>
       <p:sp>
         <p:nvSpPr>
-          <p:cNvPr id="436" name="Google Shape;436;g37a4c1e476d_0_749"/>
+          <p:cNvPr id="439" name="Google Shape;439;g37a4c1e476d_0_749"/>
           <p:cNvSpPr txBox="1"/>
           <p:nvPr/>
         </p:nvSpPr>
@@ -26478,7 +26399,7 @@
       </p:sp>
       <p:sp>
         <p:nvSpPr>
-          <p:cNvPr id="437" name="Google Shape;437;g37a4c1e476d_0_749"/>
+          <p:cNvPr id="440" name="Google Shape;440;g37a4c1e476d_0_749"/>
           <p:cNvSpPr txBox="1"/>
           <p:nvPr/>
         </p:nvSpPr>
@@ -26528,10 +26449,10 @@
       </p:sp>
       <p:cxnSp>
         <p:nvCxnSpPr>
-          <p:cNvPr id="438" name="Google Shape;438;g37a4c1e476d_0_749"/>
+          <p:cNvPr id="441" name="Google Shape;441;g37a4c1e476d_0_749"/>
           <p:cNvCxnSpPr>
-            <a:stCxn id="423" idx="0"/>
-            <a:endCxn id="434" idx="2"/>
+            <a:stCxn id="426" idx="0"/>
+            <a:endCxn id="437" idx="2"/>
           </p:cNvCxnSpPr>
           <p:nvPr/>
         </p:nvCxnSpPr>
@@ -26557,10 +26478,10 @@
       </p:cxnSp>
       <p:cxnSp>
         <p:nvCxnSpPr>
-          <p:cNvPr id="439" name="Google Shape;439;g37a4c1e476d_0_749"/>
+          <p:cNvPr id="442" name="Google Shape;442;g37a4c1e476d_0_749"/>
           <p:cNvCxnSpPr>
-            <a:stCxn id="425" idx="0"/>
-            <a:endCxn id="435" idx="2"/>
+            <a:stCxn id="428" idx="0"/>
+            <a:endCxn id="438" idx="2"/>
           </p:cNvCxnSpPr>
           <p:nvPr/>
         </p:nvCxnSpPr>
@@ -26586,10 +26507,10 @@
       </p:cxnSp>
       <p:cxnSp>
         <p:nvCxnSpPr>
-          <p:cNvPr id="440" name="Google Shape;440;g37a4c1e476d_0_749"/>
+          <p:cNvPr id="443" name="Google Shape;443;g37a4c1e476d_0_749"/>
           <p:cNvCxnSpPr>
-            <a:stCxn id="426" idx="0"/>
-            <a:endCxn id="436" idx="2"/>
+            <a:stCxn id="429" idx="0"/>
+            <a:endCxn id="439" idx="2"/>
           </p:cNvCxnSpPr>
           <p:nvPr/>
         </p:nvCxnSpPr>
@@ -26615,10 +26536,10 @@
       </p:cxnSp>
       <p:cxnSp>
         <p:nvCxnSpPr>
-          <p:cNvPr id="441" name="Google Shape;441;g37a4c1e476d_0_749"/>
+          <p:cNvPr id="444" name="Google Shape;444;g37a4c1e476d_0_749"/>
           <p:cNvCxnSpPr>
-            <a:stCxn id="433" idx="2"/>
-            <a:endCxn id="437" idx="0"/>
+            <a:stCxn id="436" idx="2"/>
+            <a:endCxn id="440" idx="0"/>
           </p:cNvCxnSpPr>
           <p:nvPr/>
         </p:nvCxnSpPr>
@@ -26644,7 +26565,7 @@
       </p:cxnSp>
       <p:sp>
         <p:nvSpPr>
-          <p:cNvPr id="442" name="Google Shape;442;g37a4c1e476d_0_749"/>
+          <p:cNvPr id="445" name="Google Shape;445;g37a4c1e476d_0_749"/>
           <p:cNvSpPr txBox="1"/>
           <p:nvPr/>
         </p:nvSpPr>
@@ -26722,9 +26643,9 @@
       </p:sp>
       <p:cxnSp>
         <p:nvCxnSpPr>
-          <p:cNvPr id="443" name="Google Shape;443;g37a4c1e476d_0_749"/>
+          <p:cNvPr id="446" name="Google Shape;446;g37a4c1e476d_0_749"/>
           <p:cNvCxnSpPr>
-            <a:stCxn id="428" idx="0"/>
+            <a:stCxn id="431" idx="0"/>
           </p:cNvCxnSpPr>
           <p:nvPr/>
         </p:nvCxnSpPr>
@@ -26750,7 +26671,7 @@
       </p:cxnSp>
       <p:sp>
         <p:nvSpPr>
-          <p:cNvPr id="444" name="Google Shape;444;g37a4c1e476d_0_749"/>
+          <p:cNvPr id="447" name="Google Shape;447;g37a4c1e476d_0_749"/>
           <p:cNvSpPr txBox="1"/>
           <p:nvPr/>
         </p:nvSpPr>
@@ -26800,7 +26721,7 @@
       </p:sp>
       <p:cxnSp>
         <p:nvCxnSpPr>
-          <p:cNvPr id="445" name="Google Shape;445;g37a4c1e476d_0_749"/>
+          <p:cNvPr id="448" name="Google Shape;448;g37a4c1e476d_0_749"/>
           <p:cNvCxnSpPr/>
           <p:nvPr/>
         </p:nvCxnSpPr>
@@ -26826,7 +26747,7 @@
       </p:cxnSp>
       <p:sp>
         <p:nvSpPr>
-          <p:cNvPr id="446" name="Google Shape;446;g37a4c1e476d_0_749"/>
+          <p:cNvPr id="449" name="Google Shape;449;g37a4c1e476d_0_749"/>
           <p:cNvSpPr txBox="1"/>
           <p:nvPr/>
         </p:nvSpPr>
@@ -26876,7 +26797,7 @@
       </p:sp>
       <p:cxnSp>
         <p:nvCxnSpPr>
-          <p:cNvPr id="447" name="Google Shape;447;g37a4c1e476d_0_749"/>
+          <p:cNvPr id="450" name="Google Shape;450;g37a4c1e476d_0_749"/>
           <p:cNvCxnSpPr/>
           <p:nvPr/>
         </p:nvCxnSpPr>
@@ -26902,7 +26823,7 @@
       </p:cxnSp>
       <p:sp>
         <p:nvSpPr>
-          <p:cNvPr id="448" name="Google Shape;448;g37a4c1e476d_0_749"/>
+          <p:cNvPr id="451" name="Google Shape;451;g37a4c1e476d_0_749"/>
           <p:cNvSpPr/>
           <p:nvPr/>
         </p:nvSpPr>
@@ -26954,7 +26875,7 @@
       </p:sp>
       <p:sp>
         <p:nvSpPr>
-          <p:cNvPr id="449" name="Google Shape;449;g37a4c1e476d_0_749"/>
+          <p:cNvPr id="452" name="Google Shape;452;g37a4c1e476d_0_749"/>
           <p:cNvSpPr/>
           <p:nvPr/>
         </p:nvSpPr>
@@ -27006,7 +26927,7 @@
       </p:sp>
       <p:sp>
         <p:nvSpPr>
-          <p:cNvPr id="450" name="Google Shape;450;g37a4c1e476d_0_749"/>
+          <p:cNvPr id="453" name="Google Shape;453;g37a4c1e476d_0_749"/>
           <p:cNvSpPr txBox="1"/>
           <p:nvPr/>
         </p:nvSpPr>
@@ -27081,7 +27002,7 @@
       </p:sp>
       <p:cxnSp>
         <p:nvCxnSpPr>
-          <p:cNvPr id="451" name="Google Shape;451;g37a4c1e476d_0_749"/>
+          <p:cNvPr id="454" name="Google Shape;454;g37a4c1e476d_0_749"/>
           <p:cNvCxnSpPr/>
           <p:nvPr/>
         </p:nvCxnSpPr>
@@ -27118,7 +27039,7 @@
   <p:cSld>
     <p:spTree>
       <p:nvGrpSpPr>
-        <p:cNvPr id="455" name="Shape 455"/>
+        <p:cNvPr id="458" name="Shape 458"/>
         <p:cNvGrpSpPr/>
         <p:nvPr/>
       </p:nvGrpSpPr>
@@ -27132,7 +27053,7 @@
       </p:grpSpPr>
       <p:pic>
         <p:nvPicPr>
-          <p:cNvPr id="456" name="Google Shape;456;g37a4c1e476d_0_785"/>
+          <p:cNvPr id="459" name="Google Shape;459;g37a4c1e476d_0_785"/>
           <p:cNvPicPr preferRelativeResize="0"/>
           <p:nvPr/>
         </p:nvPicPr>
@@ -27159,7 +27080,7 @@
       </p:pic>
       <p:sp>
         <p:nvSpPr>
-          <p:cNvPr id="457" name="Google Shape;457;g37a4c1e476d_0_785"/>
+          <p:cNvPr id="460" name="Google Shape;460;g37a4c1e476d_0_785"/>
           <p:cNvSpPr/>
           <p:nvPr/>
         </p:nvSpPr>
@@ -27224,7 +27145,7 @@
       </p:sp>
       <p:sp>
         <p:nvSpPr>
-          <p:cNvPr id="458" name="Google Shape;458;g37a4c1e476d_0_785"/>
+          <p:cNvPr id="461" name="Google Shape;461;g37a4c1e476d_0_785"/>
           <p:cNvSpPr txBox="1"/>
           <p:nvPr>
             <p:ph type="title"/>
@@ -27277,7 +27198,7 @@
       </p:sp>
       <p:pic>
         <p:nvPicPr>
-          <p:cNvPr id="459" name="Google Shape;459;g37a4c1e476d_0_785"/>
+          <p:cNvPr id="462" name="Google Shape;462;g37a4c1e476d_0_785"/>
           <p:cNvPicPr preferRelativeResize="0"/>
           <p:nvPr/>
         </p:nvPicPr>
@@ -27304,7 +27225,7 @@
       </p:pic>
       <p:pic>
         <p:nvPicPr>
-          <p:cNvPr id="460" name="Google Shape;460;g37a4c1e476d_0_785"/>
+          <p:cNvPr id="463" name="Google Shape;463;g37a4c1e476d_0_785"/>
           <p:cNvPicPr preferRelativeResize="0"/>
           <p:nvPr/>
         </p:nvPicPr>
@@ -27331,7 +27252,7 @@
       </p:pic>
       <p:pic>
         <p:nvPicPr>
-          <p:cNvPr id="461" name="Google Shape;461;g37a4c1e476d_0_785"/>
+          <p:cNvPr id="464" name="Google Shape;464;g37a4c1e476d_0_785"/>
           <p:cNvPicPr preferRelativeResize="0"/>
           <p:nvPr/>
         </p:nvPicPr>
@@ -27358,7 +27279,7 @@
       </p:pic>
       <p:pic>
         <p:nvPicPr>
-          <p:cNvPr id="462" name="Google Shape;462;g37a4c1e476d_0_785"/>
+          <p:cNvPr id="465" name="Google Shape;465;g37a4c1e476d_0_785"/>
           <p:cNvPicPr preferRelativeResize="0"/>
           <p:nvPr/>
         </p:nvPicPr>
@@ -27385,7 +27306,7 @@
       </p:pic>
       <p:pic>
         <p:nvPicPr>
-          <p:cNvPr id="463" name="Google Shape;463;g37a4c1e476d_0_785"/>
+          <p:cNvPr id="466" name="Google Shape;466;g37a4c1e476d_0_785"/>
           <p:cNvPicPr preferRelativeResize="0"/>
           <p:nvPr/>
         </p:nvPicPr>
@@ -27412,7 +27333,7 @@
       </p:pic>
       <p:pic>
         <p:nvPicPr>
-          <p:cNvPr id="464" name="Google Shape;464;g37a4c1e476d_0_785"/>
+          <p:cNvPr id="467" name="Google Shape;467;g37a4c1e476d_0_785"/>
           <p:cNvPicPr preferRelativeResize="0"/>
           <p:nvPr/>
         </p:nvPicPr>
@@ -27439,7 +27360,7 @@
       </p:pic>
       <p:pic>
         <p:nvPicPr>
-          <p:cNvPr id="465" name="Google Shape;465;g37a4c1e476d_0_785"/>
+          <p:cNvPr id="468" name="Google Shape;468;g37a4c1e476d_0_785"/>
           <p:cNvPicPr preferRelativeResize="0"/>
           <p:nvPr/>
         </p:nvPicPr>
@@ -27466,7 +27387,7 @@
       </p:pic>
       <p:pic>
         <p:nvPicPr>
-          <p:cNvPr id="466" name="Google Shape;466;g37a4c1e476d_0_785"/>
+          <p:cNvPr id="469" name="Google Shape;469;g37a4c1e476d_0_785"/>
           <p:cNvPicPr preferRelativeResize="0"/>
           <p:nvPr/>
         </p:nvPicPr>
@@ -27493,7 +27414,7 @@
       </p:pic>
       <p:pic>
         <p:nvPicPr>
-          <p:cNvPr id="467" name="Google Shape;467;g37a4c1e476d_0_785"/>
+          <p:cNvPr id="470" name="Google Shape;470;g37a4c1e476d_0_785"/>
           <p:cNvPicPr preferRelativeResize="0"/>
           <p:nvPr/>
         </p:nvPicPr>
@@ -27520,7 +27441,7 @@
       </p:pic>
       <p:pic>
         <p:nvPicPr>
-          <p:cNvPr id="468" name="Google Shape;468;g37a4c1e476d_0_785"/>
+          <p:cNvPr id="471" name="Google Shape;471;g37a4c1e476d_0_785"/>
           <p:cNvPicPr preferRelativeResize="0"/>
           <p:nvPr/>
         </p:nvPicPr>
@@ -27547,7 +27468,7 @@
       </p:pic>
       <p:pic>
         <p:nvPicPr>
-          <p:cNvPr descr="A blue and white sign with arrows&#10;&#10;Description automatically generated" id="469" name="Google Shape;469;g37a4c1e476d_0_785"/>
+          <p:cNvPr descr="A blue and white sign with arrows&#10;&#10;Description automatically generated" id="472" name="Google Shape;472;g37a4c1e476d_0_785"/>
           <p:cNvPicPr preferRelativeResize="0"/>
           <p:nvPr/>
         </p:nvPicPr>
@@ -27574,7 +27495,7 @@
       </p:pic>
       <p:pic>
         <p:nvPicPr>
-          <p:cNvPr id="470" name="Google Shape;470;g37a4c1e476d_0_785"/>
+          <p:cNvPr id="473" name="Google Shape;473;g37a4c1e476d_0_785"/>
           <p:cNvPicPr preferRelativeResize="0"/>
           <p:nvPr/>
         </p:nvPicPr>
@@ -27601,7 +27522,7 @@
       </p:pic>
       <p:sp>
         <p:nvSpPr>
-          <p:cNvPr id="471" name="Google Shape;471;g37a4c1e476d_0_785"/>
+          <p:cNvPr id="474" name="Google Shape;474;g37a4c1e476d_0_785"/>
           <p:cNvSpPr txBox="1"/>
           <p:nvPr/>
         </p:nvSpPr>
@@ -27651,7 +27572,7 @@
       </p:sp>
       <p:sp>
         <p:nvSpPr>
-          <p:cNvPr id="472" name="Google Shape;472;g37a4c1e476d_0_785"/>
+          <p:cNvPr id="475" name="Google Shape;475;g37a4c1e476d_0_785"/>
           <p:cNvSpPr txBox="1"/>
           <p:nvPr/>
         </p:nvSpPr>
@@ -27701,7 +27622,7 @@
       </p:sp>
       <p:sp>
         <p:nvSpPr>
-          <p:cNvPr id="473" name="Google Shape;473;g37a4c1e476d_0_785"/>
+          <p:cNvPr id="476" name="Google Shape;476;g37a4c1e476d_0_785"/>
           <p:cNvSpPr txBox="1"/>
           <p:nvPr/>
         </p:nvSpPr>
@@ -27759,7 +27680,7 @@
       </p:sp>
       <p:sp>
         <p:nvSpPr>
-          <p:cNvPr id="474" name="Google Shape;474;g37a4c1e476d_0_785"/>
+          <p:cNvPr id="477" name="Google Shape;477;g37a4c1e476d_0_785"/>
           <p:cNvSpPr txBox="1"/>
           <p:nvPr/>
         </p:nvSpPr>
@@ -27809,10 +27730,10 @@
       </p:sp>
       <p:cxnSp>
         <p:nvCxnSpPr>
-          <p:cNvPr id="475" name="Google Shape;475;g37a4c1e476d_0_785"/>
+          <p:cNvPr id="478" name="Google Shape;478;g37a4c1e476d_0_785"/>
           <p:cNvCxnSpPr>
-            <a:stCxn id="460" idx="0"/>
-            <a:endCxn id="471" idx="2"/>
+            <a:stCxn id="463" idx="0"/>
+            <a:endCxn id="474" idx="2"/>
           </p:cNvCxnSpPr>
           <p:nvPr/>
         </p:nvCxnSpPr>
@@ -27838,10 +27759,10 @@
       </p:cxnSp>
       <p:cxnSp>
         <p:nvCxnSpPr>
-          <p:cNvPr id="476" name="Google Shape;476;g37a4c1e476d_0_785"/>
+          <p:cNvPr id="479" name="Google Shape;479;g37a4c1e476d_0_785"/>
           <p:cNvCxnSpPr>
-            <a:stCxn id="462" idx="0"/>
-            <a:endCxn id="472" idx="2"/>
+            <a:stCxn id="465" idx="0"/>
+            <a:endCxn id="475" idx="2"/>
           </p:cNvCxnSpPr>
           <p:nvPr/>
         </p:nvCxnSpPr>
@@ -27867,10 +27788,10 @@
       </p:cxnSp>
       <p:cxnSp>
         <p:nvCxnSpPr>
-          <p:cNvPr id="477" name="Google Shape;477;g37a4c1e476d_0_785"/>
+          <p:cNvPr id="480" name="Google Shape;480;g37a4c1e476d_0_785"/>
           <p:cNvCxnSpPr>
-            <a:stCxn id="463" idx="0"/>
-            <a:endCxn id="473" idx="2"/>
+            <a:stCxn id="466" idx="0"/>
+            <a:endCxn id="476" idx="2"/>
           </p:cNvCxnSpPr>
           <p:nvPr/>
         </p:nvCxnSpPr>
@@ -27896,10 +27817,10 @@
       </p:cxnSp>
       <p:cxnSp>
         <p:nvCxnSpPr>
-          <p:cNvPr id="478" name="Google Shape;478;g37a4c1e476d_0_785"/>
+          <p:cNvPr id="481" name="Google Shape;481;g37a4c1e476d_0_785"/>
           <p:cNvCxnSpPr>
-            <a:stCxn id="470" idx="2"/>
-            <a:endCxn id="474" idx="0"/>
+            <a:stCxn id="473" idx="2"/>
+            <a:endCxn id="477" idx="0"/>
           </p:cNvCxnSpPr>
           <p:nvPr/>
         </p:nvCxnSpPr>
@@ -27925,7 +27846,7 @@
       </p:cxnSp>
       <p:sp>
         <p:nvSpPr>
-          <p:cNvPr id="479" name="Google Shape;479;g37a4c1e476d_0_785"/>
+          <p:cNvPr id="482" name="Google Shape;482;g37a4c1e476d_0_785"/>
           <p:cNvSpPr txBox="1"/>
           <p:nvPr/>
         </p:nvSpPr>
@@ -28003,9 +27924,9 @@
       </p:sp>
       <p:cxnSp>
         <p:nvCxnSpPr>
-          <p:cNvPr id="480" name="Google Shape;480;g37a4c1e476d_0_785"/>
+          <p:cNvPr id="483" name="Google Shape;483;g37a4c1e476d_0_785"/>
           <p:cNvCxnSpPr>
-            <a:stCxn id="465" idx="0"/>
+            <a:stCxn id="468" idx="0"/>
           </p:cNvCxnSpPr>
           <p:nvPr/>
         </p:nvCxnSpPr>
@@ -28031,7 +27952,7 @@
       </p:cxnSp>
       <p:sp>
         <p:nvSpPr>
-          <p:cNvPr id="481" name="Google Shape;481;g37a4c1e476d_0_785"/>
+          <p:cNvPr id="484" name="Google Shape;484;g37a4c1e476d_0_785"/>
           <p:cNvSpPr txBox="1"/>
           <p:nvPr/>
         </p:nvSpPr>
@@ -28081,7 +28002,7 @@
       </p:sp>
       <p:cxnSp>
         <p:nvCxnSpPr>
-          <p:cNvPr id="482" name="Google Shape;482;g37a4c1e476d_0_785"/>
+          <p:cNvPr id="485" name="Google Shape;485;g37a4c1e476d_0_785"/>
           <p:cNvCxnSpPr/>
           <p:nvPr/>
         </p:nvCxnSpPr>
@@ -28107,7 +28028,7 @@
       </p:cxnSp>
       <p:sp>
         <p:nvSpPr>
-          <p:cNvPr id="483" name="Google Shape;483;g37a4c1e476d_0_785"/>
+          <p:cNvPr id="486" name="Google Shape;486;g37a4c1e476d_0_785"/>
           <p:cNvSpPr txBox="1"/>
           <p:nvPr/>
         </p:nvSpPr>
@@ -28157,7 +28078,7 @@
       </p:sp>
       <p:cxnSp>
         <p:nvCxnSpPr>
-          <p:cNvPr id="484" name="Google Shape;484;g37a4c1e476d_0_785"/>
+          <p:cNvPr id="487" name="Google Shape;487;g37a4c1e476d_0_785"/>
           <p:cNvCxnSpPr/>
           <p:nvPr/>
         </p:nvCxnSpPr>
@@ -28183,7 +28104,7 @@
       </p:cxnSp>
       <p:sp>
         <p:nvSpPr>
-          <p:cNvPr id="485" name="Google Shape;485;g37a4c1e476d_0_785"/>
+          <p:cNvPr id="488" name="Google Shape;488;g37a4c1e476d_0_785"/>
           <p:cNvSpPr/>
           <p:nvPr/>
         </p:nvSpPr>
@@ -28235,7 +28156,7 @@
       </p:sp>
       <p:sp>
         <p:nvSpPr>
-          <p:cNvPr id="486" name="Google Shape;486;g37a4c1e476d_0_785"/>
+          <p:cNvPr id="489" name="Google Shape;489;g37a4c1e476d_0_785"/>
           <p:cNvSpPr/>
           <p:nvPr/>
         </p:nvSpPr>
@@ -28287,7 +28208,7 @@
       </p:sp>
       <p:sp>
         <p:nvSpPr>
-          <p:cNvPr id="487" name="Google Shape;487;g37a4c1e476d_0_785"/>
+          <p:cNvPr id="490" name="Google Shape;490;g37a4c1e476d_0_785"/>
           <p:cNvSpPr txBox="1"/>
           <p:nvPr/>
         </p:nvSpPr>
@@ -28362,7 +28283,7 @@
       </p:sp>
       <p:cxnSp>
         <p:nvCxnSpPr>
-          <p:cNvPr id="488" name="Google Shape;488;g37a4c1e476d_0_785"/>
+          <p:cNvPr id="491" name="Google Shape;491;g37a4c1e476d_0_785"/>
           <p:cNvCxnSpPr/>
           <p:nvPr/>
         </p:nvCxnSpPr>
@@ -28388,7 +28309,7 @@
       </p:cxnSp>
       <p:sp>
         <p:nvSpPr>
-          <p:cNvPr id="489" name="Google Shape;489;g37a4c1e476d_0_785"/>
+          <p:cNvPr id="492" name="Google Shape;492;g37a4c1e476d_0_785"/>
           <p:cNvSpPr txBox="1"/>
           <p:nvPr/>
         </p:nvSpPr>
@@ -28429,7 +28350,7 @@
       </p:sp>
       <p:sp>
         <p:nvSpPr>
-          <p:cNvPr id="490" name="Google Shape;490;g37a4c1e476d_0_785"/>
+          <p:cNvPr id="493" name="Google Shape;493;g37a4c1e476d_0_785"/>
           <p:cNvSpPr txBox="1"/>
           <p:nvPr/>
         </p:nvSpPr>
@@ -28507,7 +28428,7 @@
       </p:sp>
       <p:cxnSp>
         <p:nvCxnSpPr>
-          <p:cNvPr id="491" name="Google Shape;491;g37a4c1e476d_0_785"/>
+          <p:cNvPr id="494" name="Google Shape;494;g37a4c1e476d_0_785"/>
           <p:cNvCxnSpPr/>
           <p:nvPr/>
         </p:nvCxnSpPr>
@@ -28533,7 +28454,7 @@
       </p:cxnSp>
       <p:sp>
         <p:nvSpPr>
-          <p:cNvPr id="492" name="Google Shape;492;g37a4c1e476d_0_785"/>
+          <p:cNvPr id="495" name="Google Shape;495;g37a4c1e476d_0_785"/>
           <p:cNvSpPr/>
           <p:nvPr/>
         </p:nvSpPr>
@@ -28985,7 +28906,7 @@
           <a:noFill/>
           <a:ln cap="flat" cmpd="sng" w="76200">
             <a:solidFill>
-              <a:schemeClr val="accent2"/>
+              <a:srgbClr val="3DA9F5"/>
             </a:solidFill>
             <a:prstDash val="solid"/>
             <a:round/>
@@ -29062,7 +28983,7 @@
   <p:cSld>
     <p:spTree>
       <p:nvGrpSpPr>
-        <p:cNvPr id="496" name="Shape 496"/>
+        <p:cNvPr id="499" name="Shape 499"/>
         <p:cNvGrpSpPr/>
         <p:nvPr/>
       </p:nvGrpSpPr>
@@ -29076,7 +28997,7 @@
       </p:grpSpPr>
       <p:sp>
         <p:nvSpPr>
-          <p:cNvPr id="497" name="Google Shape;497;g37c000b0c4c_1_0"/>
+          <p:cNvPr id="500" name="Google Shape;500;g37c000b0c4c_1_0"/>
           <p:cNvSpPr txBox="1"/>
           <p:nvPr>
             <p:ph type="title"/>
@@ -29124,7 +29045,7 @@
       </p:sp>
       <p:sp>
         <p:nvSpPr>
-          <p:cNvPr id="498" name="Google Shape;498;g37c000b0c4c_1_0"/>
+          <p:cNvPr id="501" name="Google Shape;501;g37c000b0c4c_1_0"/>
           <p:cNvSpPr txBox="1"/>
           <p:nvPr/>
         </p:nvSpPr>
@@ -29469,7 +29390,7 @@
       </p:sp>
       <p:sp>
         <p:nvSpPr>
-          <p:cNvPr id="499" name="Google Shape;499;g37c000b0c4c_1_0"/>
+          <p:cNvPr id="502" name="Google Shape;502;g37c000b0c4c_1_0"/>
           <p:cNvSpPr txBox="1"/>
           <p:nvPr/>
         </p:nvSpPr>
@@ -29528,36 +29449,9 @@
           </a:p>
         </p:txBody>
       </p:sp>
-      <p:pic>
-        <p:nvPicPr>
-          <p:cNvPr id="500" name="Google Shape;500;g37c000b0c4c_1_0"/>
-          <p:cNvPicPr preferRelativeResize="0"/>
-          <p:nvPr/>
-        </p:nvPicPr>
-        <p:blipFill rotWithShape="1">
-          <a:blip r:embed="rId3">
-            <a:alphaModFix/>
-          </a:blip>
-          <a:srcRect b="0" l="0" r="0" t="0"/>
-          <a:stretch/>
-        </p:blipFill>
-        <p:spPr>
-          <a:xfrm>
-            <a:off x="1931440" y="1640254"/>
-            <a:ext cx="1646100" cy="1646100"/>
-          </a:xfrm>
-          <a:prstGeom prst="rect">
-            <a:avLst/>
-          </a:prstGeom>
-          <a:noFill/>
-          <a:ln>
-            <a:noFill/>
-          </a:ln>
-        </p:spPr>
-      </p:pic>
       <p:sp>
         <p:nvSpPr>
-          <p:cNvPr id="501" name="Google Shape;501;g37c000b0c4c_1_0"/>
+          <p:cNvPr id="503" name="Google Shape;503;g37c000b0c4c_1_0"/>
           <p:cNvSpPr txBox="1"/>
           <p:nvPr/>
         </p:nvSpPr>
@@ -29598,7 +29492,7 @@
       </p:sp>
       <p:sp>
         <p:nvSpPr>
-          <p:cNvPr id="502" name="Google Shape;502;g37c000b0c4c_1_0"/>
+          <p:cNvPr id="504" name="Google Shape;504;g37c000b0c4c_1_0"/>
           <p:cNvSpPr txBox="1"/>
           <p:nvPr/>
         </p:nvSpPr>
@@ -29693,6 +29587,34 @@
           </a:p>
         </p:txBody>
       </p:sp>
+      <p:pic>
+        <p:nvPicPr>
+          <p:cNvPr id="505" name="Google Shape;505;g37c000b0c4c_1_0" title="rectangle.png"/>
+          <p:cNvPicPr preferRelativeResize="0"/>
+          <p:nvPr/>
+        </p:nvPicPr>
+        <p:blipFill>
+          <a:blip r:embed="rId3">
+            <a:alphaModFix/>
+          </a:blip>
+          <a:stretch>
+            <a:fillRect/>
+          </a:stretch>
+        </p:blipFill>
+        <p:spPr>
+          <a:xfrm>
+            <a:off x="1784125" y="1543927"/>
+            <a:ext cx="1626640" cy="1626640"/>
+          </a:xfrm>
+          <a:prstGeom prst="rect">
+            <a:avLst/>
+          </a:prstGeom>
+          <a:noFill/>
+          <a:ln>
+            <a:noFill/>
+          </a:ln>
+        </p:spPr>
+      </p:pic>
     </p:spTree>
   </p:cSld>
   <p:clrMapOvr>
@@ -29706,7 +29628,7 @@
   <p:cSld>
     <p:spTree>
       <p:nvGrpSpPr>
-        <p:cNvPr id="506" name="Shape 506"/>
+        <p:cNvPr id="509" name="Shape 509"/>
         <p:cNvGrpSpPr/>
         <p:nvPr/>
       </p:nvGrpSpPr>
@@ -29720,7 +29642,7 @@
       </p:grpSpPr>
       <p:sp>
         <p:nvSpPr>
-          <p:cNvPr id="507" name="Google Shape;507;g37a4c1e476d_0_607"/>
+          <p:cNvPr id="510" name="Google Shape;510;g37a4c1e476d_0_607"/>
           <p:cNvSpPr txBox="1"/>
           <p:nvPr/>
         </p:nvSpPr>
@@ -31109,7 +31031,7 @@
       </p:sp>
       <p:sp>
         <p:nvSpPr>
-          <p:cNvPr id="508" name="Google Shape;508;g37a4c1e476d_0_607"/>
+          <p:cNvPr id="511" name="Google Shape;511;g37a4c1e476d_0_607"/>
           <p:cNvSpPr/>
           <p:nvPr/>
         </p:nvSpPr>
@@ -31161,7 +31083,7 @@
       </p:sp>
       <p:sp>
         <p:nvSpPr>
-          <p:cNvPr id="509" name="Google Shape;509;g37a4c1e476d_0_607"/>
+          <p:cNvPr id="512" name="Google Shape;512;g37a4c1e476d_0_607"/>
           <p:cNvSpPr/>
           <p:nvPr/>
         </p:nvSpPr>
@@ -31213,7 +31135,7 @@
       </p:sp>
       <p:sp>
         <p:nvSpPr>
-          <p:cNvPr id="510" name="Google Shape;510;g37a4c1e476d_0_607"/>
+          <p:cNvPr id="513" name="Google Shape;513;g37a4c1e476d_0_607"/>
           <p:cNvSpPr/>
           <p:nvPr/>
         </p:nvSpPr>
@@ -31265,7 +31187,7 @@
       </p:sp>
       <p:sp>
         <p:nvSpPr>
-          <p:cNvPr id="511" name="Google Shape;511;g37a4c1e476d_0_607"/>
+          <p:cNvPr id="514" name="Google Shape;514;g37a4c1e476d_0_607"/>
           <p:cNvSpPr txBox="1"/>
           <p:nvPr/>
         </p:nvSpPr>
@@ -31320,7 +31242,7 @@
       </p:sp>
       <p:sp>
         <p:nvSpPr>
-          <p:cNvPr id="512" name="Google Shape;512;g37a4c1e476d_0_607"/>
+          <p:cNvPr id="515" name="Google Shape;515;g37a4c1e476d_0_607"/>
           <p:cNvSpPr txBox="1"/>
           <p:nvPr/>
         </p:nvSpPr>
@@ -31375,7 +31297,7 @@
       </p:sp>
       <p:sp>
         <p:nvSpPr>
-          <p:cNvPr id="513" name="Google Shape;513;g37a4c1e476d_0_607"/>
+          <p:cNvPr id="516" name="Google Shape;516;g37a4c1e476d_0_607"/>
           <p:cNvSpPr txBox="1"/>
           <p:nvPr/>
         </p:nvSpPr>
@@ -31430,7 +31352,7 @@
       </p:sp>
       <p:cxnSp>
         <p:nvCxnSpPr>
-          <p:cNvPr id="514" name="Google Shape;514;g37a4c1e476d_0_607"/>
+          <p:cNvPr id="517" name="Google Shape;517;g37a4c1e476d_0_607"/>
           <p:cNvCxnSpPr/>
           <p:nvPr/>
         </p:nvCxnSpPr>
@@ -31456,7 +31378,7 @@
       </p:cxnSp>
       <p:cxnSp>
         <p:nvCxnSpPr>
-          <p:cNvPr id="515" name="Google Shape;515;g37a4c1e476d_0_607"/>
+          <p:cNvPr id="518" name="Google Shape;518;g37a4c1e476d_0_607"/>
           <p:cNvCxnSpPr/>
           <p:nvPr/>
         </p:nvCxnSpPr>
@@ -31482,7 +31404,7 @@
       </p:cxnSp>
       <p:cxnSp>
         <p:nvCxnSpPr>
-          <p:cNvPr id="516" name="Google Shape;516;g37a4c1e476d_0_607"/>
+          <p:cNvPr id="519" name="Google Shape;519;g37a4c1e476d_0_607"/>
           <p:cNvCxnSpPr/>
           <p:nvPr/>
         </p:nvCxnSpPr>
@@ -31545,7 +31467,34 @@
                                           </p:stCondLst>
                                         </p:cTn>
                                         <p:tgtEl>
-                                          <p:spTgt spid="508"/>
+                                          <p:spTgt spid="511"/>
+                                        </p:tgtEl>
+                                        <p:attrNameLst>
+                                          <p:attrName>style.visibility</p:attrName>
+                                        </p:attrNameLst>
+                                      </p:cBhvr>
+                                      <p:to>
+                                        <p:strVal val="visible"/>
+                                      </p:to>
+                                    </p:set>
+                                  </p:childTnLst>
+                                </p:cTn>
+                              </p:par>
+                              <p:par>
+                                <p:cTn fill="hold" nodeType="withEffect" presetClass="entr" presetID="1" presetSubtype="0">
+                                  <p:stCondLst>
+                                    <p:cond delay="0"/>
+                                  </p:stCondLst>
+                                  <p:childTnLst>
+                                    <p:set>
+                                      <p:cBhvr>
+                                        <p:cTn dur="1" fill="hold">
+                                          <p:stCondLst>
+                                            <p:cond delay="0"/>
+                                          </p:stCondLst>
+                                        </p:cTn>
+                                        <p:tgtEl>
+                                          <p:spTgt spid="517"/>
                                         </p:tgtEl>
                                         <p:attrNameLst>
                                           <p:attrName>style.visibility</p:attrName>
@@ -31573,33 +31522,6 @@
                                         </p:cTn>
                                         <p:tgtEl>
                                           <p:spTgt spid="514"/>
-                                        </p:tgtEl>
-                                        <p:attrNameLst>
-                                          <p:attrName>style.visibility</p:attrName>
-                                        </p:attrNameLst>
-                                      </p:cBhvr>
-                                      <p:to>
-                                        <p:strVal val="visible"/>
-                                      </p:to>
-                                    </p:set>
-                                  </p:childTnLst>
-                                </p:cTn>
-                              </p:par>
-                              <p:par>
-                                <p:cTn fill="hold" nodeType="withEffect" presetClass="entr" presetID="1" presetSubtype="0">
-                                  <p:stCondLst>
-                                    <p:cond delay="0"/>
-                                  </p:stCondLst>
-                                  <p:childTnLst>
-                                    <p:set>
-                                      <p:cBhvr>
-                                        <p:cTn dur="1" fill="hold">
-                                          <p:stCondLst>
-                                            <p:cond delay="0"/>
-                                          </p:stCondLst>
-                                        </p:cTn>
-                                        <p:tgtEl>
-                                          <p:spTgt spid="511"/>
                                         </p:tgtEl>
                                         <p:attrNameLst>
                                           <p:attrName>style.visibility</p:attrName>
@@ -31644,7 +31566,34 @@
                                           </p:stCondLst>
                                         </p:cTn>
                                         <p:tgtEl>
-                                          <p:spTgt spid="509"/>
+                                          <p:spTgt spid="512"/>
+                                        </p:tgtEl>
+                                        <p:attrNameLst>
+                                          <p:attrName>style.visibility</p:attrName>
+                                        </p:attrNameLst>
+                                      </p:cBhvr>
+                                      <p:to>
+                                        <p:strVal val="visible"/>
+                                      </p:to>
+                                    </p:set>
+                                  </p:childTnLst>
+                                </p:cTn>
+                              </p:par>
+                              <p:par>
+                                <p:cTn fill="hold" nodeType="withEffect" presetClass="entr" presetID="1" presetSubtype="0">
+                                  <p:stCondLst>
+                                    <p:cond delay="0"/>
+                                  </p:stCondLst>
+                                  <p:childTnLst>
+                                    <p:set>
+                                      <p:cBhvr>
+                                        <p:cTn dur="1" fill="hold">
+                                          <p:stCondLst>
+                                            <p:cond delay="0"/>
+                                          </p:stCondLst>
+                                        </p:cTn>
+                                        <p:tgtEl>
+                                          <p:spTgt spid="518"/>
                                         </p:tgtEl>
                                         <p:attrNameLst>
                                           <p:attrName>style.visibility</p:attrName>
@@ -31672,33 +31621,6 @@
                                         </p:cTn>
                                         <p:tgtEl>
                                           <p:spTgt spid="515"/>
-                                        </p:tgtEl>
-                                        <p:attrNameLst>
-                                          <p:attrName>style.visibility</p:attrName>
-                                        </p:attrNameLst>
-                                      </p:cBhvr>
-                                      <p:to>
-                                        <p:strVal val="visible"/>
-                                      </p:to>
-                                    </p:set>
-                                  </p:childTnLst>
-                                </p:cTn>
-                              </p:par>
-                              <p:par>
-                                <p:cTn fill="hold" nodeType="withEffect" presetClass="entr" presetID="1" presetSubtype="0">
-                                  <p:stCondLst>
-                                    <p:cond delay="0"/>
-                                  </p:stCondLst>
-                                  <p:childTnLst>
-                                    <p:set>
-                                      <p:cBhvr>
-                                        <p:cTn dur="1" fill="hold">
-                                          <p:stCondLst>
-                                            <p:cond delay="0"/>
-                                          </p:stCondLst>
-                                        </p:cTn>
-                                        <p:tgtEl>
-                                          <p:spTgt spid="512"/>
                                         </p:tgtEl>
                                         <p:attrNameLst>
                                           <p:attrName>style.visibility</p:attrName>
@@ -31743,7 +31665,34 @@
                                           </p:stCondLst>
                                         </p:cTn>
                                         <p:tgtEl>
-                                          <p:spTgt spid="510"/>
+                                          <p:spTgt spid="513"/>
+                                        </p:tgtEl>
+                                        <p:attrNameLst>
+                                          <p:attrName>style.visibility</p:attrName>
+                                        </p:attrNameLst>
+                                      </p:cBhvr>
+                                      <p:to>
+                                        <p:strVal val="visible"/>
+                                      </p:to>
+                                    </p:set>
+                                  </p:childTnLst>
+                                </p:cTn>
+                              </p:par>
+                              <p:par>
+                                <p:cTn fill="hold" nodeType="withEffect" presetClass="entr" presetID="1" presetSubtype="0">
+                                  <p:stCondLst>
+                                    <p:cond delay="0"/>
+                                  </p:stCondLst>
+                                  <p:childTnLst>
+                                    <p:set>
+                                      <p:cBhvr>
+                                        <p:cTn dur="1" fill="hold">
+                                          <p:stCondLst>
+                                            <p:cond delay="0"/>
+                                          </p:stCondLst>
+                                        </p:cTn>
+                                        <p:tgtEl>
+                                          <p:spTgt spid="519"/>
                                         </p:tgtEl>
                                         <p:attrNameLst>
                                           <p:attrName>style.visibility</p:attrName>
@@ -31771,33 +31720,6 @@
                                         </p:cTn>
                                         <p:tgtEl>
                                           <p:spTgt spid="516"/>
-                                        </p:tgtEl>
-                                        <p:attrNameLst>
-                                          <p:attrName>style.visibility</p:attrName>
-                                        </p:attrNameLst>
-                                      </p:cBhvr>
-                                      <p:to>
-                                        <p:strVal val="visible"/>
-                                      </p:to>
-                                    </p:set>
-                                  </p:childTnLst>
-                                </p:cTn>
-                              </p:par>
-                              <p:par>
-                                <p:cTn fill="hold" nodeType="withEffect" presetClass="entr" presetID="1" presetSubtype="0">
-                                  <p:stCondLst>
-                                    <p:cond delay="0"/>
-                                  </p:stCondLst>
-                                  <p:childTnLst>
-                                    <p:set>
-                                      <p:cBhvr>
-                                        <p:cTn dur="1" fill="hold">
-                                          <p:stCondLst>
-                                            <p:cond delay="0"/>
-                                          </p:stCondLst>
-                                        </p:cTn>
-                                        <p:tgtEl>
-                                          <p:spTgt spid="513"/>
                                         </p:tgtEl>
                                         <p:attrNameLst>
                                           <p:attrName>style.visibility</p:attrName>
@@ -31846,7 +31768,7 @@
   <p:cSld>
     <p:spTree>
       <p:nvGrpSpPr>
-        <p:cNvPr id="520" name="Shape 520"/>
+        <p:cNvPr id="523" name="Shape 523"/>
         <p:cNvGrpSpPr/>
         <p:nvPr/>
       </p:nvGrpSpPr>
@@ -31860,7 +31782,7 @@
       </p:grpSpPr>
       <p:sp>
         <p:nvSpPr>
-          <p:cNvPr id="521" name="Google Shape;521;g37bfccee378_0_47"/>
+          <p:cNvPr id="524" name="Google Shape;524;g37bfccee378_0_47"/>
           <p:cNvSpPr txBox="1"/>
           <p:nvPr/>
         </p:nvSpPr>
@@ -31901,7 +31823,7 @@
       </p:sp>
       <p:cxnSp>
         <p:nvCxnSpPr>
-          <p:cNvPr id="522" name="Google Shape;522;g37bfccee378_0_47"/>
+          <p:cNvPr id="525" name="Google Shape;525;g37bfccee378_0_47"/>
           <p:cNvCxnSpPr/>
           <p:nvPr/>
         </p:nvCxnSpPr>
@@ -31927,7 +31849,7 @@
       </p:cxnSp>
       <p:sp>
         <p:nvSpPr>
-          <p:cNvPr id="523" name="Google Shape;523;g37bfccee378_0_47"/>
+          <p:cNvPr id="526" name="Google Shape;526;g37bfccee378_0_47"/>
           <p:cNvSpPr txBox="1"/>
           <p:nvPr/>
         </p:nvSpPr>
@@ -32726,7 +32648,7 @@
       </p:sp>
       <p:grpSp>
         <p:nvGrpSpPr>
-          <p:cNvPr id="524" name="Google Shape;524;g37bfccee378_0_47"/>
+          <p:cNvPr id="527" name="Google Shape;527;g37bfccee378_0_47"/>
           <p:cNvGrpSpPr/>
           <p:nvPr/>
         </p:nvGrpSpPr>
@@ -32740,7 +32662,7 @@
         </p:grpSpPr>
         <p:sp>
           <p:nvSpPr>
-            <p:cNvPr id="525" name="Google Shape;525;g37bfccee378_0_47"/>
+            <p:cNvPr id="528" name="Google Shape;528;g37bfccee378_0_47"/>
             <p:cNvSpPr txBox="1"/>
             <p:nvPr/>
           </p:nvSpPr>
@@ -34147,7 +34069,7 @@
         </p:sp>
         <p:cxnSp>
           <p:nvCxnSpPr>
-            <p:cNvPr id="526" name="Google Shape;526;g37bfccee378_0_47"/>
+            <p:cNvPr id="529" name="Google Shape;529;g37bfccee378_0_47"/>
             <p:cNvCxnSpPr/>
             <p:nvPr/>
           </p:nvCxnSpPr>
@@ -34173,7 +34095,7 @@
         </p:cxnSp>
         <p:cxnSp>
           <p:nvCxnSpPr>
-            <p:cNvPr id="527" name="Google Shape;527;g37bfccee378_0_47"/>
+            <p:cNvPr id="530" name="Google Shape;530;g37bfccee378_0_47"/>
             <p:cNvCxnSpPr/>
             <p:nvPr/>
           </p:nvCxnSpPr>
@@ -34200,7 +34122,7 @@
       </p:grpSp>
       <p:sp>
         <p:nvSpPr>
-          <p:cNvPr id="528" name="Google Shape;528;g37bfccee378_0_47"/>
+          <p:cNvPr id="531" name="Google Shape;531;g37bfccee378_0_47"/>
           <p:cNvSpPr/>
           <p:nvPr/>
         </p:nvSpPr>
@@ -34252,7 +34174,7 @@
       </p:sp>
       <p:sp>
         <p:nvSpPr>
-          <p:cNvPr id="529" name="Google Shape;529;g37bfccee378_0_47"/>
+          <p:cNvPr id="532" name="Google Shape;532;g37bfccee378_0_47"/>
           <p:cNvSpPr/>
           <p:nvPr/>
         </p:nvSpPr>
@@ -34304,7 +34226,7 @@
       </p:sp>
       <p:sp>
         <p:nvSpPr>
-          <p:cNvPr id="530" name="Google Shape;530;g37bfccee378_0_47"/>
+          <p:cNvPr id="533" name="Google Shape;533;g37bfccee378_0_47"/>
           <p:cNvSpPr/>
           <p:nvPr/>
         </p:nvSpPr>
@@ -34356,7 +34278,7 @@
       </p:sp>
       <p:sp>
         <p:nvSpPr>
-          <p:cNvPr id="531" name="Google Shape;531;g37bfccee378_0_47"/>
+          <p:cNvPr id="534" name="Google Shape;534;g37bfccee378_0_47"/>
           <p:cNvSpPr/>
           <p:nvPr/>
         </p:nvSpPr>
@@ -34419,7 +34341,7 @@
   <p:cSld>
     <p:spTree>
       <p:nvGrpSpPr>
-        <p:cNvPr id="535" name="Shape 535"/>
+        <p:cNvPr id="538" name="Shape 538"/>
         <p:cNvGrpSpPr/>
         <p:nvPr/>
       </p:nvGrpSpPr>
@@ -34433,7 +34355,7 @@
       </p:grpSpPr>
       <p:sp>
         <p:nvSpPr>
-          <p:cNvPr id="536" name="Google Shape;536;g37bfccee378_0_127"/>
+          <p:cNvPr id="539" name="Google Shape;539;g37bfccee378_0_127"/>
           <p:cNvSpPr txBox="1"/>
           <p:nvPr/>
         </p:nvSpPr>
@@ -35017,7 +34939,7 @@
       </p:sp>
       <p:sp>
         <p:nvSpPr>
-          <p:cNvPr id="537" name="Google Shape;537;g37bfccee378_0_127"/>
+          <p:cNvPr id="540" name="Google Shape;540;g37bfccee378_0_127"/>
           <p:cNvSpPr txBox="1"/>
           <p:nvPr/>
         </p:nvSpPr>
@@ -35058,7 +34980,7 @@
       </p:sp>
       <p:sp>
         <p:nvSpPr>
-          <p:cNvPr id="538" name="Google Shape;538;g37bfccee378_0_127"/>
+          <p:cNvPr id="541" name="Google Shape;541;g37bfccee378_0_127"/>
           <p:cNvSpPr txBox="1"/>
           <p:nvPr>
             <p:ph type="title"/>
@@ -35106,7 +35028,7 @@
       </p:sp>
       <p:sp>
         <p:nvSpPr>
-          <p:cNvPr id="539" name="Google Shape;539;g37bfccee378_0_127"/>
+          <p:cNvPr id="542" name="Google Shape;542;g37bfccee378_0_127"/>
           <p:cNvSpPr txBox="1"/>
           <p:nvPr/>
         </p:nvSpPr>
@@ -35167,7 +35089,7 @@
   <p:cSld>
     <p:spTree>
       <p:nvGrpSpPr>
-        <p:cNvPr id="543" name="Shape 543"/>
+        <p:cNvPr id="546" name="Shape 546"/>
         <p:cNvGrpSpPr/>
         <p:nvPr/>
       </p:nvGrpSpPr>
@@ -35181,7 +35103,7 @@
       </p:grpSpPr>
       <p:sp>
         <p:nvSpPr>
-          <p:cNvPr id="544" name="Google Shape;544;g37c000b0c4c_3_0"/>
+          <p:cNvPr id="547" name="Google Shape;547;g37c000b0c4c_3_0"/>
           <p:cNvSpPr txBox="1"/>
           <p:nvPr>
             <p:ph type="title"/>
@@ -35226,7 +35148,7 @@
       </p:sp>
       <p:grpSp>
         <p:nvGrpSpPr>
-          <p:cNvPr id="545" name="Google Shape;545;g37c000b0c4c_3_0"/>
+          <p:cNvPr id="548" name="Google Shape;548;g37c000b0c4c_3_0"/>
           <p:cNvGrpSpPr/>
           <p:nvPr/>
         </p:nvGrpSpPr>
@@ -35240,7 +35162,7 @@
         </p:grpSpPr>
         <p:pic>
           <p:nvPicPr>
-            <p:cNvPr id="546" name="Google Shape;546;g37c000b0c4c_3_0"/>
+            <p:cNvPr id="549" name="Google Shape;549;g37c000b0c4c_3_0"/>
             <p:cNvPicPr preferRelativeResize="0"/>
             <p:nvPr/>
           </p:nvPicPr>
@@ -35267,7 +35189,7 @@
         </p:pic>
         <p:sp>
           <p:nvSpPr>
-            <p:cNvPr id="547" name="Google Shape;547;g37c000b0c4c_3_0"/>
+            <p:cNvPr id="550" name="Google Shape;550;g37c000b0c4c_3_0"/>
             <p:cNvSpPr txBox="1"/>
             <p:nvPr/>
           </p:nvSpPr>
@@ -35334,9 +35256,9 @@
       </p:grpSp>
       <p:cxnSp>
         <p:nvCxnSpPr>
-          <p:cNvPr id="548" name="Google Shape;548;g37c000b0c4c_3_0"/>
+          <p:cNvPr id="551" name="Google Shape;551;g37c000b0c4c_3_0"/>
           <p:cNvCxnSpPr>
-            <a:endCxn id="549" idx="0"/>
+            <a:endCxn id="552" idx="0"/>
           </p:cNvCxnSpPr>
           <p:nvPr/>
         </p:nvCxnSpPr>
@@ -35362,9 +35284,9 @@
       </p:cxnSp>
       <p:cxnSp>
         <p:nvCxnSpPr>
-          <p:cNvPr id="550" name="Google Shape;550;g37c000b0c4c_3_0"/>
+          <p:cNvPr id="553" name="Google Shape;553;g37c000b0c4c_3_0"/>
           <p:cNvCxnSpPr>
-            <a:endCxn id="549" idx="0"/>
+            <a:endCxn id="552" idx="0"/>
           </p:cNvCxnSpPr>
           <p:nvPr/>
         </p:nvCxnSpPr>
@@ -35390,7 +35312,7 @@
       </p:cxnSp>
       <p:grpSp>
         <p:nvGrpSpPr>
-          <p:cNvPr id="551" name="Google Shape;551;g37c000b0c4c_3_0"/>
+          <p:cNvPr id="554" name="Google Shape;554;g37c000b0c4c_3_0"/>
           <p:cNvGrpSpPr/>
           <p:nvPr/>
         </p:nvGrpSpPr>
@@ -35404,7 +35326,7 @@
         </p:grpSpPr>
         <p:grpSp>
           <p:nvGrpSpPr>
-            <p:cNvPr id="552" name="Google Shape;552;g37c000b0c4c_3_0"/>
+            <p:cNvPr id="555" name="Google Shape;555;g37c000b0c4c_3_0"/>
             <p:cNvGrpSpPr/>
             <p:nvPr/>
           </p:nvGrpSpPr>
@@ -35418,7 +35340,7 @@
           </p:grpSpPr>
           <p:grpSp>
             <p:nvGrpSpPr>
-              <p:cNvPr id="553" name="Google Shape;553;g37c000b0c4c_3_0"/>
+              <p:cNvPr id="556" name="Google Shape;556;g37c000b0c4c_3_0"/>
               <p:cNvGrpSpPr/>
               <p:nvPr/>
             </p:nvGrpSpPr>
@@ -35432,7 +35354,7 @@
             </p:grpSpPr>
             <p:pic>
               <p:nvPicPr>
-                <p:cNvPr id="554" name="Google Shape;554;g37c000b0c4c_3_0"/>
+                <p:cNvPr id="557" name="Google Shape;557;g37c000b0c4c_3_0"/>
                 <p:cNvPicPr preferRelativeResize="0"/>
                 <p:nvPr/>
               </p:nvPicPr>
@@ -35459,7 +35381,7 @@
             </p:pic>
             <p:sp>
               <p:nvSpPr>
-                <p:cNvPr id="555" name="Google Shape;555;g37c000b0c4c_3_0"/>
+                <p:cNvPr id="558" name="Google Shape;558;g37c000b0c4c_3_0"/>
                 <p:cNvSpPr txBox="1"/>
                 <p:nvPr/>
               </p:nvSpPr>
@@ -35526,7 +35448,7 @@
           </p:grpSp>
           <p:grpSp>
             <p:nvGrpSpPr>
-              <p:cNvPr id="556" name="Google Shape;556;g37c000b0c4c_3_0"/>
+              <p:cNvPr id="559" name="Google Shape;559;g37c000b0c4c_3_0"/>
               <p:cNvGrpSpPr/>
               <p:nvPr/>
             </p:nvGrpSpPr>
@@ -35540,7 +35462,7 @@
             </p:grpSpPr>
             <p:pic>
               <p:nvPicPr>
-                <p:cNvPr id="557" name="Google Shape;557;g37c000b0c4c_3_0"/>
+                <p:cNvPr id="560" name="Google Shape;560;g37c000b0c4c_3_0"/>
                 <p:cNvPicPr preferRelativeResize="0"/>
                 <p:nvPr/>
               </p:nvPicPr>
@@ -35567,7 +35489,7 @@
             </p:pic>
             <p:sp>
               <p:nvSpPr>
-                <p:cNvPr id="558" name="Google Shape;558;g37c000b0c4c_3_0"/>
+                <p:cNvPr id="561" name="Google Shape;561;g37c000b0c4c_3_0"/>
                 <p:cNvSpPr txBox="1"/>
                 <p:nvPr/>
               </p:nvSpPr>
@@ -35634,7 +35556,7 @@
           </p:grpSp>
           <p:sp>
             <p:nvSpPr>
-              <p:cNvPr id="559" name="Google Shape;559;g37c000b0c4c_3_0"/>
+              <p:cNvPr id="562" name="Google Shape;562;g37c000b0c4c_3_0"/>
               <p:cNvSpPr/>
               <p:nvPr/>
             </p:nvSpPr>
@@ -35695,7 +35617,7 @@
         </p:grpSp>
         <p:grpSp>
           <p:nvGrpSpPr>
-            <p:cNvPr id="560" name="Google Shape;560;g37c000b0c4c_3_0"/>
+            <p:cNvPr id="563" name="Google Shape;563;g37c000b0c4c_3_0"/>
             <p:cNvGrpSpPr/>
             <p:nvPr/>
           </p:nvGrpSpPr>
@@ -35709,7 +35631,7 @@
           </p:grpSpPr>
           <p:grpSp>
             <p:nvGrpSpPr>
-              <p:cNvPr id="561" name="Google Shape;561;g37c000b0c4c_3_0"/>
+              <p:cNvPr id="564" name="Google Shape;564;g37c000b0c4c_3_0"/>
               <p:cNvGrpSpPr/>
               <p:nvPr/>
             </p:nvGrpSpPr>
@@ -35723,7 +35645,7 @@
             </p:grpSpPr>
             <p:pic>
               <p:nvPicPr>
-                <p:cNvPr id="562" name="Google Shape;562;g37c000b0c4c_3_0"/>
+                <p:cNvPr id="565" name="Google Shape;565;g37c000b0c4c_3_0"/>
                 <p:cNvPicPr preferRelativeResize="0"/>
                 <p:nvPr/>
               </p:nvPicPr>
@@ -35750,7 +35672,7 @@
             </p:pic>
             <p:sp>
               <p:nvSpPr>
-                <p:cNvPr id="563" name="Google Shape;563;g37c000b0c4c_3_0"/>
+                <p:cNvPr id="566" name="Google Shape;566;g37c000b0c4c_3_0"/>
                 <p:cNvSpPr txBox="1"/>
                 <p:nvPr/>
               </p:nvSpPr>
@@ -35817,7 +35739,7 @@
           </p:grpSp>
           <p:grpSp>
             <p:nvGrpSpPr>
-              <p:cNvPr id="564" name="Google Shape;564;g37c000b0c4c_3_0"/>
+              <p:cNvPr id="567" name="Google Shape;567;g37c000b0c4c_3_0"/>
               <p:cNvGrpSpPr/>
               <p:nvPr/>
             </p:nvGrpSpPr>
@@ -35831,7 +35753,7 @@
             </p:grpSpPr>
             <p:pic>
               <p:nvPicPr>
-                <p:cNvPr id="565" name="Google Shape;565;g37c000b0c4c_3_0"/>
+                <p:cNvPr id="568" name="Google Shape;568;g37c000b0c4c_3_0"/>
                 <p:cNvPicPr preferRelativeResize="0"/>
                 <p:nvPr/>
               </p:nvPicPr>
@@ -35858,7 +35780,7 @@
             </p:pic>
             <p:sp>
               <p:nvSpPr>
-                <p:cNvPr id="566" name="Google Shape;566;g37c000b0c4c_3_0"/>
+                <p:cNvPr id="569" name="Google Shape;569;g37c000b0c4c_3_0"/>
                 <p:cNvSpPr txBox="1"/>
                 <p:nvPr/>
               </p:nvSpPr>
@@ -35925,7 +35847,7 @@
           </p:grpSp>
           <p:sp>
             <p:nvSpPr>
-              <p:cNvPr id="567" name="Google Shape;567;g37c000b0c4c_3_0"/>
+              <p:cNvPr id="570" name="Google Shape;570;g37c000b0c4c_3_0"/>
               <p:cNvSpPr/>
               <p:nvPr/>
             </p:nvSpPr>
@@ -35986,7 +35908,7 @@
         </p:grpSp>
         <p:grpSp>
           <p:nvGrpSpPr>
-            <p:cNvPr id="568" name="Google Shape;568;g37c000b0c4c_3_0"/>
+            <p:cNvPr id="571" name="Google Shape;571;g37c000b0c4c_3_0"/>
             <p:cNvGrpSpPr/>
             <p:nvPr/>
           </p:nvGrpSpPr>
@@ -36000,7 +35922,7 @@
           </p:grpSpPr>
           <p:grpSp>
             <p:nvGrpSpPr>
-              <p:cNvPr id="569" name="Google Shape;569;g37c000b0c4c_3_0"/>
+              <p:cNvPr id="572" name="Google Shape;572;g37c000b0c4c_3_0"/>
               <p:cNvGrpSpPr/>
               <p:nvPr/>
             </p:nvGrpSpPr>
@@ -36014,7 +35936,7 @@
             </p:grpSpPr>
             <p:pic>
               <p:nvPicPr>
-                <p:cNvPr id="570" name="Google Shape;570;g37c000b0c4c_3_0"/>
+                <p:cNvPr id="573" name="Google Shape;573;g37c000b0c4c_3_0"/>
                 <p:cNvPicPr preferRelativeResize="0"/>
                 <p:nvPr/>
               </p:nvPicPr>
@@ -36041,7 +35963,7 @@
             </p:pic>
             <p:sp>
               <p:nvSpPr>
-                <p:cNvPr id="571" name="Google Shape;571;g37c000b0c4c_3_0"/>
+                <p:cNvPr id="574" name="Google Shape;574;g37c000b0c4c_3_0"/>
                 <p:cNvSpPr txBox="1"/>
                 <p:nvPr/>
               </p:nvSpPr>
@@ -36108,7 +36030,7 @@
           </p:grpSp>
           <p:grpSp>
             <p:nvGrpSpPr>
-              <p:cNvPr id="572" name="Google Shape;572;g37c000b0c4c_3_0"/>
+              <p:cNvPr id="575" name="Google Shape;575;g37c000b0c4c_3_0"/>
               <p:cNvGrpSpPr/>
               <p:nvPr/>
             </p:nvGrpSpPr>
@@ -36122,7 +36044,7 @@
             </p:grpSpPr>
             <p:pic>
               <p:nvPicPr>
-                <p:cNvPr id="573" name="Google Shape;573;g37c000b0c4c_3_0"/>
+                <p:cNvPr id="576" name="Google Shape;576;g37c000b0c4c_3_0"/>
                 <p:cNvPicPr preferRelativeResize="0"/>
                 <p:nvPr/>
               </p:nvPicPr>
@@ -36149,7 +36071,7 @@
             </p:pic>
             <p:sp>
               <p:nvSpPr>
-                <p:cNvPr id="574" name="Google Shape;574;g37c000b0c4c_3_0"/>
+                <p:cNvPr id="577" name="Google Shape;577;g37c000b0c4c_3_0"/>
                 <p:cNvSpPr txBox="1"/>
                 <p:nvPr/>
               </p:nvSpPr>
@@ -36216,7 +36138,7 @@
           </p:grpSp>
           <p:sp>
             <p:nvSpPr>
-              <p:cNvPr id="575" name="Google Shape;575;g37c000b0c4c_3_0"/>
+              <p:cNvPr id="578" name="Google Shape;578;g37c000b0c4c_3_0"/>
               <p:cNvSpPr/>
               <p:nvPr/>
             </p:nvSpPr>
@@ -36278,7 +36200,7 @@
       </p:grpSp>
       <p:sp>
         <p:nvSpPr>
-          <p:cNvPr id="576" name="Google Shape;576;g37c000b0c4c_3_0"/>
+          <p:cNvPr id="579" name="Google Shape;579;g37c000b0c4c_3_0"/>
           <p:cNvSpPr/>
           <p:nvPr/>
         </p:nvSpPr>
@@ -36338,7 +36260,7 @@
       </p:sp>
       <p:sp>
         <p:nvSpPr>
-          <p:cNvPr id="577" name="Google Shape;577;g37c000b0c4c_3_0"/>
+          <p:cNvPr id="580" name="Google Shape;580;g37c000b0c4c_3_0"/>
           <p:cNvSpPr/>
           <p:nvPr/>
         </p:nvSpPr>
@@ -36405,7 +36327,7 @@
       </p:sp>
       <p:pic>
         <p:nvPicPr>
-          <p:cNvPr id="578" name="Google Shape;578;g37c000b0c4c_3_0"/>
+          <p:cNvPr id="581" name="Google Shape;581;g37c000b0c4c_3_0"/>
           <p:cNvPicPr preferRelativeResize="0"/>
           <p:nvPr/>
         </p:nvPicPr>
@@ -36432,7 +36354,7 @@
       </p:pic>
       <p:pic>
         <p:nvPicPr>
-          <p:cNvPr id="579" name="Google Shape;579;g37c000b0c4c_3_0"/>
+          <p:cNvPr id="582" name="Google Shape;582;g37c000b0c4c_3_0"/>
           <p:cNvPicPr preferRelativeResize="0"/>
           <p:nvPr/>
         </p:nvPicPr>
@@ -36459,7 +36381,7 @@
       </p:pic>
       <p:pic>
         <p:nvPicPr>
-          <p:cNvPr id="580" name="Google Shape;580;g37c000b0c4c_3_0"/>
+          <p:cNvPr id="583" name="Google Shape;583;g37c000b0c4c_3_0"/>
           <p:cNvPicPr preferRelativeResize="0"/>
           <p:nvPr/>
         </p:nvPicPr>
@@ -36486,7 +36408,7 @@
       </p:pic>
       <p:pic>
         <p:nvPicPr>
-          <p:cNvPr id="581" name="Google Shape;581;g37c000b0c4c_3_0"/>
+          <p:cNvPr id="584" name="Google Shape;584;g37c000b0c4c_3_0"/>
           <p:cNvPicPr preferRelativeResize="0"/>
           <p:nvPr/>
         </p:nvPicPr>
@@ -36513,10 +36435,10 @@
       </p:pic>
       <p:cxnSp>
         <p:nvCxnSpPr>
-          <p:cNvPr id="582" name="Google Shape;582;g37c000b0c4c_3_0"/>
+          <p:cNvPr id="585" name="Google Shape;585;g37c000b0c4c_3_0"/>
           <p:cNvCxnSpPr>
-            <a:stCxn id="559" idx="1"/>
-            <a:endCxn id="549" idx="0"/>
+            <a:stCxn id="562" idx="1"/>
+            <a:endCxn id="552" idx="0"/>
           </p:cNvCxnSpPr>
           <p:nvPr/>
         </p:nvCxnSpPr>
@@ -36542,7 +36464,7 @@
       </p:cxnSp>
       <p:grpSp>
         <p:nvGrpSpPr>
-          <p:cNvPr id="583" name="Google Shape;583;g37c000b0c4c_3_0"/>
+          <p:cNvPr id="586" name="Google Shape;586;g37c000b0c4c_3_0"/>
           <p:cNvGrpSpPr/>
           <p:nvPr/>
         </p:nvGrpSpPr>
@@ -36556,7 +36478,7 @@
         </p:grpSpPr>
         <p:sp>
           <p:nvSpPr>
-            <p:cNvPr id="584" name="Google Shape;584;g37c000b0c4c_3_0"/>
+            <p:cNvPr id="587" name="Google Shape;587;g37c000b0c4c_3_0"/>
             <p:cNvSpPr/>
             <p:nvPr/>
           </p:nvSpPr>
@@ -36613,7 +36535,7 @@
         </p:sp>
         <p:grpSp>
           <p:nvGrpSpPr>
-            <p:cNvPr id="585" name="Google Shape;585;g37c000b0c4c_3_0"/>
+            <p:cNvPr id="588" name="Google Shape;588;g37c000b0c4c_3_0"/>
             <p:cNvGrpSpPr/>
             <p:nvPr/>
           </p:nvGrpSpPr>
@@ -36627,7 +36549,7 @@
           </p:grpSpPr>
           <p:sp>
             <p:nvSpPr>
-              <p:cNvPr id="586" name="Google Shape;586;g37c000b0c4c_3_0"/>
+              <p:cNvPr id="589" name="Google Shape;589;g37c000b0c4c_3_0"/>
               <p:cNvSpPr txBox="1"/>
               <p:nvPr/>
             </p:nvSpPr>
@@ -36693,7 +36615,7 @@
           </p:sp>
           <p:grpSp>
             <p:nvGrpSpPr>
-              <p:cNvPr id="587" name="Google Shape;587;g37c000b0c4c_3_0"/>
+              <p:cNvPr id="590" name="Google Shape;590;g37c000b0c4c_3_0"/>
               <p:cNvGrpSpPr/>
               <p:nvPr/>
             </p:nvGrpSpPr>
@@ -36707,7 +36629,7 @@
             </p:grpSpPr>
             <p:pic>
               <p:nvPicPr>
-                <p:cNvPr id="549" name="Google Shape;549;g37c000b0c4c_3_0"/>
+                <p:cNvPr id="552" name="Google Shape;552;g37c000b0c4c_3_0"/>
                 <p:cNvPicPr preferRelativeResize="0"/>
                 <p:nvPr/>
               </p:nvPicPr>
@@ -36734,7 +36656,7 @@
             </p:pic>
             <p:sp>
               <p:nvSpPr>
-                <p:cNvPr id="588" name="Google Shape;588;g37c000b0c4c_3_0"/>
+                <p:cNvPr id="591" name="Google Shape;591;g37c000b0c4c_3_0"/>
                 <p:cNvSpPr txBox="1"/>
                 <p:nvPr/>
               </p:nvSpPr>
@@ -36841,7 +36763,7 @@
           </p:grpSp>
           <p:sp>
             <p:nvSpPr>
-              <p:cNvPr id="589" name="Google Shape;589;g37c000b0c4c_3_0"/>
+              <p:cNvPr id="592" name="Google Shape;592;g37c000b0c4c_3_0"/>
               <p:cNvSpPr/>
               <p:nvPr/>
             </p:nvSpPr>
@@ -36898,7 +36820,7 @@
           </p:sp>
           <p:sp>
             <p:nvSpPr>
-              <p:cNvPr id="590" name="Google Shape;590;g37c000b0c4c_3_0"/>
+              <p:cNvPr id="593" name="Google Shape;593;g37c000b0c4c_3_0"/>
               <p:cNvSpPr/>
               <p:nvPr/>
             </p:nvSpPr>
@@ -36957,7 +36879,7 @@
       </p:grpSp>
       <p:sp>
         <p:nvSpPr>
-          <p:cNvPr id="591" name="Google Shape;591;g37c000b0c4c_3_0"/>
+          <p:cNvPr id="594" name="Google Shape;594;g37c000b0c4c_3_0"/>
           <p:cNvSpPr txBox="1"/>
           <p:nvPr/>
         </p:nvSpPr>
@@ -37023,10 +36945,10 @@
       </p:sp>
       <p:cxnSp>
         <p:nvCxnSpPr>
-          <p:cNvPr id="592" name="Google Shape;592;g37c000b0c4c_3_0"/>
+          <p:cNvPr id="595" name="Google Shape;595;g37c000b0c4c_3_0"/>
           <p:cNvCxnSpPr>
-            <a:stCxn id="576" idx="3"/>
-            <a:endCxn id="549" idx="1"/>
+            <a:stCxn id="579" idx="3"/>
+            <a:endCxn id="552" idx="1"/>
           </p:cNvCxnSpPr>
           <p:nvPr/>
         </p:nvCxnSpPr>
@@ -37052,7 +36974,7 @@
       </p:cxnSp>
       <p:sp>
         <p:nvSpPr>
-          <p:cNvPr id="593" name="Google Shape;593;g37c000b0c4c_3_0"/>
+          <p:cNvPr id="596" name="Google Shape;596;g37c000b0c4c_3_0"/>
           <p:cNvSpPr txBox="1"/>
           <p:nvPr/>
         </p:nvSpPr>
@@ -37146,7 +37068,7 @@
       </p:sp>
       <p:sp>
         <p:nvSpPr>
-          <p:cNvPr id="594" name="Google Shape;594;g37c000b0c4c_3_0"/>
+          <p:cNvPr id="597" name="Google Shape;597;g37c000b0c4c_3_0"/>
           <p:cNvSpPr txBox="1"/>
           <p:nvPr/>
         </p:nvSpPr>
@@ -37225,7 +37147,7 @@
       </p:sp>
       <p:sp>
         <p:nvSpPr>
-          <p:cNvPr id="595" name="Google Shape;595;g37c000b0c4c_3_0"/>
+          <p:cNvPr id="598" name="Google Shape;598;g37c000b0c4c_3_0"/>
           <p:cNvSpPr txBox="1"/>
           <p:nvPr/>
         </p:nvSpPr>
@@ -37304,7 +37226,7 @@
       </p:sp>
       <p:sp>
         <p:nvSpPr>
-          <p:cNvPr id="596" name="Google Shape;596;g37c000b0c4c_3_0"/>
+          <p:cNvPr id="599" name="Google Shape;599;g37c000b0c4c_3_0"/>
           <p:cNvSpPr txBox="1"/>
           <p:nvPr/>
         </p:nvSpPr>
@@ -37394,7 +37316,7 @@
   <p:cSld>
     <p:spTree>
       <p:nvGrpSpPr>
-        <p:cNvPr id="600" name="Shape 600"/>
+        <p:cNvPr id="603" name="Shape 603"/>
         <p:cNvGrpSpPr/>
         <p:nvPr/>
       </p:nvGrpSpPr>
@@ -37408,7 +37330,7 @@
       </p:grpSpPr>
       <p:sp>
         <p:nvSpPr>
-          <p:cNvPr id="601" name="Google Shape;601;p128"/>
+          <p:cNvPr id="604" name="Google Shape;604;p128"/>
           <p:cNvSpPr txBox="1"/>
           <p:nvPr>
             <p:ph type="title"/>
@@ -37456,7 +37378,7 @@
       </p:sp>
       <p:sp>
         <p:nvSpPr>
-          <p:cNvPr id="602" name="Google Shape;602;p128">
+          <p:cNvPr id="605" name="Google Shape;605;p128">
             <a:hlinkClick r:id="rId3"/>
           </p:cNvPr>
           <p:cNvSpPr txBox="1"/>
@@ -37524,21 +37446,22 @@
       </p:sp>
       <p:pic>
         <p:nvPicPr>
-          <p:cNvPr id="603" name="Google Shape;603;p128"/>
+          <p:cNvPr id="606" name="Google Shape;606;p128" title="dapr-agents.png"/>
           <p:cNvPicPr preferRelativeResize="0"/>
           <p:nvPr/>
         </p:nvPicPr>
-        <p:blipFill rotWithShape="1">
+        <p:blipFill>
           <a:blip r:embed="rId4">
             <a:alphaModFix/>
           </a:blip>
-          <a:srcRect b="0" l="0" r="0" t="0"/>
-          <a:stretch/>
+          <a:stretch>
+            <a:fillRect/>
+          </a:stretch>
         </p:blipFill>
         <p:spPr>
           <a:xfrm>
-            <a:off x="5272948" y="1611900"/>
-            <a:ext cx="1646100" cy="1646100"/>
+            <a:off x="5334650" y="1796625"/>
+            <a:ext cx="1522600" cy="1522600"/>
           </a:xfrm>
           <a:prstGeom prst="rect">
             <a:avLst/>
@@ -37562,7 +37485,7 @@
   <p:cSld>
     <p:spTree>
       <p:nvGrpSpPr>
-        <p:cNvPr id="607" name="Shape 607"/>
+        <p:cNvPr id="610" name="Shape 610"/>
         <p:cNvGrpSpPr/>
         <p:nvPr/>
       </p:nvGrpSpPr>
@@ -37576,7 +37499,7 @@
       </p:grpSpPr>
       <p:sp>
         <p:nvSpPr>
-          <p:cNvPr id="608" name="Google Shape;608;g35cd725ba4c_2_45"/>
+          <p:cNvPr id="611" name="Google Shape;611;g35cd725ba4c_2_45"/>
           <p:cNvSpPr txBox="1"/>
           <p:nvPr>
             <p:ph type="title"/>
@@ -37624,7 +37547,7 @@
       </p:sp>
       <p:grpSp>
         <p:nvGrpSpPr>
-          <p:cNvPr id="609" name="Google Shape;609;g35cd725ba4c_2_45"/>
+          <p:cNvPr id="612" name="Google Shape;612;g35cd725ba4c_2_45"/>
           <p:cNvGrpSpPr/>
           <p:nvPr/>
         </p:nvGrpSpPr>
@@ -37638,7 +37561,7 @@
         </p:grpSpPr>
         <p:sp>
           <p:nvSpPr>
-            <p:cNvPr id="610" name="Google Shape;610;g35cd725ba4c_2_45"/>
+            <p:cNvPr id="613" name="Google Shape;613;g35cd725ba4c_2_45"/>
             <p:cNvSpPr/>
             <p:nvPr/>
           </p:nvSpPr>
@@ -37695,7 +37618,7 @@
         </p:sp>
         <p:grpSp>
           <p:nvGrpSpPr>
-            <p:cNvPr id="611" name="Google Shape;611;g35cd725ba4c_2_45"/>
+            <p:cNvPr id="614" name="Google Shape;614;g35cd725ba4c_2_45"/>
             <p:cNvGrpSpPr/>
             <p:nvPr/>
           </p:nvGrpSpPr>
@@ -37709,7 +37632,7 @@
           </p:grpSpPr>
           <p:sp>
             <p:nvSpPr>
-              <p:cNvPr id="612" name="Google Shape;612;g35cd725ba4c_2_45"/>
+              <p:cNvPr id="615" name="Google Shape;615;g35cd725ba4c_2_45"/>
               <p:cNvSpPr txBox="1"/>
               <p:nvPr/>
             </p:nvSpPr>
@@ -37775,7 +37698,7 @@
           </p:sp>
           <p:grpSp>
             <p:nvGrpSpPr>
-              <p:cNvPr id="613" name="Google Shape;613;g35cd725ba4c_2_45"/>
+              <p:cNvPr id="616" name="Google Shape;616;g35cd725ba4c_2_45"/>
               <p:cNvGrpSpPr/>
               <p:nvPr/>
             </p:nvGrpSpPr>
@@ -37789,7 +37712,7 @@
             </p:grpSpPr>
             <p:pic>
               <p:nvPicPr>
-                <p:cNvPr id="614" name="Google Shape;614;g35cd725ba4c_2_45"/>
+                <p:cNvPr id="617" name="Google Shape;617;g35cd725ba4c_2_45"/>
                 <p:cNvPicPr preferRelativeResize="0"/>
                 <p:nvPr/>
               </p:nvPicPr>
@@ -37816,7 +37739,7 @@
             </p:pic>
             <p:sp>
               <p:nvSpPr>
-                <p:cNvPr id="615" name="Google Shape;615;g35cd725ba4c_2_45"/>
+                <p:cNvPr id="618" name="Google Shape;618;g35cd725ba4c_2_45"/>
                 <p:cNvSpPr txBox="1"/>
                 <p:nvPr/>
               </p:nvSpPr>
@@ -37923,9 +37846,9 @@
           </p:grpSp>
           <p:cxnSp>
             <p:nvCxnSpPr>
-              <p:cNvPr id="616" name="Google Shape;616;g35cd725ba4c_2_45"/>
+              <p:cNvPr id="619" name="Google Shape;619;g35cd725ba4c_2_45"/>
               <p:cNvCxnSpPr>
-                <a:endCxn id="614" idx="1"/>
+                <a:endCxn id="617" idx="1"/>
               </p:cNvCxnSpPr>
               <p:nvPr/>
             </p:nvCxnSpPr>
@@ -37951,7 +37874,7 @@
           </p:cxnSp>
           <p:sp>
             <p:nvSpPr>
-              <p:cNvPr id="617" name="Google Shape;617;g35cd725ba4c_2_45"/>
+              <p:cNvPr id="620" name="Google Shape;620;g35cd725ba4c_2_45"/>
               <p:cNvSpPr/>
               <p:nvPr/>
             </p:nvSpPr>
@@ -38008,7 +37931,7 @@
           </p:sp>
           <p:sp>
             <p:nvSpPr>
-              <p:cNvPr id="618" name="Google Shape;618;g35cd725ba4c_2_45"/>
+              <p:cNvPr id="621" name="Google Shape;621;g35cd725ba4c_2_45"/>
               <p:cNvSpPr/>
               <p:nvPr/>
             </p:nvSpPr>
@@ -38067,7 +37990,7 @@
       </p:grpSp>
       <p:pic>
         <p:nvPicPr>
-          <p:cNvPr id="619" name="Google Shape;619;g35cd725ba4c_2_45"/>
+          <p:cNvPr id="622" name="Google Shape;622;g35cd725ba4c_2_45"/>
           <p:cNvPicPr preferRelativeResize="0"/>
           <p:nvPr/>
         </p:nvPicPr>
@@ -38094,7 +38017,7 @@
       </p:pic>
       <p:sp>
         <p:nvSpPr>
-          <p:cNvPr id="620" name="Google Shape;620;g35cd725ba4c_2_45"/>
+          <p:cNvPr id="623" name="Google Shape;623;g35cd725ba4c_2_45"/>
           <p:cNvSpPr txBox="1"/>
           <p:nvPr/>
         </p:nvSpPr>
@@ -38160,7 +38083,7 @@
       </p:sp>
       <p:sp>
         <p:nvSpPr>
-          <p:cNvPr id="621" name="Google Shape;621;g35cd725ba4c_2_45"/>
+          <p:cNvPr id="624" name="Google Shape;624;g35cd725ba4c_2_45"/>
           <p:cNvSpPr/>
           <p:nvPr/>
         </p:nvSpPr>
@@ -38225,9 +38148,9 @@
       </p:sp>
       <p:cxnSp>
         <p:nvCxnSpPr>
-          <p:cNvPr id="622" name="Google Shape;622;g35cd725ba4c_2_45"/>
+          <p:cNvPr id="625" name="Google Shape;625;g35cd725ba4c_2_45"/>
           <p:cNvCxnSpPr>
-            <a:endCxn id="614" idx="0"/>
+            <a:endCxn id="617" idx="0"/>
           </p:cNvCxnSpPr>
           <p:nvPr/>
         </p:nvCxnSpPr>
@@ -38253,9 +38176,9 @@
       </p:cxnSp>
       <p:cxnSp>
         <p:nvCxnSpPr>
-          <p:cNvPr id="623" name="Google Shape;623;g35cd725ba4c_2_45"/>
+          <p:cNvPr id="626" name="Google Shape;626;g35cd725ba4c_2_45"/>
           <p:cNvCxnSpPr>
-            <a:endCxn id="614" idx="0"/>
+            <a:endCxn id="617" idx="0"/>
           </p:cNvCxnSpPr>
           <p:nvPr/>
         </p:nvCxnSpPr>
@@ -38281,7 +38204,7 @@
       </p:cxnSp>
       <p:grpSp>
         <p:nvGrpSpPr>
-          <p:cNvPr id="624" name="Google Shape;624;g35cd725ba4c_2_45"/>
+          <p:cNvPr id="627" name="Google Shape;627;g35cd725ba4c_2_45"/>
           <p:cNvGrpSpPr/>
           <p:nvPr/>
         </p:nvGrpSpPr>
@@ -38295,7 +38218,7 @@
         </p:grpSpPr>
         <p:grpSp>
           <p:nvGrpSpPr>
-            <p:cNvPr id="625" name="Google Shape;625;g35cd725ba4c_2_45"/>
+            <p:cNvPr id="628" name="Google Shape;628;g35cd725ba4c_2_45"/>
             <p:cNvGrpSpPr/>
             <p:nvPr/>
           </p:nvGrpSpPr>
@@ -38309,7 +38232,7 @@
           </p:grpSpPr>
           <p:grpSp>
             <p:nvGrpSpPr>
-              <p:cNvPr id="626" name="Google Shape;626;g35cd725ba4c_2_45"/>
+              <p:cNvPr id="629" name="Google Shape;629;g35cd725ba4c_2_45"/>
               <p:cNvGrpSpPr/>
               <p:nvPr/>
             </p:nvGrpSpPr>
@@ -38323,7 +38246,7 @@
             </p:grpSpPr>
             <p:pic>
               <p:nvPicPr>
-                <p:cNvPr id="627" name="Google Shape;627;g35cd725ba4c_2_45"/>
+                <p:cNvPr id="630" name="Google Shape;630;g35cd725ba4c_2_45"/>
                 <p:cNvPicPr preferRelativeResize="0"/>
                 <p:nvPr/>
               </p:nvPicPr>
@@ -38350,7 +38273,7 @@
             </p:pic>
             <p:sp>
               <p:nvSpPr>
-                <p:cNvPr id="628" name="Google Shape;628;g35cd725ba4c_2_45"/>
+                <p:cNvPr id="631" name="Google Shape;631;g35cd725ba4c_2_45"/>
                 <p:cNvSpPr txBox="1"/>
                 <p:nvPr/>
               </p:nvSpPr>
@@ -38417,7 +38340,7 @@
           </p:grpSp>
           <p:grpSp>
             <p:nvGrpSpPr>
-              <p:cNvPr id="629" name="Google Shape;629;g35cd725ba4c_2_45"/>
+              <p:cNvPr id="632" name="Google Shape;632;g35cd725ba4c_2_45"/>
               <p:cNvGrpSpPr/>
               <p:nvPr/>
             </p:nvGrpSpPr>
@@ -38431,7 +38354,7 @@
             </p:grpSpPr>
             <p:pic>
               <p:nvPicPr>
-                <p:cNvPr id="630" name="Google Shape;630;g35cd725ba4c_2_45"/>
+                <p:cNvPr id="633" name="Google Shape;633;g35cd725ba4c_2_45"/>
                 <p:cNvPicPr preferRelativeResize="0"/>
                 <p:nvPr/>
               </p:nvPicPr>
@@ -38458,7 +38381,7 @@
             </p:pic>
             <p:sp>
               <p:nvSpPr>
-                <p:cNvPr id="631" name="Google Shape;631;g35cd725ba4c_2_45"/>
+                <p:cNvPr id="634" name="Google Shape;634;g35cd725ba4c_2_45"/>
                 <p:cNvSpPr txBox="1"/>
                 <p:nvPr/>
               </p:nvSpPr>
@@ -38525,7 +38448,7 @@
           </p:grpSp>
           <p:sp>
             <p:nvSpPr>
-              <p:cNvPr id="632" name="Google Shape;632;g35cd725ba4c_2_45"/>
+              <p:cNvPr id="635" name="Google Shape;635;g35cd725ba4c_2_45"/>
               <p:cNvSpPr/>
               <p:nvPr/>
             </p:nvSpPr>
@@ -38591,7 +38514,7 @@
         </p:grpSp>
         <p:pic>
           <p:nvPicPr>
-            <p:cNvPr descr="Gandalf emoji | AI Emoji Generator" id="633" name="Google Shape;633;g35cd725ba4c_2_45"/>
+            <p:cNvPr descr="Gandalf emoji | AI Emoji Generator" id="636" name="Google Shape;636;g35cd725ba4c_2_45"/>
             <p:cNvPicPr preferRelativeResize="0"/>
             <p:nvPr/>
           </p:nvPicPr>
@@ -38618,7 +38541,7 @@
         </p:pic>
         <p:grpSp>
           <p:nvGrpSpPr>
-            <p:cNvPr id="634" name="Google Shape;634;g35cd725ba4c_2_45"/>
+            <p:cNvPr id="637" name="Google Shape;637;g35cd725ba4c_2_45"/>
             <p:cNvGrpSpPr/>
             <p:nvPr/>
           </p:nvGrpSpPr>
@@ -38632,7 +38555,7 @@
           </p:grpSpPr>
           <p:grpSp>
             <p:nvGrpSpPr>
-              <p:cNvPr id="635" name="Google Shape;635;g35cd725ba4c_2_45"/>
+              <p:cNvPr id="638" name="Google Shape;638;g35cd725ba4c_2_45"/>
               <p:cNvGrpSpPr/>
               <p:nvPr/>
             </p:nvGrpSpPr>
@@ -38646,7 +38569,7 @@
             </p:grpSpPr>
             <p:pic>
               <p:nvPicPr>
-                <p:cNvPr id="636" name="Google Shape;636;g35cd725ba4c_2_45"/>
+                <p:cNvPr id="639" name="Google Shape;639;g35cd725ba4c_2_45"/>
                 <p:cNvPicPr preferRelativeResize="0"/>
                 <p:nvPr/>
               </p:nvPicPr>
@@ -38673,7 +38596,7 @@
             </p:pic>
             <p:sp>
               <p:nvSpPr>
-                <p:cNvPr id="637" name="Google Shape;637;g35cd725ba4c_2_45"/>
+                <p:cNvPr id="640" name="Google Shape;640;g35cd725ba4c_2_45"/>
                 <p:cNvSpPr txBox="1"/>
                 <p:nvPr/>
               </p:nvSpPr>
@@ -38740,7 +38663,7 @@
           </p:grpSp>
           <p:grpSp>
             <p:nvGrpSpPr>
-              <p:cNvPr id="638" name="Google Shape;638;g35cd725ba4c_2_45"/>
+              <p:cNvPr id="641" name="Google Shape;641;g35cd725ba4c_2_45"/>
               <p:cNvGrpSpPr/>
               <p:nvPr/>
             </p:nvGrpSpPr>
@@ -38754,7 +38677,7 @@
             </p:grpSpPr>
             <p:pic>
               <p:nvPicPr>
-                <p:cNvPr id="639" name="Google Shape;639;g35cd725ba4c_2_45"/>
+                <p:cNvPr id="642" name="Google Shape;642;g35cd725ba4c_2_45"/>
                 <p:cNvPicPr preferRelativeResize="0"/>
                 <p:nvPr/>
               </p:nvPicPr>
@@ -38781,7 +38704,7 @@
             </p:pic>
             <p:sp>
               <p:nvSpPr>
-                <p:cNvPr id="640" name="Google Shape;640;g35cd725ba4c_2_45"/>
+                <p:cNvPr id="643" name="Google Shape;643;g35cd725ba4c_2_45"/>
                 <p:cNvSpPr txBox="1"/>
                 <p:nvPr/>
               </p:nvSpPr>
@@ -38848,7 +38771,7 @@
           </p:grpSp>
           <p:sp>
             <p:nvSpPr>
-              <p:cNvPr id="641" name="Google Shape;641;g35cd725ba4c_2_45"/>
+              <p:cNvPr id="644" name="Google Shape;644;g35cd725ba4c_2_45"/>
               <p:cNvSpPr/>
               <p:nvPr/>
             </p:nvSpPr>
@@ -38914,7 +38837,7 @@
         </p:grpSp>
         <p:grpSp>
           <p:nvGrpSpPr>
-            <p:cNvPr id="642" name="Google Shape;642;g35cd725ba4c_2_45"/>
+            <p:cNvPr id="645" name="Google Shape;645;g35cd725ba4c_2_45"/>
             <p:cNvGrpSpPr/>
             <p:nvPr/>
           </p:nvGrpSpPr>
@@ -38928,7 +38851,7 @@
           </p:grpSpPr>
           <p:grpSp>
             <p:nvGrpSpPr>
-              <p:cNvPr id="643" name="Google Shape;643;g35cd725ba4c_2_45"/>
+              <p:cNvPr id="646" name="Google Shape;646;g35cd725ba4c_2_45"/>
               <p:cNvGrpSpPr/>
               <p:nvPr/>
             </p:nvGrpSpPr>
@@ -38942,7 +38865,7 @@
             </p:grpSpPr>
             <p:pic>
               <p:nvPicPr>
-                <p:cNvPr id="644" name="Google Shape;644;g35cd725ba4c_2_45"/>
+                <p:cNvPr id="647" name="Google Shape;647;g35cd725ba4c_2_45"/>
                 <p:cNvPicPr preferRelativeResize="0"/>
                 <p:nvPr/>
               </p:nvPicPr>
@@ -38969,7 +38892,7 @@
             </p:pic>
             <p:sp>
               <p:nvSpPr>
-                <p:cNvPr id="645" name="Google Shape;645;g35cd725ba4c_2_45"/>
+                <p:cNvPr id="648" name="Google Shape;648;g35cd725ba4c_2_45"/>
                 <p:cNvSpPr txBox="1"/>
                 <p:nvPr/>
               </p:nvSpPr>
@@ -39036,7 +38959,7 @@
           </p:grpSp>
           <p:grpSp>
             <p:nvGrpSpPr>
-              <p:cNvPr id="646" name="Google Shape;646;g35cd725ba4c_2_45"/>
+              <p:cNvPr id="649" name="Google Shape;649;g35cd725ba4c_2_45"/>
               <p:cNvGrpSpPr/>
               <p:nvPr/>
             </p:nvGrpSpPr>
@@ -39050,7 +38973,7 @@
             </p:grpSpPr>
             <p:pic>
               <p:nvPicPr>
-                <p:cNvPr id="647" name="Google Shape;647;g35cd725ba4c_2_45"/>
+                <p:cNvPr id="650" name="Google Shape;650;g35cd725ba4c_2_45"/>
                 <p:cNvPicPr preferRelativeResize="0"/>
                 <p:nvPr/>
               </p:nvPicPr>
@@ -39077,7 +39000,7 @@
             </p:pic>
             <p:sp>
               <p:nvSpPr>
-                <p:cNvPr id="648" name="Google Shape;648;g35cd725ba4c_2_45"/>
+                <p:cNvPr id="651" name="Google Shape;651;g35cd725ba4c_2_45"/>
                 <p:cNvSpPr txBox="1"/>
                 <p:nvPr/>
               </p:nvSpPr>
@@ -39144,7 +39067,7 @@
           </p:grpSp>
           <p:sp>
             <p:nvSpPr>
-              <p:cNvPr id="649" name="Google Shape;649;g35cd725ba4c_2_45"/>
+              <p:cNvPr id="652" name="Google Shape;652;g35cd725ba4c_2_45"/>
               <p:cNvSpPr/>
               <p:nvPr/>
             </p:nvSpPr>
@@ -39210,7 +39133,7 @@
         </p:grpSp>
         <p:pic>
           <p:nvPicPr>
-            <p:cNvPr descr="Legolas elf emoji | AI Emoji Generator" id="650" name="Google Shape;650;g35cd725ba4c_2_45"/>
+            <p:cNvPr descr="Legolas elf emoji | AI Emoji Generator" id="653" name="Google Shape;653;g35cd725ba4c_2_45"/>
             <p:cNvPicPr preferRelativeResize="0"/>
             <p:nvPr/>
           </p:nvPicPr>
@@ -39237,7 +39160,7 @@
         </p:pic>
         <p:pic>
           <p:nvPicPr>
-            <p:cNvPr descr="Hobbit emoji | AI Emoji Generator" id="651" name="Google Shape;651;g35cd725ba4c_2_45"/>
+            <p:cNvPr descr="Hobbit emoji | AI Emoji Generator" id="654" name="Google Shape;654;g35cd725ba4c_2_45"/>
             <p:cNvPicPr preferRelativeResize="0"/>
             <p:nvPr/>
           </p:nvPicPr>
@@ -39265,7 +39188,7 @@
       </p:grpSp>
       <p:sp>
         <p:nvSpPr>
-          <p:cNvPr id="652" name="Google Shape;652;g35cd725ba4c_2_45"/>
+          <p:cNvPr id="655" name="Google Shape;655;g35cd725ba4c_2_45"/>
           <p:cNvSpPr/>
           <p:nvPr/>
         </p:nvSpPr>
@@ -39332,7 +39255,7 @@
       </p:sp>
       <p:sp>
         <p:nvSpPr>
-          <p:cNvPr id="653" name="Google Shape;653;g35cd725ba4c_2_45"/>
+          <p:cNvPr id="656" name="Google Shape;656;g35cd725ba4c_2_45"/>
           <p:cNvSpPr txBox="1"/>
           <p:nvPr/>
         </p:nvSpPr>
@@ -39398,7 +39321,7 @@
       </p:sp>
       <p:pic>
         <p:nvPicPr>
-          <p:cNvPr id="654" name="Google Shape;654;g35cd725ba4c_2_45"/>
+          <p:cNvPr id="657" name="Google Shape;657;g35cd725ba4c_2_45"/>
           <p:cNvPicPr preferRelativeResize="0"/>
           <p:nvPr/>
         </p:nvPicPr>
@@ -39425,7 +39348,7 @@
       </p:pic>
       <p:pic>
         <p:nvPicPr>
-          <p:cNvPr id="655" name="Google Shape;655;g35cd725ba4c_2_45"/>
+          <p:cNvPr id="658" name="Google Shape;658;g35cd725ba4c_2_45"/>
           <p:cNvPicPr preferRelativeResize="0"/>
           <p:nvPr/>
         </p:nvPicPr>
@@ -39452,7 +39375,7 @@
       </p:pic>
       <p:pic>
         <p:nvPicPr>
-          <p:cNvPr id="656" name="Google Shape;656;g35cd725ba4c_2_45"/>
+          <p:cNvPr id="659" name="Google Shape;659;g35cd725ba4c_2_45"/>
           <p:cNvPicPr preferRelativeResize="0"/>
           <p:nvPr/>
         </p:nvPicPr>
@@ -39479,7 +39402,7 @@
       </p:pic>
       <p:pic>
         <p:nvPicPr>
-          <p:cNvPr id="657" name="Google Shape;657;g35cd725ba4c_2_45"/>
+          <p:cNvPr id="660" name="Google Shape;660;g35cd725ba4c_2_45"/>
           <p:cNvPicPr preferRelativeResize="0"/>
           <p:nvPr/>
         </p:nvPicPr>
@@ -39506,7 +39429,7 @@
       </p:pic>
       <p:pic>
         <p:nvPicPr>
-          <p:cNvPr id="658" name="Google Shape;658;g35cd725ba4c_2_45"/>
+          <p:cNvPr id="661" name="Google Shape;661;g35cd725ba4c_2_45"/>
           <p:cNvPicPr preferRelativeResize="0"/>
           <p:nvPr/>
         </p:nvPicPr>
@@ -39533,7 +39456,7 @@
       </p:pic>
       <p:sp>
         <p:nvSpPr>
-          <p:cNvPr id="659" name="Google Shape;659;g35cd725ba4c_2_45"/>
+          <p:cNvPr id="662" name="Google Shape;662;g35cd725ba4c_2_45"/>
           <p:cNvSpPr txBox="1"/>
           <p:nvPr/>
         </p:nvSpPr>
@@ -39599,7 +39522,7 @@
       </p:sp>
       <p:sp>
         <p:nvSpPr>
-          <p:cNvPr id="660" name="Google Shape;660;g35cd725ba4c_2_45"/>
+          <p:cNvPr id="663" name="Google Shape;663;g35cd725ba4c_2_45"/>
           <p:cNvSpPr txBox="1"/>
           <p:nvPr/>
         </p:nvSpPr>
@@ -39688,7 +39611,7 @@
       </p:sp>
       <p:sp>
         <p:nvSpPr>
-          <p:cNvPr id="661" name="Google Shape;661;g35cd725ba4c_2_45"/>
+          <p:cNvPr id="664" name="Google Shape;664;g35cd725ba4c_2_45"/>
           <p:cNvSpPr/>
           <p:nvPr/>
         </p:nvSpPr>
@@ -39753,9 +39676,9 @@
       </p:sp>
       <p:cxnSp>
         <p:nvCxnSpPr>
-          <p:cNvPr id="662" name="Google Shape;662;g35cd725ba4c_2_45"/>
+          <p:cNvPr id="665" name="Google Shape;665;g35cd725ba4c_2_45"/>
           <p:cNvCxnSpPr>
-            <a:endCxn id="661" idx="3"/>
+            <a:endCxn id="664" idx="3"/>
           </p:cNvCxnSpPr>
           <p:nvPr/>
         </p:nvCxnSpPr>
@@ -39781,9 +39704,9 @@
       </p:cxnSp>
       <p:cxnSp>
         <p:nvCxnSpPr>
-          <p:cNvPr id="663" name="Google Shape;663;g35cd725ba4c_2_45"/>
+          <p:cNvPr id="666" name="Google Shape;666;g35cd725ba4c_2_45"/>
           <p:cNvCxnSpPr>
-            <a:endCxn id="614" idx="0"/>
+            <a:endCxn id="617" idx="0"/>
           </p:cNvCxnSpPr>
           <p:nvPr/>
         </p:nvCxnSpPr>
@@ -39809,7 +39732,7 @@
       </p:cxnSp>
       <p:sp>
         <p:nvSpPr>
-          <p:cNvPr id="664" name="Google Shape;664;g35cd725ba4c_2_45"/>
+          <p:cNvPr id="667" name="Google Shape;667;g35cd725ba4c_2_45"/>
           <p:cNvSpPr/>
           <p:nvPr/>
         </p:nvSpPr>
@@ -39878,7 +39801,7 @@
       </p:sp>
       <p:sp>
         <p:nvSpPr>
-          <p:cNvPr id="665" name="Google Shape;665;g35cd725ba4c_2_45"/>
+          <p:cNvPr id="668" name="Google Shape;668;g35cd725ba4c_2_45"/>
           <p:cNvSpPr txBox="1"/>
           <p:nvPr/>
         </p:nvSpPr>
@@ -40001,7 +39924,7 @@
   <p:cSld>
     <p:spTree>
       <p:nvGrpSpPr>
-        <p:cNvPr id="669" name="Shape 669"/>
+        <p:cNvPr id="672" name="Shape 672"/>
         <p:cNvGrpSpPr/>
         <p:nvPr/>
       </p:nvGrpSpPr>
@@ -40015,7 +39938,7 @@
       </p:grpSpPr>
       <p:sp>
         <p:nvSpPr>
-          <p:cNvPr id="670" name="Google Shape;670;g35cd725ba4c_2_106"/>
+          <p:cNvPr id="673" name="Google Shape;673;g35cd725ba4c_2_106"/>
           <p:cNvSpPr txBox="1"/>
           <p:nvPr>
             <p:ph type="title"/>
@@ -40060,7 +39983,7 @@
       </p:sp>
       <p:grpSp>
         <p:nvGrpSpPr>
-          <p:cNvPr id="671" name="Google Shape;671;g35cd725ba4c_2_106"/>
+          <p:cNvPr id="674" name="Google Shape;674;g35cd725ba4c_2_106"/>
           <p:cNvGrpSpPr/>
           <p:nvPr/>
         </p:nvGrpSpPr>
@@ -40074,7 +39997,7 @@
         </p:grpSpPr>
         <p:sp>
           <p:nvSpPr>
-            <p:cNvPr id="672" name="Google Shape;672;g35cd725ba4c_2_106"/>
+            <p:cNvPr id="675" name="Google Shape;675;g35cd725ba4c_2_106"/>
             <p:cNvSpPr/>
             <p:nvPr/>
           </p:nvSpPr>
@@ -40131,7 +40054,7 @@
         </p:sp>
         <p:grpSp>
           <p:nvGrpSpPr>
-            <p:cNvPr id="673" name="Google Shape;673;g35cd725ba4c_2_106"/>
+            <p:cNvPr id="676" name="Google Shape;676;g35cd725ba4c_2_106"/>
             <p:cNvGrpSpPr/>
             <p:nvPr/>
           </p:nvGrpSpPr>
@@ -40145,7 +40068,7 @@
           </p:grpSpPr>
           <p:sp>
             <p:nvSpPr>
-              <p:cNvPr id="674" name="Google Shape;674;g35cd725ba4c_2_106"/>
+              <p:cNvPr id="677" name="Google Shape;677;g35cd725ba4c_2_106"/>
               <p:cNvSpPr txBox="1"/>
               <p:nvPr/>
             </p:nvSpPr>
@@ -40211,7 +40134,7 @@
           </p:sp>
           <p:grpSp>
             <p:nvGrpSpPr>
-              <p:cNvPr id="675" name="Google Shape;675;g35cd725ba4c_2_106"/>
+              <p:cNvPr id="678" name="Google Shape;678;g35cd725ba4c_2_106"/>
               <p:cNvGrpSpPr/>
               <p:nvPr/>
             </p:nvGrpSpPr>
@@ -40225,7 +40148,7 @@
             </p:grpSpPr>
             <p:pic>
               <p:nvPicPr>
-                <p:cNvPr id="676" name="Google Shape;676;g35cd725ba4c_2_106"/>
+                <p:cNvPr id="679" name="Google Shape;679;g35cd725ba4c_2_106"/>
                 <p:cNvPicPr preferRelativeResize="0"/>
                 <p:nvPr/>
               </p:nvPicPr>
@@ -40252,7 +40175,7 @@
             </p:pic>
             <p:sp>
               <p:nvSpPr>
-                <p:cNvPr id="677" name="Google Shape;677;g35cd725ba4c_2_106"/>
+                <p:cNvPr id="680" name="Google Shape;680;g35cd725ba4c_2_106"/>
                 <p:cNvSpPr txBox="1"/>
                 <p:nvPr/>
               </p:nvSpPr>
@@ -40359,9 +40282,9 @@
           </p:grpSp>
           <p:cxnSp>
             <p:nvCxnSpPr>
-              <p:cNvPr id="678" name="Google Shape;678;g35cd725ba4c_2_106"/>
+              <p:cNvPr id="681" name="Google Shape;681;g35cd725ba4c_2_106"/>
               <p:cNvCxnSpPr>
-                <a:endCxn id="676" idx="1"/>
+                <a:endCxn id="679" idx="1"/>
               </p:cNvCxnSpPr>
               <p:nvPr/>
             </p:nvCxnSpPr>
@@ -40387,7 +40310,7 @@
           </p:cxnSp>
           <p:sp>
             <p:nvSpPr>
-              <p:cNvPr id="679" name="Google Shape;679;g35cd725ba4c_2_106"/>
+              <p:cNvPr id="682" name="Google Shape;682;g35cd725ba4c_2_106"/>
               <p:cNvSpPr/>
               <p:nvPr/>
             </p:nvSpPr>
@@ -40444,7 +40367,7 @@
           </p:sp>
           <p:sp>
             <p:nvSpPr>
-              <p:cNvPr id="680" name="Google Shape;680;g35cd725ba4c_2_106"/>
+              <p:cNvPr id="683" name="Google Shape;683;g35cd725ba4c_2_106"/>
               <p:cNvSpPr/>
               <p:nvPr/>
             </p:nvSpPr>
@@ -40503,7 +40426,7 @@
       </p:grpSp>
       <p:pic>
         <p:nvPicPr>
-          <p:cNvPr id="681" name="Google Shape;681;g35cd725ba4c_2_106"/>
+          <p:cNvPr id="684" name="Google Shape;684;g35cd725ba4c_2_106"/>
           <p:cNvPicPr preferRelativeResize="0"/>
           <p:nvPr/>
         </p:nvPicPr>
@@ -40530,7 +40453,7 @@
       </p:pic>
       <p:sp>
         <p:nvSpPr>
-          <p:cNvPr id="682" name="Google Shape;682;g35cd725ba4c_2_106"/>
+          <p:cNvPr id="685" name="Google Shape;685;g35cd725ba4c_2_106"/>
           <p:cNvSpPr txBox="1"/>
           <p:nvPr/>
         </p:nvSpPr>
@@ -40596,7 +40519,7 @@
       </p:sp>
       <p:sp>
         <p:nvSpPr>
-          <p:cNvPr id="683" name="Google Shape;683;g35cd725ba4c_2_106"/>
+          <p:cNvPr id="686" name="Google Shape;686;g35cd725ba4c_2_106"/>
           <p:cNvSpPr/>
           <p:nvPr/>
         </p:nvSpPr>
@@ -40661,9 +40584,9 @@
       </p:sp>
       <p:cxnSp>
         <p:nvCxnSpPr>
-          <p:cNvPr id="684" name="Google Shape;684;g35cd725ba4c_2_106"/>
+          <p:cNvPr id="687" name="Google Shape;687;g35cd725ba4c_2_106"/>
           <p:cNvCxnSpPr>
-            <a:endCxn id="676" idx="0"/>
+            <a:endCxn id="679" idx="0"/>
           </p:cNvCxnSpPr>
           <p:nvPr/>
         </p:nvCxnSpPr>
@@ -40689,9 +40612,9 @@
       </p:cxnSp>
       <p:cxnSp>
         <p:nvCxnSpPr>
-          <p:cNvPr id="685" name="Google Shape;685;g35cd725ba4c_2_106"/>
+          <p:cNvPr id="688" name="Google Shape;688;g35cd725ba4c_2_106"/>
           <p:cNvCxnSpPr>
-            <a:endCxn id="676" idx="0"/>
+            <a:endCxn id="679" idx="0"/>
           </p:cNvCxnSpPr>
           <p:nvPr/>
         </p:nvCxnSpPr>
@@ -40717,7 +40640,7 @@
       </p:cxnSp>
       <p:grpSp>
         <p:nvGrpSpPr>
-          <p:cNvPr id="686" name="Google Shape;686;g35cd725ba4c_2_106"/>
+          <p:cNvPr id="689" name="Google Shape;689;g35cd725ba4c_2_106"/>
           <p:cNvGrpSpPr/>
           <p:nvPr/>
         </p:nvGrpSpPr>
@@ -40731,7 +40654,7 @@
         </p:grpSpPr>
         <p:grpSp>
           <p:nvGrpSpPr>
-            <p:cNvPr id="687" name="Google Shape;687;g35cd725ba4c_2_106"/>
+            <p:cNvPr id="690" name="Google Shape;690;g35cd725ba4c_2_106"/>
             <p:cNvGrpSpPr/>
             <p:nvPr/>
           </p:nvGrpSpPr>
@@ -40745,7 +40668,7 @@
           </p:grpSpPr>
           <p:grpSp>
             <p:nvGrpSpPr>
-              <p:cNvPr id="688" name="Google Shape;688;g35cd725ba4c_2_106"/>
+              <p:cNvPr id="691" name="Google Shape;691;g35cd725ba4c_2_106"/>
               <p:cNvGrpSpPr/>
               <p:nvPr/>
             </p:nvGrpSpPr>
@@ -40759,7 +40682,7 @@
             </p:grpSpPr>
             <p:pic>
               <p:nvPicPr>
-                <p:cNvPr id="689" name="Google Shape;689;g35cd725ba4c_2_106"/>
+                <p:cNvPr id="692" name="Google Shape;692;g35cd725ba4c_2_106"/>
                 <p:cNvPicPr preferRelativeResize="0"/>
                 <p:nvPr/>
               </p:nvPicPr>
@@ -40786,7 +40709,7 @@
             </p:pic>
             <p:sp>
               <p:nvSpPr>
-                <p:cNvPr id="690" name="Google Shape;690;g35cd725ba4c_2_106"/>
+                <p:cNvPr id="693" name="Google Shape;693;g35cd725ba4c_2_106"/>
                 <p:cNvSpPr txBox="1"/>
                 <p:nvPr/>
               </p:nvSpPr>
@@ -40853,7 +40776,7 @@
           </p:grpSp>
           <p:grpSp>
             <p:nvGrpSpPr>
-              <p:cNvPr id="691" name="Google Shape;691;g35cd725ba4c_2_106"/>
+              <p:cNvPr id="694" name="Google Shape;694;g35cd725ba4c_2_106"/>
               <p:cNvGrpSpPr/>
               <p:nvPr/>
             </p:nvGrpSpPr>
@@ -40867,7 +40790,7 @@
             </p:grpSpPr>
             <p:pic>
               <p:nvPicPr>
-                <p:cNvPr id="692" name="Google Shape;692;g35cd725ba4c_2_106"/>
+                <p:cNvPr id="695" name="Google Shape;695;g35cd725ba4c_2_106"/>
                 <p:cNvPicPr preferRelativeResize="0"/>
                 <p:nvPr/>
               </p:nvPicPr>
@@ -40894,7 +40817,7 @@
             </p:pic>
             <p:sp>
               <p:nvSpPr>
-                <p:cNvPr id="693" name="Google Shape;693;g35cd725ba4c_2_106"/>
+                <p:cNvPr id="696" name="Google Shape;696;g35cd725ba4c_2_106"/>
                 <p:cNvSpPr txBox="1"/>
                 <p:nvPr/>
               </p:nvSpPr>
@@ -40961,7 +40884,7 @@
           </p:grpSp>
           <p:sp>
             <p:nvSpPr>
-              <p:cNvPr id="694" name="Google Shape;694;g35cd725ba4c_2_106"/>
+              <p:cNvPr id="697" name="Google Shape;697;g35cd725ba4c_2_106"/>
               <p:cNvSpPr/>
               <p:nvPr/>
             </p:nvSpPr>
@@ -41027,7 +40950,7 @@
         </p:grpSp>
         <p:pic>
           <p:nvPicPr>
-            <p:cNvPr descr="Gandalf emoji | AI Emoji Generator" id="695" name="Google Shape;695;g35cd725ba4c_2_106"/>
+            <p:cNvPr descr="Gandalf emoji | AI Emoji Generator" id="698" name="Google Shape;698;g35cd725ba4c_2_106"/>
             <p:cNvPicPr preferRelativeResize="0"/>
             <p:nvPr/>
           </p:nvPicPr>
@@ -41054,7 +40977,7 @@
         </p:pic>
         <p:grpSp>
           <p:nvGrpSpPr>
-            <p:cNvPr id="696" name="Google Shape;696;g35cd725ba4c_2_106"/>
+            <p:cNvPr id="699" name="Google Shape;699;g35cd725ba4c_2_106"/>
             <p:cNvGrpSpPr/>
             <p:nvPr/>
           </p:nvGrpSpPr>
@@ -41068,7 +40991,7 @@
           </p:grpSpPr>
           <p:grpSp>
             <p:nvGrpSpPr>
-              <p:cNvPr id="697" name="Google Shape;697;g35cd725ba4c_2_106"/>
+              <p:cNvPr id="700" name="Google Shape;700;g35cd725ba4c_2_106"/>
               <p:cNvGrpSpPr/>
               <p:nvPr/>
             </p:nvGrpSpPr>
@@ -41082,7 +41005,7 @@
             </p:grpSpPr>
             <p:pic>
               <p:nvPicPr>
-                <p:cNvPr id="698" name="Google Shape;698;g35cd725ba4c_2_106"/>
+                <p:cNvPr id="701" name="Google Shape;701;g35cd725ba4c_2_106"/>
                 <p:cNvPicPr preferRelativeResize="0"/>
                 <p:nvPr/>
               </p:nvPicPr>
@@ -41109,7 +41032,7 @@
             </p:pic>
             <p:sp>
               <p:nvSpPr>
-                <p:cNvPr id="699" name="Google Shape;699;g35cd725ba4c_2_106"/>
+                <p:cNvPr id="702" name="Google Shape;702;g35cd725ba4c_2_106"/>
                 <p:cNvSpPr txBox="1"/>
                 <p:nvPr/>
               </p:nvSpPr>
@@ -41176,7 +41099,7 @@
           </p:grpSp>
           <p:grpSp>
             <p:nvGrpSpPr>
-              <p:cNvPr id="700" name="Google Shape;700;g35cd725ba4c_2_106"/>
+              <p:cNvPr id="703" name="Google Shape;703;g35cd725ba4c_2_106"/>
               <p:cNvGrpSpPr/>
               <p:nvPr/>
             </p:nvGrpSpPr>
@@ -41190,7 +41113,7 @@
             </p:grpSpPr>
             <p:pic>
               <p:nvPicPr>
-                <p:cNvPr id="701" name="Google Shape;701;g35cd725ba4c_2_106"/>
+                <p:cNvPr id="704" name="Google Shape;704;g35cd725ba4c_2_106"/>
                 <p:cNvPicPr preferRelativeResize="0"/>
                 <p:nvPr/>
               </p:nvPicPr>
@@ -41217,7 +41140,7 @@
             </p:pic>
             <p:sp>
               <p:nvSpPr>
-                <p:cNvPr id="702" name="Google Shape;702;g35cd725ba4c_2_106"/>
+                <p:cNvPr id="705" name="Google Shape;705;g35cd725ba4c_2_106"/>
                 <p:cNvSpPr txBox="1"/>
                 <p:nvPr/>
               </p:nvSpPr>
@@ -41284,7 +41207,7 @@
           </p:grpSp>
           <p:sp>
             <p:nvSpPr>
-              <p:cNvPr id="703" name="Google Shape;703;g35cd725ba4c_2_106"/>
+              <p:cNvPr id="706" name="Google Shape;706;g35cd725ba4c_2_106"/>
               <p:cNvSpPr/>
               <p:nvPr/>
             </p:nvSpPr>
@@ -41350,7 +41273,7 @@
         </p:grpSp>
         <p:grpSp>
           <p:nvGrpSpPr>
-            <p:cNvPr id="704" name="Google Shape;704;g35cd725ba4c_2_106"/>
+            <p:cNvPr id="707" name="Google Shape;707;g35cd725ba4c_2_106"/>
             <p:cNvGrpSpPr/>
             <p:nvPr/>
           </p:nvGrpSpPr>
@@ -41364,7 +41287,7 @@
           </p:grpSpPr>
           <p:grpSp>
             <p:nvGrpSpPr>
-              <p:cNvPr id="705" name="Google Shape;705;g35cd725ba4c_2_106"/>
+              <p:cNvPr id="708" name="Google Shape;708;g35cd725ba4c_2_106"/>
               <p:cNvGrpSpPr/>
               <p:nvPr/>
             </p:nvGrpSpPr>
@@ -41378,7 +41301,7 @@
             </p:grpSpPr>
             <p:pic>
               <p:nvPicPr>
-                <p:cNvPr id="706" name="Google Shape;706;g35cd725ba4c_2_106"/>
+                <p:cNvPr id="709" name="Google Shape;709;g35cd725ba4c_2_106"/>
                 <p:cNvPicPr preferRelativeResize="0"/>
                 <p:nvPr/>
               </p:nvPicPr>
@@ -41405,7 +41328,7 @@
             </p:pic>
             <p:sp>
               <p:nvSpPr>
-                <p:cNvPr id="707" name="Google Shape;707;g35cd725ba4c_2_106"/>
+                <p:cNvPr id="710" name="Google Shape;710;g35cd725ba4c_2_106"/>
                 <p:cNvSpPr txBox="1"/>
                 <p:nvPr/>
               </p:nvSpPr>
@@ -41472,7 +41395,7 @@
           </p:grpSp>
           <p:grpSp>
             <p:nvGrpSpPr>
-              <p:cNvPr id="708" name="Google Shape;708;g35cd725ba4c_2_106"/>
+              <p:cNvPr id="711" name="Google Shape;711;g35cd725ba4c_2_106"/>
               <p:cNvGrpSpPr/>
               <p:nvPr/>
             </p:nvGrpSpPr>
@@ -41486,7 +41409,7 @@
             </p:grpSpPr>
             <p:pic>
               <p:nvPicPr>
-                <p:cNvPr id="709" name="Google Shape;709;g35cd725ba4c_2_106"/>
+                <p:cNvPr id="712" name="Google Shape;712;g35cd725ba4c_2_106"/>
                 <p:cNvPicPr preferRelativeResize="0"/>
                 <p:nvPr/>
               </p:nvPicPr>
@@ -41513,7 +41436,7 @@
             </p:pic>
             <p:sp>
               <p:nvSpPr>
-                <p:cNvPr id="710" name="Google Shape;710;g35cd725ba4c_2_106"/>
+                <p:cNvPr id="713" name="Google Shape;713;g35cd725ba4c_2_106"/>
                 <p:cNvSpPr txBox="1"/>
                 <p:nvPr/>
               </p:nvSpPr>
@@ -41580,7 +41503,7 @@
           </p:grpSp>
           <p:sp>
             <p:nvSpPr>
-              <p:cNvPr id="711" name="Google Shape;711;g35cd725ba4c_2_106"/>
+              <p:cNvPr id="714" name="Google Shape;714;g35cd725ba4c_2_106"/>
               <p:cNvSpPr/>
               <p:nvPr/>
             </p:nvSpPr>
@@ -41646,7 +41569,7 @@
         </p:grpSp>
         <p:pic>
           <p:nvPicPr>
-            <p:cNvPr descr="Legolas elf emoji | AI Emoji Generator" id="712" name="Google Shape;712;g35cd725ba4c_2_106"/>
+            <p:cNvPr descr="Legolas elf emoji | AI Emoji Generator" id="715" name="Google Shape;715;g35cd725ba4c_2_106"/>
             <p:cNvPicPr preferRelativeResize="0"/>
             <p:nvPr/>
           </p:nvPicPr>
@@ -41673,7 +41596,7 @@
         </p:pic>
         <p:pic>
           <p:nvPicPr>
-            <p:cNvPr descr="Hobbit emoji | AI Emoji Generator" id="713" name="Google Shape;713;g35cd725ba4c_2_106"/>
+            <p:cNvPr descr="Hobbit emoji | AI Emoji Generator" id="716" name="Google Shape;716;g35cd725ba4c_2_106"/>
             <p:cNvPicPr preferRelativeResize="0"/>
             <p:nvPr/>
           </p:nvPicPr>
@@ -41701,7 +41624,7 @@
       </p:grpSp>
       <p:sp>
         <p:nvSpPr>
-          <p:cNvPr id="714" name="Google Shape;714;g35cd725ba4c_2_106"/>
+          <p:cNvPr id="717" name="Google Shape;717;g35cd725ba4c_2_106"/>
           <p:cNvSpPr/>
           <p:nvPr/>
         </p:nvSpPr>
@@ -41768,7 +41691,7 @@
       </p:sp>
       <p:sp>
         <p:nvSpPr>
-          <p:cNvPr id="715" name="Google Shape;715;g35cd725ba4c_2_106"/>
+          <p:cNvPr id="718" name="Google Shape;718;g35cd725ba4c_2_106"/>
           <p:cNvSpPr txBox="1"/>
           <p:nvPr/>
         </p:nvSpPr>
@@ -41834,7 +41757,7 @@
       </p:sp>
       <p:pic>
         <p:nvPicPr>
-          <p:cNvPr id="716" name="Google Shape;716;g35cd725ba4c_2_106"/>
+          <p:cNvPr id="719" name="Google Shape;719;g35cd725ba4c_2_106"/>
           <p:cNvPicPr preferRelativeResize="0"/>
           <p:nvPr/>
         </p:nvPicPr>
@@ -41861,7 +41784,7 @@
       </p:pic>
       <p:pic>
         <p:nvPicPr>
-          <p:cNvPr id="717" name="Google Shape;717;g35cd725ba4c_2_106"/>
+          <p:cNvPr id="720" name="Google Shape;720;g35cd725ba4c_2_106"/>
           <p:cNvPicPr preferRelativeResize="0"/>
           <p:nvPr/>
         </p:nvPicPr>
@@ -41888,7 +41811,7 @@
       </p:pic>
       <p:pic>
         <p:nvPicPr>
-          <p:cNvPr id="718" name="Google Shape;718;g35cd725ba4c_2_106"/>
+          <p:cNvPr id="721" name="Google Shape;721;g35cd725ba4c_2_106"/>
           <p:cNvPicPr preferRelativeResize="0"/>
           <p:nvPr/>
         </p:nvPicPr>
@@ -41915,7 +41838,7 @@
       </p:pic>
       <p:pic>
         <p:nvPicPr>
-          <p:cNvPr id="719" name="Google Shape;719;g35cd725ba4c_2_106"/>
+          <p:cNvPr id="722" name="Google Shape;722;g35cd725ba4c_2_106"/>
           <p:cNvPicPr preferRelativeResize="0"/>
           <p:nvPr/>
         </p:nvPicPr>
@@ -41942,7 +41865,7 @@
       </p:pic>
       <p:pic>
         <p:nvPicPr>
-          <p:cNvPr id="720" name="Google Shape;720;g35cd725ba4c_2_106"/>
+          <p:cNvPr id="723" name="Google Shape;723;g35cd725ba4c_2_106"/>
           <p:cNvPicPr preferRelativeResize="0"/>
           <p:nvPr/>
         </p:nvPicPr>
@@ -41969,7 +41892,7 @@
       </p:pic>
       <p:sp>
         <p:nvSpPr>
-          <p:cNvPr id="721" name="Google Shape;721;g35cd725ba4c_2_106"/>
+          <p:cNvPr id="724" name="Google Shape;724;g35cd725ba4c_2_106"/>
           <p:cNvSpPr txBox="1"/>
           <p:nvPr/>
         </p:nvSpPr>
@@ -42035,7 +41958,7 @@
       </p:sp>
       <p:sp>
         <p:nvSpPr>
-          <p:cNvPr id="722" name="Google Shape;722;g35cd725ba4c_2_106"/>
+          <p:cNvPr id="725" name="Google Shape;725;g35cd725ba4c_2_106"/>
           <p:cNvSpPr txBox="1"/>
           <p:nvPr/>
         </p:nvSpPr>
@@ -42124,7 +42047,7 @@
       </p:sp>
       <p:sp>
         <p:nvSpPr>
-          <p:cNvPr id="723" name="Google Shape;723;g35cd725ba4c_2_106"/>
+          <p:cNvPr id="726" name="Google Shape;726;g35cd725ba4c_2_106"/>
           <p:cNvSpPr/>
           <p:nvPr/>
         </p:nvSpPr>
@@ -42189,9 +42112,9 @@
       </p:sp>
       <p:cxnSp>
         <p:nvCxnSpPr>
-          <p:cNvPr id="724" name="Google Shape;724;g35cd725ba4c_2_106"/>
+          <p:cNvPr id="727" name="Google Shape;727;g35cd725ba4c_2_106"/>
           <p:cNvCxnSpPr>
-            <a:endCxn id="723" idx="3"/>
+            <a:endCxn id="726" idx="3"/>
           </p:cNvCxnSpPr>
           <p:nvPr/>
         </p:nvCxnSpPr>
@@ -42217,9 +42140,9 @@
       </p:cxnSp>
       <p:cxnSp>
         <p:nvCxnSpPr>
-          <p:cNvPr id="725" name="Google Shape;725;g35cd725ba4c_2_106"/>
+          <p:cNvPr id="728" name="Google Shape;728;g35cd725ba4c_2_106"/>
           <p:cNvCxnSpPr>
-            <a:endCxn id="676" idx="0"/>
+            <a:endCxn id="679" idx="0"/>
           </p:cNvCxnSpPr>
           <p:nvPr/>
         </p:nvCxnSpPr>
@@ -42245,7 +42168,7 @@
       </p:cxnSp>
       <p:sp>
         <p:nvSpPr>
-          <p:cNvPr id="726" name="Google Shape;726;g35cd725ba4c_2_106"/>
+          <p:cNvPr id="729" name="Google Shape;729;g35cd725ba4c_2_106"/>
           <p:cNvSpPr/>
           <p:nvPr/>
         </p:nvSpPr>
@@ -42314,7 +42237,7 @@
       </p:sp>
       <p:sp>
         <p:nvSpPr>
-          <p:cNvPr id="727" name="Google Shape;727;g35cd725ba4c_2_106"/>
+          <p:cNvPr id="730" name="Google Shape;730;g35cd725ba4c_2_106"/>
           <p:cNvSpPr txBox="1"/>
           <p:nvPr/>
         </p:nvSpPr>
@@ -42426,7 +42349,7 @@
       </p:sp>
       <p:sp>
         <p:nvSpPr>
-          <p:cNvPr id="728" name="Google Shape;728;g35cd725ba4c_2_106"/>
+          <p:cNvPr id="731" name="Google Shape;731;g35cd725ba4c_2_106"/>
           <p:cNvSpPr/>
           <p:nvPr/>
         </p:nvSpPr>
@@ -42491,7 +42414,7 @@
       </p:sp>
       <p:sp>
         <p:nvSpPr>
-          <p:cNvPr id="729" name="Google Shape;729;g35cd725ba4c_2_106"/>
+          <p:cNvPr id="732" name="Google Shape;732;g35cd725ba4c_2_106"/>
           <p:cNvSpPr txBox="1"/>
           <p:nvPr/>
         </p:nvSpPr>
@@ -42557,7 +42480,7 @@
       </p:sp>
       <p:sp>
         <p:nvSpPr>
-          <p:cNvPr id="730" name="Google Shape;730;g35cd725ba4c_2_106"/>
+          <p:cNvPr id="733" name="Google Shape;733;g35cd725ba4c_2_106"/>
           <p:cNvSpPr txBox="1"/>
           <p:nvPr/>
         </p:nvSpPr>
@@ -42623,7 +42546,7 @@
       </p:sp>
       <p:pic>
         <p:nvPicPr>
-          <p:cNvPr descr="🦅 Eagle Emoji: Meaning &amp; Usage" id="731" name="Google Shape;731;g35cd725ba4c_2_106"/>
+          <p:cNvPr descr="🦅 Eagle Emoji: Meaning &amp; Usage" id="734" name="Google Shape;734;g35cd725ba4c_2_106"/>
           <p:cNvPicPr preferRelativeResize="0"/>
           <p:nvPr/>
         </p:nvPicPr>
@@ -42650,7 +42573,7 @@
       </p:pic>
       <p:pic>
         <p:nvPicPr>
-          <p:cNvPr descr="lord of the rings emoji | AI Emoji Generator" id="732" name="Google Shape;732;g35cd725ba4c_2_106"/>
+          <p:cNvPr descr="lord of the rings emoji | AI Emoji Generator" id="735" name="Google Shape;735;g35cd725ba4c_2_106"/>
           <p:cNvPicPr preferRelativeResize="0"/>
           <p:nvPr/>
         </p:nvPicPr>
@@ -42677,7 +42600,7 @@
       </p:pic>
       <p:pic>
         <p:nvPicPr>
-          <p:cNvPr descr="lord of the rings emoji | AI Emoji Generator" id="733" name="Google Shape;733;g35cd725ba4c_2_106"/>
+          <p:cNvPr descr="lord of the rings emoji | AI Emoji Generator" id="736" name="Google Shape;736;g35cd725ba4c_2_106"/>
           <p:cNvPicPr preferRelativeResize="0"/>
           <p:nvPr/>
         </p:nvPicPr>
@@ -42715,7 +42638,7 @@
   <p:cSld>
     <p:spTree>
       <p:nvGrpSpPr>
-        <p:cNvPr id="737" name="Shape 737"/>
+        <p:cNvPr id="740" name="Shape 740"/>
         <p:cNvGrpSpPr/>
         <p:nvPr/>
       </p:nvGrpSpPr>
@@ -42729,7 +42652,7 @@
       </p:grpSpPr>
       <p:sp>
         <p:nvSpPr>
-          <p:cNvPr id="738" name="Google Shape;738;p130"/>
+          <p:cNvPr id="741" name="Google Shape;741;p130"/>
           <p:cNvSpPr txBox="1"/>
           <p:nvPr>
             <p:ph type="title"/>
@@ -42777,7 +42700,7 @@
       </p:sp>
       <p:sp>
         <p:nvSpPr>
-          <p:cNvPr id="739" name="Google Shape;739;p130"/>
+          <p:cNvPr id="742" name="Google Shape;742;p130"/>
           <p:cNvSpPr txBox="1"/>
           <p:nvPr/>
         </p:nvSpPr>
@@ -42896,7 +42819,7 @@
       </p:sp>
       <p:pic>
         <p:nvPicPr>
-          <p:cNvPr descr="Dapr - Wikipedia" id="740" name="Google Shape;740;p130"/>
+          <p:cNvPr descr="Dapr - Wikipedia" id="743" name="Google Shape;743;p130"/>
           <p:cNvPicPr preferRelativeResize="0"/>
           <p:nvPr/>
         </p:nvPicPr>
@@ -42923,7 +42846,7 @@
       </p:pic>
       <p:pic>
         <p:nvPicPr>
-          <p:cNvPr descr="Hugging Face Tutorial for Beginners [Quick Start]" id="741" name="Google Shape;741;p130"/>
+          <p:cNvPr descr="Hugging Face Tutorial for Beginners [Quick Start]" id="744" name="Google Shape;744;p130"/>
           <p:cNvPicPr preferRelativeResize="0"/>
           <p:nvPr/>
         </p:nvPicPr>
@@ -42950,7 +42873,7 @@
       </p:pic>
       <p:sp>
         <p:nvSpPr>
-          <p:cNvPr id="742" name="Google Shape;742;p130"/>
+          <p:cNvPr id="745" name="Google Shape;745;p130"/>
           <p:cNvSpPr txBox="1"/>
           <p:nvPr/>
         </p:nvSpPr>
@@ -43056,7 +42979,7 @@
       </p:sp>
       <p:sp>
         <p:nvSpPr>
-          <p:cNvPr id="743" name="Google Shape;743;p130"/>
+          <p:cNvPr id="746" name="Google Shape;746;p130"/>
           <p:cNvSpPr txBox="1"/>
           <p:nvPr/>
         </p:nvSpPr>
@@ -43173,7 +43096,7 @@
   <p:cSld>
     <p:spTree>
       <p:nvGrpSpPr>
-        <p:cNvPr id="747" name="Shape 747"/>
+        <p:cNvPr id="750" name="Shape 750"/>
         <p:cNvGrpSpPr/>
         <p:nvPr/>
       </p:nvGrpSpPr>
@@ -43187,7 +43110,7 @@
       </p:grpSpPr>
       <p:sp>
         <p:nvSpPr>
-          <p:cNvPr id="748" name="Google Shape;748;g35cd725ba4c_2_35"/>
+          <p:cNvPr id="751" name="Google Shape;751;g35cd725ba4c_2_35"/>
           <p:cNvSpPr txBox="1"/>
           <p:nvPr>
             <p:ph type="title"/>
@@ -43232,7 +43155,7 @@
       </p:sp>
       <p:sp>
         <p:nvSpPr>
-          <p:cNvPr id="749" name="Google Shape;749;g35cd725ba4c_2_35"/>
+          <p:cNvPr id="752" name="Google Shape;752;g35cd725ba4c_2_35"/>
           <p:cNvSpPr txBox="1"/>
           <p:nvPr/>
         </p:nvSpPr>
@@ -43490,7 +43413,7 @@
       </p:sp>
       <p:sp>
         <p:nvSpPr>
-          <p:cNvPr id="750" name="Google Shape;750;g35cd725ba4c_2_35"/>
+          <p:cNvPr id="753" name="Google Shape;753;g35cd725ba4c_2_35"/>
           <p:cNvSpPr txBox="1"/>
           <p:nvPr/>
         </p:nvSpPr>
@@ -43547,7 +43470,7 @@
       </p:sp>
       <p:grpSp>
         <p:nvGrpSpPr>
-          <p:cNvPr id="751" name="Google Shape;751;g35cd725ba4c_2_35"/>
+          <p:cNvPr id="754" name="Google Shape;754;g35cd725ba4c_2_35"/>
           <p:cNvGrpSpPr/>
           <p:nvPr/>
         </p:nvGrpSpPr>
@@ -43561,7 +43484,7 @@
         </p:grpSpPr>
         <p:sp>
           <p:nvSpPr>
-            <p:cNvPr id="752" name="Google Shape;752;g35cd725ba4c_2_35"/>
+            <p:cNvPr id="755" name="Google Shape;755;g35cd725ba4c_2_35"/>
             <p:cNvSpPr txBox="1"/>
             <p:nvPr/>
           </p:nvSpPr>
@@ -43656,7 +43579,7 @@
         </p:sp>
         <p:pic>
           <p:nvPicPr>
-            <p:cNvPr id="753" name="Google Shape;753;g35cd725ba4c_2_35"/>
+            <p:cNvPr id="756" name="Google Shape;756;g35cd725ba4c_2_35"/>
             <p:cNvPicPr preferRelativeResize="0"/>
             <p:nvPr/>
           </p:nvPicPr>
@@ -43684,7 +43607,7 @@
       </p:grpSp>
       <p:sp>
         <p:nvSpPr>
-          <p:cNvPr id="754" name="Google Shape;754;g35cd725ba4c_2_35"/>
+          <p:cNvPr id="757" name="Google Shape;757;g35cd725ba4c_2_35"/>
           <p:cNvSpPr txBox="1"/>
           <p:nvPr/>
         </p:nvSpPr>
@@ -43750,7 +43673,7 @@
       </p:sp>
       <p:sp>
         <p:nvSpPr>
-          <p:cNvPr id="755" name="Google Shape;755;g35cd725ba4c_2_35"/>
+          <p:cNvPr id="758" name="Google Shape;758;g35cd725ba4c_2_35"/>
           <p:cNvSpPr txBox="1"/>
           <p:nvPr/>
         </p:nvSpPr>
@@ -43816,7 +43739,7 @@
       </p:sp>
       <p:pic>
         <p:nvPicPr>
-          <p:cNvPr id="756" name="Google Shape;756;g35cd725ba4c_2_35" title="slides.png"/>
+          <p:cNvPr id="759" name="Google Shape;759;g35cd725ba4c_2_35" title="slides.png"/>
           <p:cNvPicPr preferRelativeResize="0"/>
           <p:nvPr/>
         </p:nvPicPr>
@@ -43844,7 +43767,7 @@
       </p:pic>
       <p:pic>
         <p:nvPicPr>
-          <p:cNvPr id="757" name="Google Shape;757;g35cd725ba4c_2_35"/>
+          <p:cNvPr id="760" name="Google Shape;760;g35cd725ba4c_2_35"/>
           <p:cNvPicPr preferRelativeResize="0"/>
           <p:nvPr/>
         </p:nvPicPr>
@@ -43945,21 +43868,22 @@
       </p:sp>
       <p:pic>
         <p:nvPicPr>
-          <p:cNvPr id="121" name="Google Shape;121;g35d9e00cd4f_0_0"/>
+          <p:cNvPr id="121" name="Google Shape;121;g35d9e00cd4f_0_0" title="dapr-agents.png"/>
           <p:cNvPicPr preferRelativeResize="0"/>
           <p:nvPr/>
         </p:nvPicPr>
-        <p:blipFill rotWithShape="1">
+        <p:blipFill>
           <a:blip r:embed="rId3">
             <a:alphaModFix/>
           </a:blip>
-          <a:srcRect b="0" l="0" r="0" t="0"/>
-          <a:stretch/>
+          <a:stretch>
+            <a:fillRect/>
+          </a:stretch>
         </p:blipFill>
         <p:spPr>
           <a:xfrm>
-            <a:off x="5272948" y="1611900"/>
-            <a:ext cx="1646100" cy="1646100"/>
+            <a:off x="5334650" y="1796625"/>
+            <a:ext cx="1522600" cy="1522600"/>
           </a:xfrm>
           <a:prstGeom prst="rect">
             <a:avLst/>
@@ -43983,7 +43907,7 @@
   <p:cSld>
     <p:spTree>
       <p:nvGrpSpPr>
-        <p:cNvPr id="761" name="Shape 761"/>
+        <p:cNvPr id="764" name="Shape 764"/>
         <p:cNvGrpSpPr/>
         <p:nvPr/>
       </p:nvGrpSpPr>
@@ -43997,7 +43921,7 @@
       </p:grpSpPr>
       <p:sp>
         <p:nvSpPr>
-          <p:cNvPr id="762" name="Google Shape;762;p72"/>
+          <p:cNvPr id="765" name="Google Shape;765;p72"/>
           <p:cNvSpPr txBox="1"/>
           <p:nvPr>
             <p:ph type="title"/>
@@ -44045,7 +43969,7 @@
       </p:sp>
       <p:pic>
         <p:nvPicPr>
-          <p:cNvPr descr="A qr code with a white background&#10;&#10;Description automatically generated" id="763" name="Google Shape;763;p72"/>
+          <p:cNvPr descr="A qr code with a white background&#10;&#10;Description automatically generated" id="766" name="Google Shape;766;p72"/>
           <p:cNvPicPr preferRelativeResize="0"/>
           <p:nvPr/>
         </p:nvPicPr>
@@ -44072,7 +43996,7 @@
       </p:pic>
       <p:sp>
         <p:nvSpPr>
-          <p:cNvPr id="764" name="Google Shape;764;p72">
+          <p:cNvPr id="767" name="Google Shape;767;p72">
             <a:hlinkClick r:id="rId4"/>
           </p:cNvPr>
           <p:cNvSpPr txBox="1"/>
@@ -44140,7 +44064,7 @@
       </p:sp>
       <p:grpSp>
         <p:nvGrpSpPr>
-          <p:cNvPr id="765" name="Google Shape;765;p72"/>
+          <p:cNvPr id="768" name="Google Shape;768;p72"/>
           <p:cNvGrpSpPr/>
           <p:nvPr/>
         </p:nvGrpSpPr>
@@ -44154,7 +44078,7 @@
         </p:grpSpPr>
         <p:pic>
           <p:nvPicPr>
-            <p:cNvPr id="766" name="Google Shape;766;p72"/>
+            <p:cNvPr id="769" name="Google Shape;769;p72"/>
             <p:cNvPicPr preferRelativeResize="0"/>
             <p:nvPr/>
           </p:nvPicPr>
@@ -44181,7 +44105,7 @@
         </p:pic>
         <p:pic>
           <p:nvPicPr>
-            <p:cNvPr id="767" name="Google Shape;767;p72"/>
+            <p:cNvPr id="770" name="Google Shape;770;p72"/>
             <p:cNvPicPr preferRelativeResize="0"/>
             <p:nvPr/>
           </p:nvPicPr>
@@ -44208,7 +44132,7 @@
         </p:pic>
         <p:pic>
           <p:nvPicPr>
-            <p:cNvPr id="768" name="Google Shape;768;p72"/>
+            <p:cNvPr id="771" name="Google Shape;771;p72"/>
             <p:cNvPicPr preferRelativeResize="0"/>
             <p:nvPr/>
           </p:nvPicPr>
@@ -44235,7 +44159,7 @@
         </p:pic>
         <p:pic>
           <p:nvPicPr>
-            <p:cNvPr id="769" name="Google Shape;769;p72"/>
+            <p:cNvPr id="772" name="Google Shape;772;p72"/>
             <p:cNvPicPr preferRelativeResize="0"/>
             <p:nvPr/>
           </p:nvPicPr>
@@ -44262,7 +44186,7 @@
         </p:pic>
         <p:pic>
           <p:nvPicPr>
-            <p:cNvPr id="770" name="Google Shape;770;p72"/>
+            <p:cNvPr id="773" name="Google Shape;773;p72"/>
             <p:cNvPicPr preferRelativeResize="0"/>
             <p:nvPr/>
           </p:nvPicPr>
@@ -44289,7 +44213,7 @@
         </p:pic>
         <p:sp>
           <p:nvSpPr>
-            <p:cNvPr id="771" name="Google Shape;771;p72">
+            <p:cNvPr id="774" name="Google Shape;774;p72">
               <a:hlinkClick r:id="rId10"/>
             </p:cNvPr>
             <p:cNvSpPr txBox="1"/>
@@ -44357,7 +44281,7 @@
         </p:sp>
         <p:sp>
           <p:nvSpPr>
-            <p:cNvPr id="772" name="Google Shape;772;p72">
+            <p:cNvPr id="775" name="Google Shape;775;p72">
               <a:hlinkClick r:id="rId11"/>
             </p:cNvPr>
             <p:cNvSpPr txBox="1"/>
@@ -44425,7 +44349,7 @@
         </p:sp>
         <p:sp>
           <p:nvSpPr>
-            <p:cNvPr id="773" name="Google Shape;773;p72">
+            <p:cNvPr id="776" name="Google Shape;776;p72">
               <a:hlinkClick r:id="rId12"/>
             </p:cNvPr>
             <p:cNvSpPr txBox="1"/>
@@ -44493,7 +44417,7 @@
         </p:sp>
         <p:sp>
           <p:nvSpPr>
-            <p:cNvPr id="774" name="Google Shape;774;p72">
+            <p:cNvPr id="777" name="Google Shape;777;p72">
               <a:hlinkClick r:id="rId13"/>
             </p:cNvPr>
             <p:cNvSpPr txBox="1"/>
@@ -44561,7 +44485,7 @@
         </p:sp>
         <p:sp>
           <p:nvSpPr>
-            <p:cNvPr id="775" name="Google Shape;775;p72">
+            <p:cNvPr id="778" name="Google Shape;778;p72">
               <a:hlinkClick r:id="rId14"/>
             </p:cNvPr>
             <p:cNvSpPr txBox="1"/>
@@ -44629,7 +44553,7 @@
         </p:sp>
         <p:sp>
           <p:nvSpPr>
-            <p:cNvPr id="776" name="Google Shape;776;p72">
+            <p:cNvPr id="779" name="Google Shape;779;p72">
               <a:hlinkClick r:id="rId15"/>
             </p:cNvPr>
             <p:cNvSpPr txBox="1"/>
@@ -44697,7 +44621,7 @@
         </p:sp>
         <p:pic>
           <p:nvPicPr>
-            <p:cNvPr id="777" name="Google Shape;777;p72"/>
+            <p:cNvPr id="780" name="Google Shape;780;p72"/>
             <p:cNvPicPr preferRelativeResize="0"/>
             <p:nvPr/>
           </p:nvPicPr>
@@ -44736,7 +44660,173 @@
   <p:cSld>
     <p:spTree>
       <p:nvGrpSpPr>
-        <p:cNvPr id="781" name="Shape 781"/>
+        <p:cNvPr id="784" name="Shape 784"/>
+        <p:cNvGrpSpPr/>
+        <p:nvPr/>
+      </p:nvGrpSpPr>
+      <p:grpSpPr>
+        <a:xfrm>
+          <a:off x="0" y="0"/>
+          <a:ext cx="0" cy="0"/>
+          <a:chOff x="0" y="0"/>
+          <a:chExt cx="0" cy="0"/>
+        </a:xfrm>
+      </p:grpSpPr>
+      <p:sp>
+        <p:nvSpPr>
+          <p:cNvPr id="785" name="Google Shape;785;g380ed799f18_2_0"/>
+          <p:cNvSpPr txBox="1"/>
+          <p:nvPr>
+            <p:ph type="title"/>
+          </p:nvPr>
+        </p:nvSpPr>
+        <p:spPr>
+          <a:xfrm>
+            <a:off x="196754" y="215001"/>
+            <a:ext cx="11820000" cy="924600"/>
+          </a:xfrm>
+          <a:prstGeom prst="rect">
+            <a:avLst/>
+          </a:prstGeom>
+          <a:noFill/>
+          <a:ln>
+            <a:noFill/>
+          </a:ln>
+        </p:spPr>
+        <p:txBody>
+          <a:bodyPr anchorCtr="0" anchor="ctr" bIns="45700" lIns="91425" spcFirstLastPara="1" rIns="91425" wrap="square" tIns="45700">
+            <a:normAutofit/>
+          </a:bodyPr>
+          <a:lstStyle/>
+          <a:p>
+            <a:pPr indent="0" lvl="0" marL="0" rtl="0" algn="l">
+              <a:lnSpc>
+                <a:spcPct val="90000"/>
+              </a:lnSpc>
+              <a:spcBef>
+                <a:spcPts val="0"/>
+              </a:spcBef>
+              <a:spcAft>
+                <a:spcPts val="0"/>
+              </a:spcAft>
+              <a:buSzPts val="4400"/>
+              <a:buNone/>
+            </a:pPr>
+            <a:r>
+              <a:rPr lang="en-US"/>
+              <a:t>Dapr University</a:t>
+            </a:r>
+            <a:endParaRPr/>
+          </a:p>
+        </p:txBody>
+      </p:sp>
+      <p:sp>
+        <p:nvSpPr>
+          <p:cNvPr id="786" name="Google Shape;786;g380ed799f18_2_0">
+            <a:hlinkClick r:id="rId3"/>
+          </p:cNvPr>
+          <p:cNvSpPr txBox="1"/>
+          <p:nvPr/>
+        </p:nvSpPr>
+        <p:spPr>
+          <a:xfrm>
+            <a:off x="3236024" y="5504050"/>
+            <a:ext cx="5406900" cy="585000"/>
+          </a:xfrm>
+          <a:prstGeom prst="rect">
+            <a:avLst/>
+          </a:prstGeom>
+          <a:noFill/>
+          <a:ln>
+            <a:noFill/>
+          </a:ln>
+        </p:spPr>
+        <p:txBody>
+          <a:bodyPr anchorCtr="0" anchor="t" bIns="45700" lIns="91425" spcFirstLastPara="1" rIns="91425" wrap="square" tIns="45700">
+            <a:spAutoFit/>
+          </a:bodyPr>
+          <a:lstStyle/>
+          <a:p>
+            <a:pPr indent="0" lvl="0" marL="0" marR="0" rtl="0" algn="l">
+              <a:lnSpc>
+                <a:spcPct val="100000"/>
+              </a:lnSpc>
+              <a:spcBef>
+                <a:spcPts val="0"/>
+              </a:spcBef>
+              <a:spcAft>
+                <a:spcPts val="0"/>
+              </a:spcAft>
+              <a:buClr>
+                <a:srgbClr val="000000"/>
+              </a:buClr>
+              <a:buSzPts val="3200"/>
+              <a:buFont typeface="Arial"/>
+              <a:buNone/>
+            </a:pPr>
+            <a:r>
+              <a:rPr lang="en-US" sz="3200">
+                <a:latin typeface="Space Grotesk"/>
+                <a:ea typeface="Space Grotesk"/>
+                <a:cs typeface="Space Grotesk"/>
+                <a:sym typeface="Space Grotesk"/>
+              </a:rPr>
+              <a:t>diagrid.io/dapr-university</a:t>
+            </a:r>
+            <a:endParaRPr b="0" i="0" sz="3200" u="none" cap="none" strike="noStrike">
+              <a:solidFill>
+                <a:srgbClr val="000000"/>
+              </a:solidFill>
+              <a:latin typeface="Space Grotesk"/>
+              <a:ea typeface="Space Grotesk"/>
+              <a:cs typeface="Space Grotesk"/>
+              <a:sym typeface="Space Grotesk"/>
+            </a:endParaRPr>
+          </a:p>
+        </p:txBody>
+      </p:sp>
+      <p:pic>
+        <p:nvPicPr>
+          <p:cNvPr id="787" name="Google Shape;787;g380ed799f18_2_0" title="dapr-university.jpg"/>
+          <p:cNvPicPr preferRelativeResize="0"/>
+          <p:nvPr/>
+        </p:nvPicPr>
+        <p:blipFill>
+          <a:blip r:embed="rId4">
+            <a:alphaModFix/>
+          </a:blip>
+          <a:stretch>
+            <a:fillRect/>
+          </a:stretch>
+        </p:blipFill>
+        <p:spPr>
+          <a:xfrm>
+            <a:off x="3781925" y="1444401"/>
+            <a:ext cx="4065660" cy="4059650"/>
+          </a:xfrm>
+          <a:prstGeom prst="rect">
+            <a:avLst/>
+          </a:prstGeom>
+          <a:noFill/>
+          <a:ln>
+            <a:noFill/>
+          </a:ln>
+        </p:spPr>
+      </p:pic>
+    </p:spTree>
+  </p:cSld>
+  <p:clrMapOvr>
+    <a:masterClrMapping/>
+  </p:clrMapOvr>
+</p:sld>
+</file>
+
+<file path=ppt/slides/slide32.xml><?xml version="1.0" encoding="utf-8"?>
+<p:sld xmlns:a="http://schemas.openxmlformats.org/drawingml/2006/main" xmlns:r="http://schemas.openxmlformats.org/officeDocument/2006/relationships" xmlns:mc="http://schemas.openxmlformats.org/markup-compatibility/2006" xmlns:mv="urn:schemas-microsoft-com:mac:vml" xmlns:p="http://schemas.openxmlformats.org/presentationml/2006/main" xmlns:c="http://schemas.openxmlformats.org/drawingml/2006/chart" xmlns:dgm="http://schemas.openxmlformats.org/drawingml/2006/diagram" xmlns:o="urn:schemas-microsoft-com:office:office" xmlns:v="urn:schemas-microsoft-com:vml" xmlns:pvml="urn:schemas-microsoft-com:office:powerpoint" xmlns:com="http://schemas.openxmlformats.org/drawingml/2006/compatibility" xmlns:p14="http://schemas.microsoft.com/office/powerpoint/2010/main" xmlns:p15="http://schemas.microsoft.com/office/powerpoint/2012/main" xmlns:ahyp="http://schemas.microsoft.com/office/drawing/2018/hyperlinkcolor">
+  <p:cSld>
+    <p:spTree>
+      <p:nvGrpSpPr>
+        <p:cNvPr id="791" name="Shape 791"/>
         <p:cNvGrpSpPr/>
         <p:nvPr/>
       </p:nvGrpSpPr>
@@ -44750,7 +44840,7 @@
       </p:grpSpPr>
       <p:pic>
         <p:nvPicPr>
-          <p:cNvPr descr="A qr code with a white background&#10;&#10;Description automatically generated" id="782" name="Google Shape;782;p73"/>
+          <p:cNvPr descr="A qr code with a white background&#10;&#10;Description automatically generated" id="792" name="Google Shape;792;p73"/>
           <p:cNvPicPr preferRelativeResize="0"/>
           <p:nvPr/>
         </p:nvPicPr>
@@ -44777,7 +44867,7 @@
       </p:pic>
       <p:sp>
         <p:nvSpPr>
-          <p:cNvPr id="783" name="Google Shape;783;p73"/>
+          <p:cNvPr id="793" name="Google Shape;793;p73"/>
           <p:cNvSpPr txBox="1"/>
           <p:nvPr>
             <p:ph type="title"/>
@@ -44825,7 +44915,7 @@
       </p:sp>
       <p:sp>
         <p:nvSpPr>
-          <p:cNvPr id="784" name="Google Shape;784;p73">
+          <p:cNvPr id="794" name="Google Shape;794;p73">
             <a:hlinkClick r:id="rId4"/>
           </p:cNvPr>
           <p:cNvSpPr txBox="1"/>
@@ -44893,7 +44983,7 @@
       </p:sp>
       <p:pic>
         <p:nvPicPr>
-          <p:cNvPr descr="A hexagon with a cartoon face and text&#10;&#10;Description automatically generated" id="785" name="Google Shape;785;p73"/>
+          <p:cNvPr descr="A hexagon with a cartoon face and text&#10;&#10;Description automatically generated" id="795" name="Google Shape;795;p73"/>
           <p:cNvPicPr preferRelativeResize="0"/>
           <p:nvPr/>
         </p:nvPicPr>
@@ -48882,7 +48972,7 @@
             </a:avLst>
           </a:prstGeom>
           <a:noFill/>
-          <a:ln cap="flat" cmpd="sng" w="118125">
+          <a:ln cap="flat" cmpd="sng" w="38100">
             <a:solidFill>
               <a:schemeClr val="accent2"/>
             </a:solidFill>
@@ -50809,243 +50899,261 @@
           </a:p>
         </p:txBody>
       </p:sp>
-      <p:pic>
-        <p:nvPicPr>
+      <p:grpSp>
+        <p:nvGrpSpPr>
           <p:cNvPr id="241" name="Google Shape;241;g37a4c1e476d_0_571"/>
-          <p:cNvPicPr preferRelativeResize="0"/>
+          <p:cNvGrpSpPr/>
           <p:nvPr/>
-        </p:nvPicPr>
-        <p:blipFill rotWithShape="1">
-          <a:blip r:embed="rId3">
-            <a:alphaModFix/>
-          </a:blip>
-          <a:srcRect b="0" l="0" r="0" t="0"/>
-          <a:stretch/>
-        </p:blipFill>
-        <p:spPr>
+        </p:nvGrpSpPr>
+        <p:grpSpPr>
           <a:xfrm>
-            <a:off x="850950" y="2064225"/>
-            <a:ext cx="1242675" cy="1242675"/>
+            <a:off x="848069" y="2098382"/>
+            <a:ext cx="3529788" cy="3059075"/>
+            <a:chOff x="848069" y="2098382"/>
+            <a:chExt cx="3529788" cy="3059075"/>
           </a:xfrm>
-          <a:prstGeom prst="rect">
-            <a:avLst/>
-          </a:prstGeom>
-          <a:noFill/>
-          <a:ln>
+        </p:grpSpPr>
+        <p:pic>
+          <p:nvPicPr>
+            <p:cNvPr id="242" name="Google Shape;242;g37a4c1e476d_0_571" title="blue-hexagon-bot.png"/>
+            <p:cNvPicPr preferRelativeResize="0"/>
+            <p:nvPr/>
+          </p:nvPicPr>
+          <p:blipFill>
+            <a:blip r:embed="rId3">
+              <a:alphaModFix/>
+            </a:blip>
+            <a:stretch>
+              <a:fillRect/>
+            </a:stretch>
+          </p:blipFill>
+          <p:spPr>
+            <a:xfrm>
+              <a:off x="1990195" y="3914782"/>
+              <a:ext cx="1242675" cy="1242675"/>
+            </a:xfrm>
+            <a:prstGeom prst="rect">
+              <a:avLst/>
+            </a:prstGeom>
             <a:noFill/>
-          </a:ln>
-        </p:spPr>
-      </p:pic>
-      <p:pic>
-        <p:nvPicPr>
-          <p:cNvPr id="242" name="Google Shape;242;g37a4c1e476d_0_571"/>
-          <p:cNvPicPr preferRelativeResize="0"/>
-          <p:nvPr/>
-        </p:nvPicPr>
-        <p:blipFill rotWithShape="1">
-          <a:blip r:embed="rId3">
-            <a:alphaModFix/>
-          </a:blip>
-          <a:srcRect b="0" l="0" r="0" t="0"/>
-          <a:stretch/>
-        </p:blipFill>
-        <p:spPr>
-          <a:xfrm>
-            <a:off x="3126300" y="2064225"/>
-            <a:ext cx="1242675" cy="1242675"/>
-          </a:xfrm>
-          <a:prstGeom prst="rect">
-            <a:avLst/>
-          </a:prstGeom>
-          <a:noFill/>
-          <a:ln>
+            <a:ln>
+              <a:noFill/>
+            </a:ln>
+          </p:spPr>
+        </p:pic>
+        <p:pic>
+          <p:nvPicPr>
+            <p:cNvPr id="243" name="Google Shape;243;g37a4c1e476d_0_571" title="blue-hexagon-bot.png"/>
+            <p:cNvPicPr preferRelativeResize="0"/>
+            <p:nvPr/>
+          </p:nvPicPr>
+          <p:blipFill>
+            <a:blip r:embed="rId3">
+              <a:alphaModFix/>
+            </a:blip>
+            <a:stretch>
+              <a:fillRect/>
+            </a:stretch>
+          </p:blipFill>
+          <p:spPr>
+            <a:xfrm>
+              <a:off x="848069" y="2098382"/>
+              <a:ext cx="1242675" cy="1242675"/>
+            </a:xfrm>
+            <a:prstGeom prst="rect">
+              <a:avLst/>
+            </a:prstGeom>
             <a:noFill/>
-          </a:ln>
-        </p:spPr>
-      </p:pic>
-      <p:pic>
-        <p:nvPicPr>
-          <p:cNvPr id="243" name="Google Shape;243;g37a4c1e476d_0_571"/>
-          <p:cNvPicPr preferRelativeResize="0"/>
-          <p:nvPr/>
-        </p:nvPicPr>
-        <p:blipFill rotWithShape="1">
-          <a:blip r:embed="rId3">
-            <a:alphaModFix/>
-          </a:blip>
-          <a:srcRect b="0" l="0" r="0" t="0"/>
-          <a:stretch/>
-        </p:blipFill>
-        <p:spPr>
-          <a:xfrm>
-            <a:off x="1987325" y="3914775"/>
-            <a:ext cx="1242675" cy="1242675"/>
-          </a:xfrm>
-          <a:prstGeom prst="rect">
-            <a:avLst/>
-          </a:prstGeom>
-          <a:noFill/>
-          <a:ln>
+            <a:ln>
+              <a:noFill/>
+            </a:ln>
+          </p:spPr>
+        </p:pic>
+        <p:cxnSp>
+          <p:nvCxnSpPr>
+            <p:cNvPr id="244" name="Google Shape;244;g37a4c1e476d_0_571"/>
+            <p:cNvCxnSpPr/>
+            <p:nvPr/>
+          </p:nvCxnSpPr>
+          <p:spPr>
+            <a:xfrm>
+              <a:off x="2070613" y="2784050"/>
+              <a:ext cx="1076100" cy="0"/>
+            </a:xfrm>
+            <a:prstGeom prst="straightConnector1">
+              <a:avLst/>
+            </a:prstGeom>
             <a:noFill/>
-          </a:ln>
-        </p:spPr>
-      </p:pic>
-      <p:cxnSp>
-        <p:nvCxnSpPr>
-          <p:cNvPr id="244" name="Google Shape;244;g37a4c1e476d_0_571"/>
-          <p:cNvCxnSpPr/>
-          <p:nvPr/>
-        </p:nvCxnSpPr>
-        <p:spPr>
-          <a:xfrm>
-            <a:off x="2070613" y="2784050"/>
-            <a:ext cx="1076100" cy="0"/>
-          </a:xfrm>
-          <a:prstGeom prst="straightConnector1">
-            <a:avLst/>
-          </a:prstGeom>
-          <a:noFill/>
-          <a:ln cap="flat" cmpd="sng" w="28575">
-            <a:solidFill>
-              <a:schemeClr val="dk2"/>
-            </a:solidFill>
-            <a:prstDash val="solid"/>
-            <a:round/>
-            <a:headEnd len="sm" w="sm" type="stealth"/>
-            <a:tailEnd len="med" w="med" type="none"/>
-          </a:ln>
-        </p:spPr>
-      </p:cxnSp>
-      <p:cxnSp>
-        <p:nvCxnSpPr>
-          <p:cNvPr id="245" name="Google Shape;245;g37a4c1e476d_0_571"/>
-          <p:cNvCxnSpPr/>
-          <p:nvPr/>
-        </p:nvCxnSpPr>
-        <p:spPr>
-          <a:xfrm>
-            <a:off x="2070613" y="2584250"/>
-            <a:ext cx="1076100" cy="0"/>
-          </a:xfrm>
-          <a:prstGeom prst="straightConnector1">
-            <a:avLst/>
-          </a:prstGeom>
-          <a:noFill/>
-          <a:ln cap="flat" cmpd="sng" w="28575">
-            <a:solidFill>
-              <a:schemeClr val="dk2"/>
-            </a:solidFill>
-            <a:prstDash val="solid"/>
-            <a:round/>
-            <a:headEnd len="sm" w="sm" type="none"/>
-            <a:tailEnd len="med" w="med" type="stealth"/>
-          </a:ln>
-        </p:spPr>
-      </p:cxnSp>
-      <p:cxnSp>
-        <p:nvCxnSpPr>
-          <p:cNvPr id="246" name="Google Shape;246;g37a4c1e476d_0_571"/>
-          <p:cNvCxnSpPr/>
-          <p:nvPr/>
-        </p:nvCxnSpPr>
-        <p:spPr>
-          <a:xfrm>
-            <a:off x="1731625" y="3248000"/>
-            <a:ext cx="557700" cy="753300"/>
-          </a:xfrm>
-          <a:prstGeom prst="straightConnector1">
-            <a:avLst/>
-          </a:prstGeom>
-          <a:noFill/>
-          <a:ln cap="flat" cmpd="sng" w="28575">
-            <a:solidFill>
-              <a:schemeClr val="dk2"/>
-            </a:solidFill>
-            <a:prstDash val="solid"/>
-            <a:round/>
-            <a:headEnd len="sm" w="sm" type="none"/>
-            <a:tailEnd len="med" w="med" type="stealth"/>
-          </a:ln>
-        </p:spPr>
-      </p:cxnSp>
-      <p:cxnSp>
-        <p:nvCxnSpPr>
-          <p:cNvPr id="247" name="Google Shape;247;g37a4c1e476d_0_571"/>
-          <p:cNvCxnSpPr/>
-          <p:nvPr/>
-        </p:nvCxnSpPr>
-        <p:spPr>
-          <a:xfrm rot="10800000">
-            <a:off x="1919000" y="3143475"/>
-            <a:ext cx="526800" cy="771300"/>
-          </a:xfrm>
-          <a:prstGeom prst="straightConnector1">
-            <a:avLst/>
-          </a:prstGeom>
-          <a:noFill/>
-          <a:ln cap="flat" cmpd="sng" w="28575">
-            <a:solidFill>
-              <a:schemeClr val="dk2"/>
-            </a:solidFill>
-            <a:prstDash val="solid"/>
-            <a:round/>
-            <a:headEnd len="sm" w="sm" type="none"/>
-            <a:tailEnd len="med" w="med" type="stealth"/>
-          </a:ln>
-        </p:spPr>
-      </p:cxnSp>
-      <p:cxnSp>
-        <p:nvCxnSpPr>
-          <p:cNvPr id="248" name="Google Shape;248;g37a4c1e476d_0_571"/>
-          <p:cNvCxnSpPr/>
-          <p:nvPr/>
-        </p:nvCxnSpPr>
-        <p:spPr>
-          <a:xfrm flipH="1" rot="10800000">
-            <a:off x="2863075" y="3208988"/>
-            <a:ext cx="551400" cy="792300"/>
-          </a:xfrm>
-          <a:prstGeom prst="straightConnector1">
-            <a:avLst/>
-          </a:prstGeom>
-          <a:noFill/>
-          <a:ln cap="flat" cmpd="sng" w="28575">
-            <a:solidFill>
-              <a:schemeClr val="dk2"/>
-            </a:solidFill>
-            <a:prstDash val="solid"/>
-            <a:round/>
-            <a:headEnd len="sm" w="sm" type="none"/>
-            <a:tailEnd len="med" w="med" type="stealth"/>
-          </a:ln>
-        </p:spPr>
-      </p:cxnSp>
-      <p:cxnSp>
-        <p:nvCxnSpPr>
-          <p:cNvPr id="249" name="Google Shape;249;g37a4c1e476d_0_571"/>
-          <p:cNvCxnSpPr/>
-          <p:nvPr/>
-        </p:nvCxnSpPr>
-        <p:spPr>
-          <a:xfrm flipH="1">
-            <a:off x="2981275" y="3335000"/>
-            <a:ext cx="570000" cy="764100"/>
-          </a:xfrm>
-          <a:prstGeom prst="straightConnector1">
-            <a:avLst/>
-          </a:prstGeom>
-          <a:noFill/>
-          <a:ln cap="flat" cmpd="sng" w="28575">
-            <a:solidFill>
-              <a:schemeClr val="dk2"/>
-            </a:solidFill>
-            <a:prstDash val="solid"/>
-            <a:round/>
-            <a:headEnd len="sm" w="sm" type="none"/>
-            <a:tailEnd len="med" w="med" type="stealth"/>
-          </a:ln>
-        </p:spPr>
-      </p:cxnSp>
+            <a:ln cap="flat" cmpd="sng" w="28575">
+              <a:solidFill>
+                <a:schemeClr val="dk2"/>
+              </a:solidFill>
+              <a:prstDash val="solid"/>
+              <a:round/>
+              <a:headEnd len="sm" w="sm" type="stealth"/>
+              <a:tailEnd len="med" w="med" type="none"/>
+            </a:ln>
+          </p:spPr>
+        </p:cxnSp>
+        <p:cxnSp>
+          <p:nvCxnSpPr>
+            <p:cNvPr id="245" name="Google Shape;245;g37a4c1e476d_0_571"/>
+            <p:cNvCxnSpPr/>
+            <p:nvPr/>
+          </p:nvCxnSpPr>
+          <p:spPr>
+            <a:xfrm>
+              <a:off x="2070613" y="2584250"/>
+              <a:ext cx="1076100" cy="0"/>
+            </a:xfrm>
+            <a:prstGeom prst="straightConnector1">
+              <a:avLst/>
+            </a:prstGeom>
+            <a:noFill/>
+            <a:ln cap="flat" cmpd="sng" w="28575">
+              <a:solidFill>
+                <a:schemeClr val="dk2"/>
+              </a:solidFill>
+              <a:prstDash val="solid"/>
+              <a:round/>
+              <a:headEnd len="sm" w="sm" type="none"/>
+              <a:tailEnd len="med" w="med" type="stealth"/>
+            </a:ln>
+          </p:spPr>
+        </p:cxnSp>
+        <p:cxnSp>
+          <p:nvCxnSpPr>
+            <p:cNvPr id="246" name="Google Shape;246;g37a4c1e476d_0_571"/>
+            <p:cNvCxnSpPr/>
+            <p:nvPr/>
+          </p:nvCxnSpPr>
+          <p:spPr>
+            <a:xfrm>
+              <a:off x="1731625" y="3248000"/>
+              <a:ext cx="557700" cy="753300"/>
+            </a:xfrm>
+            <a:prstGeom prst="straightConnector1">
+              <a:avLst/>
+            </a:prstGeom>
+            <a:noFill/>
+            <a:ln cap="flat" cmpd="sng" w="28575">
+              <a:solidFill>
+                <a:schemeClr val="dk2"/>
+              </a:solidFill>
+              <a:prstDash val="solid"/>
+              <a:round/>
+              <a:headEnd len="sm" w="sm" type="none"/>
+              <a:tailEnd len="med" w="med" type="stealth"/>
+            </a:ln>
+          </p:spPr>
+        </p:cxnSp>
+        <p:cxnSp>
+          <p:nvCxnSpPr>
+            <p:cNvPr id="247" name="Google Shape;247;g37a4c1e476d_0_571"/>
+            <p:cNvCxnSpPr/>
+            <p:nvPr/>
+          </p:nvCxnSpPr>
+          <p:spPr>
+            <a:xfrm rot="10800000">
+              <a:off x="1919000" y="3143475"/>
+              <a:ext cx="526800" cy="771300"/>
+            </a:xfrm>
+            <a:prstGeom prst="straightConnector1">
+              <a:avLst/>
+            </a:prstGeom>
+            <a:noFill/>
+            <a:ln cap="flat" cmpd="sng" w="28575">
+              <a:solidFill>
+                <a:schemeClr val="dk2"/>
+              </a:solidFill>
+              <a:prstDash val="solid"/>
+              <a:round/>
+              <a:headEnd len="sm" w="sm" type="none"/>
+              <a:tailEnd len="med" w="med" type="stealth"/>
+            </a:ln>
+          </p:spPr>
+        </p:cxnSp>
+        <p:cxnSp>
+          <p:nvCxnSpPr>
+            <p:cNvPr id="248" name="Google Shape;248;g37a4c1e476d_0_571"/>
+            <p:cNvCxnSpPr/>
+            <p:nvPr/>
+          </p:nvCxnSpPr>
+          <p:spPr>
+            <a:xfrm flipH="1" rot="10800000">
+              <a:off x="2863075" y="3208988"/>
+              <a:ext cx="551400" cy="792300"/>
+            </a:xfrm>
+            <a:prstGeom prst="straightConnector1">
+              <a:avLst/>
+            </a:prstGeom>
+            <a:noFill/>
+            <a:ln cap="flat" cmpd="sng" w="28575">
+              <a:solidFill>
+                <a:schemeClr val="dk2"/>
+              </a:solidFill>
+              <a:prstDash val="solid"/>
+              <a:round/>
+              <a:headEnd len="sm" w="sm" type="none"/>
+              <a:tailEnd len="med" w="med" type="stealth"/>
+            </a:ln>
+          </p:spPr>
+        </p:cxnSp>
+        <p:cxnSp>
+          <p:nvCxnSpPr>
+            <p:cNvPr id="249" name="Google Shape;249;g37a4c1e476d_0_571"/>
+            <p:cNvCxnSpPr/>
+            <p:nvPr/>
+          </p:nvCxnSpPr>
+          <p:spPr>
+            <a:xfrm flipH="1">
+              <a:off x="2981275" y="3335000"/>
+              <a:ext cx="570000" cy="764100"/>
+            </a:xfrm>
+            <a:prstGeom prst="straightConnector1">
+              <a:avLst/>
+            </a:prstGeom>
+            <a:noFill/>
+            <a:ln cap="flat" cmpd="sng" w="28575">
+              <a:solidFill>
+                <a:schemeClr val="dk2"/>
+              </a:solidFill>
+              <a:prstDash val="solid"/>
+              <a:round/>
+              <a:headEnd len="sm" w="sm" type="none"/>
+              <a:tailEnd len="med" w="med" type="stealth"/>
+            </a:ln>
+          </p:spPr>
+        </p:cxnSp>
+        <p:pic>
+          <p:nvPicPr>
+            <p:cNvPr id="250" name="Google Shape;250;g37a4c1e476d_0_571" title="blue-hexagon-bot.png"/>
+            <p:cNvPicPr preferRelativeResize="0"/>
+            <p:nvPr/>
+          </p:nvPicPr>
+          <p:blipFill>
+            <a:blip r:embed="rId3">
+              <a:alphaModFix/>
+            </a:blip>
+            <a:stretch>
+              <a:fillRect/>
+            </a:stretch>
+          </p:blipFill>
+          <p:spPr>
+            <a:xfrm>
+              <a:off x="3135182" y="2098382"/>
+              <a:ext cx="1242675" cy="1242675"/>
+            </a:xfrm>
+            <a:prstGeom prst="rect">
+              <a:avLst/>
+            </a:prstGeom>
+            <a:noFill/>
+            <a:ln>
+              <a:noFill/>
+            </a:ln>
+          </p:spPr>
+        </p:pic>
+      </p:grpSp>
     </p:spTree>
   </p:cSld>
   <p:clrMapOvr>
@@ -51055,6 +51163,285 @@
 </file>
 
 <file path=ppt/theme/theme1.xml><?xml version="1.0" encoding="utf-8"?>
+<a:theme xmlns:a="http://schemas.openxmlformats.org/drawingml/2006/main" xmlns:r="http://schemas.openxmlformats.org/officeDocument/2006/relationships" name="Office Theme">
+  <a:themeElements>
+    <a:clrScheme name="Dapr">
+      <a:dk1>
+        <a:srgbClr val="121C29"/>
+      </a:dk1>
+      <a:lt1>
+        <a:srgbClr val="FCFCFC"/>
+      </a:lt1>
+      <a:dk2>
+        <a:srgbClr val="121C29"/>
+      </a:dk2>
+      <a:lt2>
+        <a:srgbClr val="AAAAAA"/>
+      </a:lt2>
+      <a:accent1>
+        <a:srgbClr val="0D2192"/>
+      </a:accent1>
+      <a:accent2>
+        <a:srgbClr val="3EA9F5"/>
+      </a:accent2>
+      <a:accent3>
+        <a:srgbClr val="489FB5"/>
+      </a:accent3>
+      <a:accent4>
+        <a:srgbClr val="0BDDA3"/>
+      </a:accent4>
+      <a:accent5>
+        <a:srgbClr val="EFCA08"/>
+      </a:accent5>
+      <a:accent6>
+        <a:srgbClr val="FF4E00"/>
+      </a:accent6>
+      <a:hlink>
+        <a:srgbClr val="3EA9F5"/>
+      </a:hlink>
+      <a:folHlink>
+        <a:srgbClr val="3EA9F5"/>
+      </a:folHlink>
+    </a:clrScheme>
+    <a:fontScheme name="Office">
+      <a:majorFont>
+        <a:latin typeface="Arial"/>
+        <a:ea typeface=""/>
+        <a:cs typeface=""/>
+        <a:font script="Jpan" typeface="ＭＳ Ｐゴシック"/>
+        <a:font script="Hang" typeface="맑은 고딕"/>
+        <a:font script="Hans" typeface="宋体"/>
+        <a:font script="Hant" typeface="新細明體"/>
+        <a:font script="Arab" typeface="Times New Roman"/>
+        <a:font script="Hebr" typeface="Times New Roman"/>
+        <a:font script="Thai" typeface="Angsana New"/>
+        <a:font script="Ethi" typeface="Nyala"/>
+        <a:font script="Beng" typeface="Vrinda"/>
+        <a:font script="Gujr" typeface="Shruti"/>
+        <a:font script="Khmr" typeface="MoolBoran"/>
+        <a:font script="Knda" typeface="Tunga"/>
+        <a:font script="Guru" typeface="Raavi"/>
+        <a:font script="Cans" typeface="Euphemia"/>
+        <a:font script="Cher" typeface="Plantagenet Cherokee"/>
+        <a:font script="Yiii" typeface="Microsoft Yi Baiti"/>
+        <a:font script="Tibt" typeface="Microsoft Himalaya"/>
+        <a:font script="Thaa" typeface="MV Boli"/>
+        <a:font script="Deva" typeface="Mangal"/>
+        <a:font script="Telu" typeface="Gautami"/>
+        <a:font script="Taml" typeface="Latha"/>
+        <a:font script="Syrc" typeface="Estrangelo Edessa"/>
+        <a:font script="Orya" typeface="Kalinga"/>
+        <a:font script="Mlym" typeface="Kartika"/>
+        <a:font script="Laoo" typeface="DokChampa"/>
+        <a:font script="Sinh" typeface="Iskoola Pota"/>
+        <a:font script="Mong" typeface="Mongolian Baiti"/>
+        <a:font script="Viet" typeface="Times New Roman"/>
+        <a:font script="Uigh" typeface="Microsoft Uighur"/>
+        <a:font script="Geor" typeface="Sylfaen"/>
+      </a:majorFont>
+      <a:minorFont>
+        <a:latin typeface="Arial"/>
+        <a:ea typeface=""/>
+        <a:cs typeface=""/>
+        <a:font script="Jpan" typeface="ＭＳ Ｐゴシック"/>
+        <a:font script="Hang" typeface="맑은 고딕"/>
+        <a:font script="Hans" typeface="宋体"/>
+        <a:font script="Hant" typeface="新細明體"/>
+        <a:font script="Arab" typeface="Arial"/>
+        <a:font script="Hebr" typeface="Arial"/>
+        <a:font script="Thai" typeface="Cordia New"/>
+        <a:font script="Ethi" typeface="Nyala"/>
+        <a:font script="Beng" typeface="Vrinda"/>
+        <a:font script="Gujr" typeface="Shruti"/>
+        <a:font script="Khmr" typeface="DaunPenh"/>
+        <a:font script="Knda" typeface="Tunga"/>
+        <a:font script="Guru" typeface="Raavi"/>
+        <a:font script="Cans" typeface="Euphemia"/>
+        <a:font script="Cher" typeface="Plantagenet Cherokee"/>
+        <a:font script="Yiii" typeface="Microsoft Yi Baiti"/>
+        <a:font script="Tibt" typeface="Microsoft Himalaya"/>
+        <a:font script="Thaa" typeface="MV Boli"/>
+        <a:font script="Deva" typeface="Mangal"/>
+        <a:font script="Telu" typeface="Gautami"/>
+        <a:font script="Taml" typeface="Latha"/>
+        <a:font script="Syrc" typeface="Estrangelo Edessa"/>
+        <a:font script="Orya" typeface="Kalinga"/>
+        <a:font script="Mlym" typeface="Kartika"/>
+        <a:font script="Laoo" typeface="DokChampa"/>
+        <a:font script="Sinh" typeface="Iskoola Pota"/>
+        <a:font script="Mong" typeface="Mongolian Baiti"/>
+        <a:font script="Viet" typeface="Arial"/>
+        <a:font script="Uigh" typeface="Microsoft Uighur"/>
+        <a:font script="Geor" typeface="Sylfaen"/>
+      </a:minorFont>
+    </a:fontScheme>
+    <a:fmtScheme name="Office">
+      <a:fillStyleLst>
+        <a:solidFill>
+          <a:schemeClr val="phClr"/>
+        </a:solidFill>
+        <a:gradFill rotWithShape="1">
+          <a:gsLst>
+            <a:gs pos="0">
+              <a:schemeClr val="phClr">
+                <a:tint val="50000"/>
+                <a:satMod val="300000"/>
+              </a:schemeClr>
+            </a:gs>
+            <a:gs pos="35000">
+              <a:schemeClr val="phClr">
+                <a:tint val="37000"/>
+                <a:satMod val="300000"/>
+              </a:schemeClr>
+            </a:gs>
+            <a:gs pos="100000">
+              <a:schemeClr val="phClr">
+                <a:tint val="15000"/>
+                <a:satMod val="350000"/>
+              </a:schemeClr>
+            </a:gs>
+          </a:gsLst>
+          <a:lin ang="16200000" scaled="1"/>
+        </a:gradFill>
+        <a:gradFill rotWithShape="1">
+          <a:gsLst>
+            <a:gs pos="0">
+              <a:schemeClr val="phClr">
+                <a:tint val="100000"/>
+                <a:shade val="100000"/>
+                <a:satMod val="130000"/>
+              </a:schemeClr>
+            </a:gs>
+            <a:gs pos="100000">
+              <a:schemeClr val="phClr">
+                <a:tint val="50000"/>
+                <a:shade val="100000"/>
+                <a:satMod val="350000"/>
+              </a:schemeClr>
+            </a:gs>
+          </a:gsLst>
+          <a:lin ang="16200000" scaled="0"/>
+        </a:gradFill>
+      </a:fillStyleLst>
+      <a:lnStyleLst>
+        <a:ln w="9525" cap="flat" cmpd="sng" algn="ctr">
+          <a:solidFill>
+            <a:schemeClr val="phClr">
+              <a:shade val="95000"/>
+              <a:satMod val="105000"/>
+            </a:schemeClr>
+          </a:solidFill>
+          <a:prstDash val="solid"/>
+        </a:ln>
+        <a:ln w="25400" cap="flat" cmpd="sng" algn="ctr">
+          <a:solidFill>
+            <a:schemeClr val="phClr"/>
+          </a:solidFill>
+          <a:prstDash val="solid"/>
+        </a:ln>
+        <a:ln w="38100" cap="flat" cmpd="sng" algn="ctr">
+          <a:solidFill>
+            <a:schemeClr val="phClr"/>
+          </a:solidFill>
+          <a:prstDash val="solid"/>
+        </a:ln>
+      </a:lnStyleLst>
+      <a:effectStyleLst>
+        <a:effectStyle>
+          <a:effectLst>
+            <a:outerShdw blurRad="40000" dist="20000" dir="5400000" rotWithShape="0">
+              <a:srgbClr val="000000">
+                <a:alpha val="38000"/>
+              </a:srgbClr>
+            </a:outerShdw>
+          </a:effectLst>
+        </a:effectStyle>
+        <a:effectStyle>
+          <a:effectLst>
+            <a:outerShdw blurRad="40000" dist="23000" dir="5400000" rotWithShape="0">
+              <a:srgbClr val="000000">
+                <a:alpha val="35000"/>
+              </a:srgbClr>
+            </a:outerShdw>
+          </a:effectLst>
+        </a:effectStyle>
+        <a:effectStyle>
+          <a:effectLst>
+            <a:outerShdw blurRad="40000" dist="23000" dir="5400000" rotWithShape="0">
+              <a:srgbClr val="000000">
+                <a:alpha val="35000"/>
+              </a:srgbClr>
+            </a:outerShdw>
+          </a:effectLst>
+          <a:scene3d>
+            <a:camera prst="orthographicFront">
+              <a:rot lat="0" lon="0" rev="0"/>
+            </a:camera>
+            <a:lightRig rig="threePt" dir="t">
+              <a:rot lat="0" lon="0" rev="1200000"/>
+            </a:lightRig>
+          </a:scene3d>
+          <a:sp3d>
+            <a:bevelT w="63500" h="25400"/>
+          </a:sp3d>
+        </a:effectStyle>
+      </a:effectStyleLst>
+      <a:bgFillStyleLst>
+        <a:solidFill>
+          <a:schemeClr val="phClr"/>
+        </a:solidFill>
+        <a:gradFill rotWithShape="1">
+          <a:gsLst>
+            <a:gs pos="0">
+              <a:schemeClr val="phClr">
+                <a:tint val="40000"/>
+                <a:satMod val="350000"/>
+              </a:schemeClr>
+            </a:gs>
+            <a:gs pos="40000">
+              <a:schemeClr val="phClr">
+                <a:tint val="45000"/>
+                <a:shade val="99000"/>
+                <a:satMod val="350000"/>
+              </a:schemeClr>
+            </a:gs>
+            <a:gs pos="100000">
+              <a:schemeClr val="phClr">
+                <a:shade val="20000"/>
+                <a:satMod val="255000"/>
+              </a:schemeClr>
+            </a:gs>
+          </a:gsLst>
+          <a:path path="circle">
+            <a:fillToRect l="50000" t="-80000" r="50000" b="180000"/>
+          </a:path>
+        </a:gradFill>
+        <a:gradFill rotWithShape="1">
+          <a:gsLst>
+            <a:gs pos="0">
+              <a:schemeClr val="phClr">
+                <a:tint val="80000"/>
+                <a:satMod val="300000"/>
+              </a:schemeClr>
+            </a:gs>
+            <a:gs pos="100000">
+              <a:schemeClr val="phClr">
+                <a:shade val="30000"/>
+                <a:satMod val="200000"/>
+              </a:schemeClr>
+            </a:gs>
+          </a:gsLst>
+          <a:path path="circle">
+            <a:fillToRect l="50000" t="50000" r="50000" b="50000"/>
+          </a:path>
+        </a:gradFill>
+      </a:bgFillStyleLst>
+    </a:fmtScheme>
+  </a:themeElements>
+</a:theme>
+</file>
+
+<file path=ppt/theme/theme2.xml><?xml version="1.0" encoding="utf-8"?>
 <a:theme xmlns:a="http://schemas.openxmlformats.org/drawingml/2006/main" xmlns:r="http://schemas.openxmlformats.org/officeDocument/2006/relationships">
   <a:themeElements>
     <a:clrScheme name="Default">
@@ -51331,283 +51718,4 @@
     </a:fmtScheme>
   </a:themeElements>
 </a:theme>
-</file>
-
-<file path=ppt/theme/theme2.xml><?xml version="1.0" encoding="utf-8"?>
-<a:theme xmlns:a="http://schemas.openxmlformats.org/drawingml/2006/main" xmlns:r="http://schemas.openxmlformats.org/officeDocument/2006/relationships" name="Office Theme">
-  <a:themeElements>
-    <a:clrScheme name="Dapr">
-      <a:dk1>
-        <a:srgbClr val="121C29"/>
-      </a:dk1>
-      <a:lt1>
-        <a:srgbClr val="FCFCFC"/>
-      </a:lt1>
-      <a:dk2>
-        <a:srgbClr val="121C29"/>
-      </a:dk2>
-      <a:lt2>
-        <a:srgbClr val="AAAAAA"/>
-      </a:lt2>
-      <a:accent1>
-        <a:srgbClr val="0D2192"/>
-      </a:accent1>
-      <a:accent2>
-        <a:srgbClr val="3EA9F5"/>
-      </a:accent2>
-      <a:accent3>
-        <a:srgbClr val="489FB5"/>
-      </a:accent3>
-      <a:accent4>
-        <a:srgbClr val="0BDDA3"/>
-      </a:accent4>
-      <a:accent5>
-        <a:srgbClr val="EFCA08"/>
-      </a:accent5>
-      <a:accent6>
-        <a:srgbClr val="FF4E00"/>
-      </a:accent6>
-      <a:hlink>
-        <a:srgbClr val="3EA9F5"/>
-      </a:hlink>
-      <a:folHlink>
-        <a:srgbClr val="3EA9F5"/>
-      </a:folHlink>
-    </a:clrScheme>
-    <a:fontScheme name="Office">
-      <a:majorFont>
-        <a:latin typeface="Arial"/>
-        <a:ea typeface=""/>
-        <a:cs typeface=""/>
-        <a:font script="Jpan" typeface="ＭＳ Ｐゴシック"/>
-        <a:font script="Hang" typeface="맑은 고딕"/>
-        <a:font script="Hans" typeface="宋体"/>
-        <a:font script="Hant" typeface="新細明體"/>
-        <a:font script="Arab" typeface="Times New Roman"/>
-        <a:font script="Hebr" typeface="Times New Roman"/>
-        <a:font script="Thai" typeface="Angsana New"/>
-        <a:font script="Ethi" typeface="Nyala"/>
-        <a:font script="Beng" typeface="Vrinda"/>
-        <a:font script="Gujr" typeface="Shruti"/>
-        <a:font script="Khmr" typeface="MoolBoran"/>
-        <a:font script="Knda" typeface="Tunga"/>
-        <a:font script="Guru" typeface="Raavi"/>
-        <a:font script="Cans" typeface="Euphemia"/>
-        <a:font script="Cher" typeface="Plantagenet Cherokee"/>
-        <a:font script="Yiii" typeface="Microsoft Yi Baiti"/>
-        <a:font script="Tibt" typeface="Microsoft Himalaya"/>
-        <a:font script="Thaa" typeface="MV Boli"/>
-        <a:font script="Deva" typeface="Mangal"/>
-        <a:font script="Telu" typeface="Gautami"/>
-        <a:font script="Taml" typeface="Latha"/>
-        <a:font script="Syrc" typeface="Estrangelo Edessa"/>
-        <a:font script="Orya" typeface="Kalinga"/>
-        <a:font script="Mlym" typeface="Kartika"/>
-        <a:font script="Laoo" typeface="DokChampa"/>
-        <a:font script="Sinh" typeface="Iskoola Pota"/>
-        <a:font script="Mong" typeface="Mongolian Baiti"/>
-        <a:font script="Viet" typeface="Times New Roman"/>
-        <a:font script="Uigh" typeface="Microsoft Uighur"/>
-        <a:font script="Geor" typeface="Sylfaen"/>
-      </a:majorFont>
-      <a:minorFont>
-        <a:latin typeface="Arial"/>
-        <a:ea typeface=""/>
-        <a:cs typeface=""/>
-        <a:font script="Jpan" typeface="ＭＳ Ｐゴシック"/>
-        <a:font script="Hang" typeface="맑은 고딕"/>
-        <a:font script="Hans" typeface="宋体"/>
-        <a:font script="Hant" typeface="新細明體"/>
-        <a:font script="Arab" typeface="Arial"/>
-        <a:font script="Hebr" typeface="Arial"/>
-        <a:font script="Thai" typeface="Cordia New"/>
-        <a:font script="Ethi" typeface="Nyala"/>
-        <a:font script="Beng" typeface="Vrinda"/>
-        <a:font script="Gujr" typeface="Shruti"/>
-        <a:font script="Khmr" typeface="DaunPenh"/>
-        <a:font script="Knda" typeface="Tunga"/>
-        <a:font script="Guru" typeface="Raavi"/>
-        <a:font script="Cans" typeface="Euphemia"/>
-        <a:font script="Cher" typeface="Plantagenet Cherokee"/>
-        <a:font script="Yiii" typeface="Microsoft Yi Baiti"/>
-        <a:font script="Tibt" typeface="Microsoft Himalaya"/>
-        <a:font script="Thaa" typeface="MV Boli"/>
-        <a:font script="Deva" typeface="Mangal"/>
-        <a:font script="Telu" typeface="Gautami"/>
-        <a:font script="Taml" typeface="Latha"/>
-        <a:font script="Syrc" typeface="Estrangelo Edessa"/>
-        <a:font script="Orya" typeface="Kalinga"/>
-        <a:font script="Mlym" typeface="Kartika"/>
-        <a:font script="Laoo" typeface="DokChampa"/>
-        <a:font script="Sinh" typeface="Iskoola Pota"/>
-        <a:font script="Mong" typeface="Mongolian Baiti"/>
-        <a:font script="Viet" typeface="Arial"/>
-        <a:font script="Uigh" typeface="Microsoft Uighur"/>
-        <a:font script="Geor" typeface="Sylfaen"/>
-      </a:minorFont>
-    </a:fontScheme>
-    <a:fmtScheme name="Office">
-      <a:fillStyleLst>
-        <a:solidFill>
-          <a:schemeClr val="phClr"/>
-        </a:solidFill>
-        <a:gradFill rotWithShape="1">
-          <a:gsLst>
-            <a:gs pos="0">
-              <a:schemeClr val="phClr">
-                <a:tint val="50000"/>
-                <a:satMod val="300000"/>
-              </a:schemeClr>
-            </a:gs>
-            <a:gs pos="35000">
-              <a:schemeClr val="phClr">
-                <a:tint val="37000"/>
-                <a:satMod val="300000"/>
-              </a:schemeClr>
-            </a:gs>
-            <a:gs pos="100000">
-              <a:schemeClr val="phClr">
-                <a:tint val="15000"/>
-                <a:satMod val="350000"/>
-              </a:schemeClr>
-            </a:gs>
-          </a:gsLst>
-          <a:lin ang="16200000" scaled="1"/>
-        </a:gradFill>
-        <a:gradFill rotWithShape="1">
-          <a:gsLst>
-            <a:gs pos="0">
-              <a:schemeClr val="phClr">
-                <a:tint val="100000"/>
-                <a:shade val="100000"/>
-                <a:satMod val="130000"/>
-              </a:schemeClr>
-            </a:gs>
-            <a:gs pos="100000">
-              <a:schemeClr val="phClr">
-                <a:tint val="50000"/>
-                <a:shade val="100000"/>
-                <a:satMod val="350000"/>
-              </a:schemeClr>
-            </a:gs>
-          </a:gsLst>
-          <a:lin ang="16200000" scaled="0"/>
-        </a:gradFill>
-      </a:fillStyleLst>
-      <a:lnStyleLst>
-        <a:ln w="9525" cap="flat" cmpd="sng" algn="ctr">
-          <a:solidFill>
-            <a:schemeClr val="phClr">
-              <a:shade val="95000"/>
-              <a:satMod val="105000"/>
-            </a:schemeClr>
-          </a:solidFill>
-          <a:prstDash val="solid"/>
-        </a:ln>
-        <a:ln w="25400" cap="flat" cmpd="sng" algn="ctr">
-          <a:solidFill>
-            <a:schemeClr val="phClr"/>
-          </a:solidFill>
-          <a:prstDash val="solid"/>
-        </a:ln>
-        <a:ln w="38100" cap="flat" cmpd="sng" algn="ctr">
-          <a:solidFill>
-            <a:schemeClr val="phClr"/>
-          </a:solidFill>
-          <a:prstDash val="solid"/>
-        </a:ln>
-      </a:lnStyleLst>
-      <a:effectStyleLst>
-        <a:effectStyle>
-          <a:effectLst>
-            <a:outerShdw blurRad="40000" dist="20000" dir="5400000" rotWithShape="0">
-              <a:srgbClr val="000000">
-                <a:alpha val="38000"/>
-              </a:srgbClr>
-            </a:outerShdw>
-          </a:effectLst>
-        </a:effectStyle>
-        <a:effectStyle>
-          <a:effectLst>
-            <a:outerShdw blurRad="40000" dist="23000" dir="5400000" rotWithShape="0">
-              <a:srgbClr val="000000">
-                <a:alpha val="35000"/>
-              </a:srgbClr>
-            </a:outerShdw>
-          </a:effectLst>
-        </a:effectStyle>
-        <a:effectStyle>
-          <a:effectLst>
-            <a:outerShdw blurRad="40000" dist="23000" dir="5400000" rotWithShape="0">
-              <a:srgbClr val="000000">
-                <a:alpha val="35000"/>
-              </a:srgbClr>
-            </a:outerShdw>
-          </a:effectLst>
-          <a:scene3d>
-            <a:camera prst="orthographicFront">
-              <a:rot lat="0" lon="0" rev="0"/>
-            </a:camera>
-            <a:lightRig rig="threePt" dir="t">
-              <a:rot lat="0" lon="0" rev="1200000"/>
-            </a:lightRig>
-          </a:scene3d>
-          <a:sp3d>
-            <a:bevelT w="63500" h="25400"/>
-          </a:sp3d>
-        </a:effectStyle>
-      </a:effectStyleLst>
-      <a:bgFillStyleLst>
-        <a:solidFill>
-          <a:schemeClr val="phClr"/>
-        </a:solidFill>
-        <a:gradFill rotWithShape="1">
-          <a:gsLst>
-            <a:gs pos="0">
-              <a:schemeClr val="phClr">
-                <a:tint val="40000"/>
-                <a:satMod val="350000"/>
-              </a:schemeClr>
-            </a:gs>
-            <a:gs pos="40000">
-              <a:schemeClr val="phClr">
-                <a:tint val="45000"/>
-                <a:shade val="99000"/>
-                <a:satMod val="350000"/>
-              </a:schemeClr>
-            </a:gs>
-            <a:gs pos="100000">
-              <a:schemeClr val="phClr">
-                <a:shade val="20000"/>
-                <a:satMod val="255000"/>
-              </a:schemeClr>
-            </a:gs>
-          </a:gsLst>
-          <a:path path="circle">
-            <a:fillToRect l="50000" t="-80000" r="50000" b="180000"/>
-          </a:path>
-        </a:gradFill>
-        <a:gradFill rotWithShape="1">
-          <a:gsLst>
-            <a:gs pos="0">
-              <a:schemeClr val="phClr">
-                <a:tint val="80000"/>
-                <a:satMod val="300000"/>
-              </a:schemeClr>
-            </a:gs>
-            <a:gs pos="100000">
-              <a:schemeClr val="phClr">
-                <a:shade val="30000"/>
-                <a:satMod val="200000"/>
-              </a:schemeClr>
-            </a:gs>
-          </a:gsLst>
-          <a:path path="circle">
-            <a:fillToRect l="50000" t="50000" r="50000" b="50000"/>
-          </a:path>
-        </a:gradFill>
-      </a:bgFillStyleLst>
-    </a:fmtScheme>
-  </a:themeElements>
-</a:theme>
 </file>